--- a/Sprint_3_v2.1.pptx
+++ b/Sprint_3_v2.1.pptx
@@ -5,21 +5,24 @@
     <p:sldMasterId id="2147483696" r:id="rId1"/>
   </p:sldMasterIdLst>
   <p:notesMasterIdLst>
-    <p:notesMasterId r:id="rId14"/>
+    <p:notesMasterId r:id="rId17"/>
   </p:notesMasterIdLst>
   <p:sldIdLst>
     <p:sldId id="256" r:id="rId2"/>
-    <p:sldId id="272" r:id="rId3"/>
-    <p:sldId id="271" r:id="rId4"/>
-    <p:sldId id="260" r:id="rId5"/>
+    <p:sldId id="273" r:id="rId3"/>
+    <p:sldId id="272" r:id="rId4"/>
+    <p:sldId id="271" r:id="rId5"/>
     <p:sldId id="261" r:id="rId6"/>
-    <p:sldId id="263" r:id="rId7"/>
-    <p:sldId id="264" r:id="rId8"/>
-    <p:sldId id="269" r:id="rId9"/>
-    <p:sldId id="270" r:id="rId10"/>
-    <p:sldId id="265" r:id="rId11"/>
-    <p:sldId id="266" r:id="rId12"/>
-    <p:sldId id="267" r:id="rId13"/>
+    <p:sldId id="260" r:id="rId7"/>
+    <p:sldId id="275" r:id="rId8"/>
+    <p:sldId id="274" r:id="rId9"/>
+    <p:sldId id="263" r:id="rId10"/>
+    <p:sldId id="264" r:id="rId11"/>
+    <p:sldId id="269" r:id="rId12"/>
+    <p:sldId id="270" r:id="rId13"/>
+    <p:sldId id="265" r:id="rId14"/>
+    <p:sldId id="266" r:id="rId15"/>
+    <p:sldId id="267" r:id="rId16"/>
   </p:sldIdLst>
   <p:sldSz cx="9144000" cy="6858000" type="screen4x3"/>
   <p:notesSz cx="6858000" cy="9144000"/>
@@ -153,7 +156,17 @@
   <c:chart>
     <c:autoTitleDeleted val="1"/>
     <c:plotArea>
-      <c:layout/>
+      <c:layout>
+        <c:manualLayout>
+          <c:layoutTarget val="inner"/>
+          <c:xMode val="edge"/>
+          <c:yMode val="edge"/>
+          <c:x val="7.1560760277735697E-2"/>
+          <c:y val="3.43507202112142E-2"/>
+          <c:w val="0.880244070792505"/>
+          <c:h val="0.79541191286790802"/>
+        </c:manualLayout>
+      </c:layout>
       <c:lineChart>
         <c:grouping val="standard"/>
         <c:varyColors val="0"/>
@@ -197,10 +210,10 @@
           </c:marker>
           <c:cat>
             <c:numRef>
-              <c:f>Foglio1!$A$2:$A$11</c:f>
+              <c:f>Foglio1!$A$2:$A$10</c:f>
               <c:numCache>
                 <c:formatCode>General</c:formatCode>
-                <c:ptCount val="10"/>
+                <c:ptCount val="9"/>
                 <c:pt idx="0">
                   <c:v>1</c:v>
                 </c:pt>
@@ -227,47 +240,41 @@
                 </c:pt>
                 <c:pt idx="8">
                   <c:v>9</c:v>
-                </c:pt>
-                <c:pt idx="9">
-                  <c:v>10</c:v>
                 </c:pt>
               </c:numCache>
             </c:numRef>
           </c:cat>
           <c:val>
             <c:numRef>
-              <c:f>Foglio1!$B$2:$B$11</c:f>
+              <c:f>Foglio1!$B$2:$B$10</c:f>
               <c:numCache>
                 <c:formatCode>General</c:formatCode>
-                <c:ptCount val="10"/>
+                <c:ptCount val="9"/>
                 <c:pt idx="0">
-                  <c:v>73</c:v>
+                  <c:v>71</c:v>
                 </c:pt>
                 <c:pt idx="1">
-                  <c:v>68</c:v>
+                  <c:v>63</c:v>
                 </c:pt>
                 <c:pt idx="2">
-                  <c:v>63</c:v>
+                  <c:v>51</c:v>
                 </c:pt>
                 <c:pt idx="3">
-                  <c:v>60</c:v>
+                  <c:v>42</c:v>
                 </c:pt>
                 <c:pt idx="4">
-                  <c:v>55</c:v>
+                  <c:v>34</c:v>
                 </c:pt>
                 <c:pt idx="5">
-                  <c:v>45</c:v>
+                  <c:v>17</c:v>
                 </c:pt>
                 <c:pt idx="6">
-                  <c:v>35</c:v>
+                  <c:v>12</c:v>
                 </c:pt>
                 <c:pt idx="7">
-                  <c:v>20</c:v>
+                  <c:v>6</c:v>
                 </c:pt>
                 <c:pt idx="8">
-                  <c:v>10</c:v>
-                </c:pt>
-                <c:pt idx="9">
                   <c:v>0</c:v>
                 </c:pt>
               </c:numCache>
@@ -276,7 +283,7 @@
           <c:smooth val="0"/>
           <c:extLst>
             <c:ext xmlns:c16="http://schemas.microsoft.com/office/drawing/2014/chart" uri="{C3380CC4-5D6E-409C-BE32-E72D297353CC}">
-              <c16:uniqueId val="{00000000-5B94-4702-965C-2E8EB30ECBBB}"/>
+              <c16:uniqueId val="{00000000-392E-4E0E-B0E1-471401C9A8D0}"/>
             </c:ext>
           </c:extLst>
         </c:ser>
@@ -320,10 +327,10 @@
           </c:marker>
           <c:cat>
             <c:numRef>
-              <c:f>Foglio1!$A$2:$A$11</c:f>
+              <c:f>Foglio1!$A$2:$A$10</c:f>
               <c:numCache>
                 <c:formatCode>General</c:formatCode>
-                <c:ptCount val="10"/>
+                <c:ptCount val="9"/>
                 <c:pt idx="0">
                   <c:v>1</c:v>
                 </c:pt>
@@ -350,47 +357,41 @@
                 </c:pt>
                 <c:pt idx="8">
                   <c:v>9</c:v>
-                </c:pt>
-                <c:pt idx="9">
-                  <c:v>10</c:v>
                 </c:pt>
               </c:numCache>
             </c:numRef>
           </c:cat>
           <c:val>
             <c:numRef>
-              <c:f>Foglio1!$C$2:$C$11</c:f>
+              <c:f>Foglio1!$C$2:$C$10</c:f>
               <c:numCache>
-                <c:formatCode>0.00</c:formatCode>
-                <c:ptCount val="10"/>
+                <c:formatCode>General</c:formatCode>
+                <c:ptCount val="9"/>
                 <c:pt idx="0">
-                  <c:v>83</c:v>
+                  <c:v>89</c:v>
                 </c:pt>
                 <c:pt idx="1">
-                  <c:v>73.78</c:v>
+                  <c:v>77.874999999999986</c:v>
                 </c:pt>
                 <c:pt idx="2">
-                  <c:v>64.56</c:v>
+                  <c:v>66.75</c:v>
                 </c:pt>
                 <c:pt idx="3">
-                  <c:v>55.34</c:v>
+                  <c:v>55.625</c:v>
                 </c:pt>
                 <c:pt idx="4">
-                  <c:v>46.12</c:v>
+                  <c:v>44.5</c:v>
                 </c:pt>
                 <c:pt idx="5">
-                  <c:v>36.9</c:v>
+                  <c:v>33.375</c:v>
                 </c:pt>
                 <c:pt idx="6">
-                  <c:v>27.68</c:v>
+                  <c:v>22.25</c:v>
                 </c:pt>
                 <c:pt idx="7">
-                  <c:v>18.46</c:v>
+                  <c:v>11.125</c:v>
                 </c:pt>
                 <c:pt idx="8">
-                  <c:v>9.2399999999999984</c:v>
-                </c:pt>
-                <c:pt idx="9">
                   <c:v>0</c:v>
                 </c:pt>
               </c:numCache>
@@ -399,7 +400,7 @@
           <c:smooth val="0"/>
           <c:extLst>
             <c:ext xmlns:c16="http://schemas.microsoft.com/office/drawing/2014/chart" uri="{C3380CC4-5D6E-409C-BE32-E72D297353CC}">
-              <c16:uniqueId val="{00000001-5B94-4702-965C-2E8EB30ECBBB}"/>
+              <c16:uniqueId val="{00000001-392E-4E0E-B0E1-471401C9A8D0}"/>
             </c:ext>
           </c:extLst>
         </c:ser>
@@ -413,11 +414,11 @@
         </c:dLbls>
         <c:marker val="1"/>
         <c:smooth val="0"/>
-        <c:axId val="-1881882240"/>
-        <c:axId val="-1881880192"/>
+        <c:axId val="-1881834928"/>
+        <c:axId val="-1881832448"/>
       </c:lineChart>
       <c:catAx>
-        <c:axId val="-1881882240"/>
+        <c:axId val="-1881834928"/>
         <c:scaling>
           <c:orientation val="minMax"/>
         </c:scaling>
@@ -457,7 +458,7 @@
             <a:endParaRPr lang="it-IT"/>
           </a:p>
         </c:txPr>
-        <c:crossAx val="-1881880192"/>
+        <c:crossAx val="-1881832448"/>
         <c:crosses val="autoZero"/>
         <c:auto val="1"/>
         <c:lblAlgn val="ctr"/>
@@ -465,7 +466,7 @@
         <c:noMultiLvlLbl val="0"/>
       </c:catAx>
       <c:valAx>
-        <c:axId val="-1881880192"/>
+        <c:axId val="-1881832448"/>
         <c:scaling>
           <c:orientation val="minMax"/>
           <c:max val="90"/>
@@ -514,7 +515,7 @@
             <a:endParaRPr lang="it-IT"/>
           </a:p>
         </c:txPr>
-        <c:crossAx val="-1881882240"/>
+        <c:crossAx val="-1881834928"/>
         <c:crosses val="autoZero"/>
         <c:crossBetween val="between"/>
       </c:valAx>
@@ -576,17 +577,7 @@
   <c:chart>
     <c:autoTitleDeleted val="1"/>
     <c:plotArea>
-      <c:layout>
-        <c:manualLayout>
-          <c:layoutTarget val="inner"/>
-          <c:xMode val="edge"/>
-          <c:yMode val="edge"/>
-          <c:x val="7.1560760277735697E-2"/>
-          <c:y val="3.43507202112142E-2"/>
-          <c:w val="0.880244070792505"/>
-          <c:h val="0.79541191286790802"/>
-        </c:manualLayout>
-      </c:layout>
+      <c:layout/>
       <c:lineChart>
         <c:grouping val="standard"/>
         <c:varyColors val="0"/>
@@ -671,31 +662,31 @@
                 <c:formatCode>General</c:formatCode>
                 <c:ptCount val="9"/>
                 <c:pt idx="0">
-                  <c:v>71</c:v>
+                  <c:v>46</c:v>
                 </c:pt>
                 <c:pt idx="1">
-                  <c:v>63</c:v>
+                  <c:v>43</c:v>
                 </c:pt>
                 <c:pt idx="2">
-                  <c:v>51</c:v>
+                  <c:v>39</c:v>
                 </c:pt>
                 <c:pt idx="3">
-                  <c:v>42</c:v>
+                  <c:v>34</c:v>
                 </c:pt>
                 <c:pt idx="4">
-                  <c:v>34</c:v>
+                  <c:v>31</c:v>
                 </c:pt>
                 <c:pt idx="5">
-                  <c:v>17</c:v>
+                  <c:v>24</c:v>
                 </c:pt>
                 <c:pt idx="6">
-                  <c:v>12</c:v>
+                  <c:v>18</c:v>
                 </c:pt>
                 <c:pt idx="7">
-                  <c:v>6</c:v>
+                  <c:v>13</c:v>
                 </c:pt>
                 <c:pt idx="8">
-                  <c:v>0</c:v>
+                  <c:v>8</c:v>
                 </c:pt>
               </c:numCache>
             </c:numRef>
@@ -703,7 +694,7 @@
           <c:smooth val="0"/>
           <c:extLst>
             <c:ext xmlns:c16="http://schemas.microsoft.com/office/drawing/2014/chart" uri="{C3380CC4-5D6E-409C-BE32-E72D297353CC}">
-              <c16:uniqueId val="{00000000-392E-4E0E-B0E1-471401C9A8D0}"/>
+              <c16:uniqueId val="{00000000-20E6-4F30-9B46-6CCA3020E6E5}"/>
             </c:ext>
           </c:extLst>
         </c:ser>
@@ -788,28 +779,28 @@
                 <c:formatCode>General</c:formatCode>
                 <c:ptCount val="9"/>
                 <c:pt idx="0">
-                  <c:v>89</c:v>
+                  <c:v>49</c:v>
                 </c:pt>
                 <c:pt idx="1">
-                  <c:v>77.874999999999986</c:v>
+                  <c:v>42.875</c:v>
                 </c:pt>
                 <c:pt idx="2">
-                  <c:v>66.75</c:v>
+                  <c:v>36.174999999999997</c:v>
                 </c:pt>
                 <c:pt idx="3">
-                  <c:v>55.625</c:v>
+                  <c:v>30.625</c:v>
                 </c:pt>
                 <c:pt idx="4">
-                  <c:v>44.5</c:v>
+                  <c:v>24.5</c:v>
                 </c:pt>
                 <c:pt idx="5">
-                  <c:v>33.375</c:v>
+                  <c:v>18.375</c:v>
                 </c:pt>
                 <c:pt idx="6">
-                  <c:v>22.25</c:v>
+                  <c:v>12.25</c:v>
                 </c:pt>
                 <c:pt idx="7">
-                  <c:v>11.125</c:v>
+                  <c:v>6.124999999999992</c:v>
                 </c:pt>
                 <c:pt idx="8">
                   <c:v>0</c:v>
@@ -820,7 +811,7 @@
           <c:smooth val="0"/>
           <c:extLst>
             <c:ext xmlns:c16="http://schemas.microsoft.com/office/drawing/2014/chart" uri="{C3380CC4-5D6E-409C-BE32-E72D297353CC}">
-              <c16:uniqueId val="{00000001-392E-4E0E-B0E1-471401C9A8D0}"/>
+              <c16:uniqueId val="{00000001-20E6-4F30-9B46-6CCA3020E6E5}"/>
             </c:ext>
           </c:extLst>
         </c:ser>
@@ -834,11 +825,11 @@
         </c:dLbls>
         <c:marker val="1"/>
         <c:smooth val="0"/>
-        <c:axId val="-1881834928"/>
-        <c:axId val="-1881832448"/>
+        <c:axId val="-1881805232"/>
+        <c:axId val="-1881802752"/>
       </c:lineChart>
       <c:catAx>
-        <c:axId val="-1881834928"/>
+        <c:axId val="-1881805232"/>
         <c:scaling>
           <c:orientation val="minMax"/>
         </c:scaling>
@@ -878,7 +869,7 @@
             <a:endParaRPr lang="it-IT"/>
           </a:p>
         </c:txPr>
-        <c:crossAx val="-1881832448"/>
+        <c:crossAx val="-1881802752"/>
         <c:crosses val="autoZero"/>
         <c:auto val="1"/>
         <c:lblAlgn val="ctr"/>
@@ -886,10 +877,10 @@
         <c:noMultiLvlLbl val="0"/>
       </c:catAx>
       <c:valAx>
-        <c:axId val="-1881832448"/>
+        <c:axId val="-1881802752"/>
         <c:scaling>
           <c:orientation val="minMax"/>
-          <c:max val="90"/>
+          <c:max val="50"/>
         </c:scaling>
         <c:delete val="0"/>
         <c:axPos val="l"/>
@@ -935,7 +926,7 @@
             <a:endParaRPr lang="it-IT"/>
           </a:p>
         </c:txPr>
-        <c:crossAx val="-1881834928"/>
+        <c:crossAx val="-1881805232"/>
         <c:crosses val="autoZero"/>
         <c:crossBetween val="between"/>
       </c:valAx>
@@ -1041,10 +1032,10 @@
           </c:marker>
           <c:cat>
             <c:numRef>
-              <c:f>Foglio1!$A$2:$A$10</c:f>
+              <c:f>Foglio1!$A$2:$A$11</c:f>
               <c:numCache>
                 <c:formatCode>General</c:formatCode>
-                <c:ptCount val="9"/>
+                <c:ptCount val="10"/>
                 <c:pt idx="0">
                   <c:v>1</c:v>
                 </c:pt>
@@ -1071,42 +1062,48 @@
                 </c:pt>
                 <c:pt idx="8">
                   <c:v>9</c:v>
+                </c:pt>
+                <c:pt idx="9">
+                  <c:v>10</c:v>
                 </c:pt>
               </c:numCache>
             </c:numRef>
           </c:cat>
           <c:val>
             <c:numRef>
-              <c:f>Foglio1!$B$2:$B$10</c:f>
+              <c:f>Foglio1!$B$2:$B$11</c:f>
               <c:numCache>
                 <c:formatCode>General</c:formatCode>
-                <c:ptCount val="9"/>
+                <c:ptCount val="10"/>
                 <c:pt idx="0">
-                  <c:v>46</c:v>
+                  <c:v>73</c:v>
                 </c:pt>
                 <c:pt idx="1">
-                  <c:v>43</c:v>
+                  <c:v>68</c:v>
                 </c:pt>
                 <c:pt idx="2">
-                  <c:v>39</c:v>
+                  <c:v>63</c:v>
                 </c:pt>
                 <c:pt idx="3">
-                  <c:v>34</c:v>
+                  <c:v>60</c:v>
                 </c:pt>
                 <c:pt idx="4">
-                  <c:v>31</c:v>
+                  <c:v>55</c:v>
                 </c:pt>
                 <c:pt idx="5">
-                  <c:v>24</c:v>
+                  <c:v>45</c:v>
                 </c:pt>
                 <c:pt idx="6">
-                  <c:v>18</c:v>
+                  <c:v>35</c:v>
                 </c:pt>
                 <c:pt idx="7">
-                  <c:v>13</c:v>
+                  <c:v>20</c:v>
                 </c:pt>
                 <c:pt idx="8">
-                  <c:v>8</c:v>
+                  <c:v>10</c:v>
+                </c:pt>
+                <c:pt idx="9">
+                  <c:v>0</c:v>
                 </c:pt>
               </c:numCache>
             </c:numRef>
@@ -1114,7 +1111,7 @@
           <c:smooth val="0"/>
           <c:extLst>
             <c:ext xmlns:c16="http://schemas.microsoft.com/office/drawing/2014/chart" uri="{C3380CC4-5D6E-409C-BE32-E72D297353CC}">
-              <c16:uniqueId val="{00000000-20E6-4F30-9B46-6CCA3020E6E5}"/>
+              <c16:uniqueId val="{00000000-5B94-4702-965C-2E8EB30ECBBB}"/>
             </c:ext>
           </c:extLst>
         </c:ser>
@@ -1158,10 +1155,10 @@
           </c:marker>
           <c:cat>
             <c:numRef>
-              <c:f>Foglio1!$A$2:$A$10</c:f>
+              <c:f>Foglio1!$A$2:$A$11</c:f>
               <c:numCache>
                 <c:formatCode>General</c:formatCode>
-                <c:ptCount val="9"/>
+                <c:ptCount val="10"/>
                 <c:pt idx="0">
                   <c:v>1</c:v>
                 </c:pt>
@@ -1188,41 +1185,47 @@
                 </c:pt>
                 <c:pt idx="8">
                   <c:v>9</c:v>
+                </c:pt>
+                <c:pt idx="9">
+                  <c:v>10</c:v>
                 </c:pt>
               </c:numCache>
             </c:numRef>
           </c:cat>
           <c:val>
             <c:numRef>
-              <c:f>Foglio1!$C$2:$C$10</c:f>
+              <c:f>Foglio1!$C$2:$C$11</c:f>
               <c:numCache>
-                <c:formatCode>General</c:formatCode>
-                <c:ptCount val="9"/>
+                <c:formatCode>0.00</c:formatCode>
+                <c:ptCount val="10"/>
                 <c:pt idx="0">
-                  <c:v>49</c:v>
+                  <c:v>83</c:v>
                 </c:pt>
                 <c:pt idx="1">
-                  <c:v>42.875</c:v>
+                  <c:v>73.78</c:v>
                 </c:pt>
                 <c:pt idx="2">
-                  <c:v>36.174999999999997</c:v>
+                  <c:v>64.56</c:v>
                 </c:pt>
                 <c:pt idx="3">
-                  <c:v>30.625</c:v>
+                  <c:v>55.34</c:v>
                 </c:pt>
                 <c:pt idx="4">
-                  <c:v>24.5</c:v>
+                  <c:v>46.12</c:v>
                 </c:pt>
                 <c:pt idx="5">
-                  <c:v>18.375</c:v>
+                  <c:v>36.9</c:v>
                 </c:pt>
                 <c:pt idx="6">
-                  <c:v>12.25</c:v>
+                  <c:v>27.68</c:v>
                 </c:pt>
                 <c:pt idx="7">
-                  <c:v>6.124999999999992</c:v>
+                  <c:v>18.46</c:v>
                 </c:pt>
                 <c:pt idx="8">
+                  <c:v>9.2399999999999984</c:v>
+                </c:pt>
+                <c:pt idx="9">
                   <c:v>0</c:v>
                 </c:pt>
               </c:numCache>
@@ -1231,7 +1234,7 @@
           <c:smooth val="0"/>
           <c:extLst>
             <c:ext xmlns:c16="http://schemas.microsoft.com/office/drawing/2014/chart" uri="{C3380CC4-5D6E-409C-BE32-E72D297353CC}">
-              <c16:uniqueId val="{00000001-20E6-4F30-9B46-6CCA3020E6E5}"/>
+              <c16:uniqueId val="{00000001-5B94-4702-965C-2E8EB30ECBBB}"/>
             </c:ext>
           </c:extLst>
         </c:ser>
@@ -1245,11 +1248,11 @@
         </c:dLbls>
         <c:marker val="1"/>
         <c:smooth val="0"/>
-        <c:axId val="-1881805232"/>
-        <c:axId val="-1881802752"/>
+        <c:axId val="-1881776928"/>
+        <c:axId val="-1881774448"/>
       </c:lineChart>
       <c:catAx>
-        <c:axId val="-1881805232"/>
+        <c:axId val="-1881776928"/>
         <c:scaling>
           <c:orientation val="minMax"/>
         </c:scaling>
@@ -1289,7 +1292,7 @@
             <a:endParaRPr lang="it-IT"/>
           </a:p>
         </c:txPr>
-        <c:crossAx val="-1881802752"/>
+        <c:crossAx val="-1881774448"/>
         <c:crosses val="autoZero"/>
         <c:auto val="1"/>
         <c:lblAlgn val="ctr"/>
@@ -1297,10 +1300,10 @@
         <c:noMultiLvlLbl val="0"/>
       </c:catAx>
       <c:valAx>
-        <c:axId val="-1881802752"/>
+        <c:axId val="-1881774448"/>
         <c:scaling>
           <c:orientation val="minMax"/>
-          <c:max val="50"/>
+          <c:max val="90"/>
         </c:scaling>
         <c:delete val="0"/>
         <c:axPos val="l"/>
@@ -1346,7 +1349,7 @@
             <a:endParaRPr lang="it-IT"/>
           </a:p>
         </c:txPr>
-        <c:crossAx val="-1881805232"/>
+        <c:crossAx val="-1881776928"/>
         <c:crosses val="autoZero"/>
         <c:crossBetween val="between"/>
       </c:valAx>
@@ -1452,10 +1455,10 @@
           </c:marker>
           <c:cat>
             <c:numRef>
-              <c:f>Foglio1!$A$2:$A$11</c:f>
+              <c:f>Foglio1!$A$2:$A$29</c:f>
               <c:numCache>
                 <c:formatCode>General</c:formatCode>
-                <c:ptCount val="10"/>
+                <c:ptCount val="28"/>
                 <c:pt idx="0">
                   <c:v>1</c:v>
                 </c:pt>
@@ -1485,44 +1488,152 @@
                 </c:pt>
                 <c:pt idx="9">
                   <c:v>10</c:v>
+                </c:pt>
+                <c:pt idx="10">
+                  <c:v>11</c:v>
+                </c:pt>
+                <c:pt idx="11">
+                  <c:v>12</c:v>
+                </c:pt>
+                <c:pt idx="12">
+                  <c:v>13</c:v>
+                </c:pt>
+                <c:pt idx="13">
+                  <c:v>14</c:v>
+                </c:pt>
+                <c:pt idx="14">
+                  <c:v>15</c:v>
+                </c:pt>
+                <c:pt idx="15">
+                  <c:v>16</c:v>
+                </c:pt>
+                <c:pt idx="16">
+                  <c:v>17</c:v>
+                </c:pt>
+                <c:pt idx="17">
+                  <c:v>18</c:v>
+                </c:pt>
+                <c:pt idx="18">
+                  <c:v>19</c:v>
+                </c:pt>
+                <c:pt idx="19">
+                  <c:v>20</c:v>
+                </c:pt>
+                <c:pt idx="20">
+                  <c:v>21</c:v>
+                </c:pt>
+                <c:pt idx="21">
+                  <c:v>22</c:v>
+                </c:pt>
+                <c:pt idx="22">
+                  <c:v>23</c:v>
+                </c:pt>
+                <c:pt idx="23">
+                  <c:v>24</c:v>
+                </c:pt>
+                <c:pt idx="24">
+                  <c:v>25</c:v>
+                </c:pt>
+                <c:pt idx="25">
+                  <c:v>26</c:v>
+                </c:pt>
+                <c:pt idx="26">
+                  <c:v>27</c:v>
+                </c:pt>
+                <c:pt idx="27">
+                  <c:v>28</c:v>
                 </c:pt>
               </c:numCache>
             </c:numRef>
           </c:cat>
           <c:val>
             <c:numRef>
-              <c:f>Foglio1!$B$2:$B$11</c:f>
+              <c:f>Foglio1!$B$2:$B$29</c:f>
               <c:numCache>
                 <c:formatCode>General</c:formatCode>
-                <c:ptCount val="10"/>
+                <c:ptCount val="28"/>
                 <c:pt idx="0">
-                  <c:v>73</c:v>
+                  <c:v>207</c:v>
                 </c:pt>
                 <c:pt idx="1">
+                  <c:v>204</c:v>
+                </c:pt>
+                <c:pt idx="2">
+                  <c:v>200</c:v>
+                </c:pt>
+                <c:pt idx="3">
+                  <c:v>195</c:v>
+                </c:pt>
+                <c:pt idx="4">
+                  <c:v>192</c:v>
+                </c:pt>
+                <c:pt idx="5">
+                  <c:v>185</c:v>
+                </c:pt>
+                <c:pt idx="6">
+                  <c:v>179</c:v>
+                </c:pt>
+                <c:pt idx="7">
+                  <c:v>174</c:v>
+                </c:pt>
+                <c:pt idx="8">
+                  <c:v>169</c:v>
+                </c:pt>
+                <c:pt idx="9">
+                  <c:v>161</c:v>
+                </c:pt>
+                <c:pt idx="10">
+                  <c:v>153</c:v>
+                </c:pt>
+                <c:pt idx="11">
+                  <c:v>141</c:v>
+                </c:pt>
+                <c:pt idx="12">
+                  <c:v>132</c:v>
+                </c:pt>
+                <c:pt idx="13">
+                  <c:v>124</c:v>
+                </c:pt>
+                <c:pt idx="14">
+                  <c:v>107</c:v>
+                </c:pt>
+                <c:pt idx="15">
+                  <c:v>102</c:v>
+                </c:pt>
+                <c:pt idx="16">
+                  <c:v>95</c:v>
+                </c:pt>
+                <c:pt idx="17">
+                  <c:v>88</c:v>
+                </c:pt>
+                <c:pt idx="18">
+                  <c:v>72</c:v>
+                </c:pt>
+                <c:pt idx="19">
                   <c:v>68</c:v>
                 </c:pt>
-                <c:pt idx="2">
+                <c:pt idx="20">
                   <c:v>63</c:v>
                 </c:pt>
-                <c:pt idx="3">
+                <c:pt idx="21">
                   <c:v>60</c:v>
                 </c:pt>
-                <c:pt idx="4">
+                <c:pt idx="22">
                   <c:v>55</c:v>
                 </c:pt>
-                <c:pt idx="5">
+                <c:pt idx="23">
                   <c:v>45</c:v>
                 </c:pt>
-                <c:pt idx="6">
+                <c:pt idx="24">
                   <c:v>35</c:v>
                 </c:pt>
-                <c:pt idx="7">
+                <c:pt idx="25">
                   <c:v>20</c:v>
                 </c:pt>
-                <c:pt idx="8">
+                <c:pt idx="26">
                   <c:v>10</c:v>
                 </c:pt>
-                <c:pt idx="9">
+                <c:pt idx="27">
                   <c:v>0</c:v>
                 </c:pt>
               </c:numCache>
@@ -1531,7 +1642,7 @@
           <c:smooth val="0"/>
           <c:extLst>
             <c:ext xmlns:c16="http://schemas.microsoft.com/office/drawing/2014/chart" uri="{C3380CC4-5D6E-409C-BE32-E72D297353CC}">
-              <c16:uniqueId val="{00000000-5B94-4702-965C-2E8EB30ECBBB}"/>
+              <c16:uniqueId val="{00000000-2938-4F67-9464-13102E682B1A}"/>
             </c:ext>
           </c:extLst>
         </c:ser>
@@ -1575,10 +1686,10 @@
           </c:marker>
           <c:cat>
             <c:numRef>
-              <c:f>Foglio1!$A$2:$A$11</c:f>
+              <c:f>Foglio1!$A$2:$A$29</c:f>
               <c:numCache>
                 <c:formatCode>General</c:formatCode>
-                <c:ptCount val="10"/>
+                <c:ptCount val="28"/>
                 <c:pt idx="0">
                   <c:v>1</c:v>
                 </c:pt>
@@ -1608,44 +1719,152 @@
                 </c:pt>
                 <c:pt idx="9">
                   <c:v>10</c:v>
+                </c:pt>
+                <c:pt idx="10">
+                  <c:v>11</c:v>
+                </c:pt>
+                <c:pt idx="11">
+                  <c:v>12</c:v>
+                </c:pt>
+                <c:pt idx="12">
+                  <c:v>13</c:v>
+                </c:pt>
+                <c:pt idx="13">
+                  <c:v>14</c:v>
+                </c:pt>
+                <c:pt idx="14">
+                  <c:v>15</c:v>
+                </c:pt>
+                <c:pt idx="15">
+                  <c:v>16</c:v>
+                </c:pt>
+                <c:pt idx="16">
+                  <c:v>17</c:v>
+                </c:pt>
+                <c:pt idx="17">
+                  <c:v>18</c:v>
+                </c:pt>
+                <c:pt idx="18">
+                  <c:v>19</c:v>
+                </c:pt>
+                <c:pt idx="19">
+                  <c:v>20</c:v>
+                </c:pt>
+                <c:pt idx="20">
+                  <c:v>21</c:v>
+                </c:pt>
+                <c:pt idx="21">
+                  <c:v>22</c:v>
+                </c:pt>
+                <c:pt idx="22">
+                  <c:v>23</c:v>
+                </c:pt>
+                <c:pt idx="23">
+                  <c:v>24</c:v>
+                </c:pt>
+                <c:pt idx="24">
+                  <c:v>25</c:v>
+                </c:pt>
+                <c:pt idx="25">
+                  <c:v>26</c:v>
+                </c:pt>
+                <c:pt idx="26">
+                  <c:v>27</c:v>
+                </c:pt>
+                <c:pt idx="27">
+                  <c:v>28</c:v>
                 </c:pt>
               </c:numCache>
             </c:numRef>
           </c:cat>
           <c:val>
             <c:numRef>
-              <c:f>Foglio1!$C$2:$C$11</c:f>
+              <c:f>Foglio1!$C$2:$C$29</c:f>
               <c:numCache>
                 <c:formatCode>0.00</c:formatCode>
-                <c:ptCount val="10"/>
+                <c:ptCount val="28"/>
                 <c:pt idx="0">
-                  <c:v>83</c:v>
+                  <c:v>210</c:v>
                 </c:pt>
                 <c:pt idx="1">
-                  <c:v>73.78</c:v>
+                  <c:v>202.22</c:v>
                 </c:pt>
                 <c:pt idx="2">
-                  <c:v>64.56</c:v>
+                  <c:v>194.44</c:v>
                 </c:pt>
                 <c:pt idx="3">
-                  <c:v>55.34</c:v>
+                  <c:v>186.66</c:v>
                 </c:pt>
                 <c:pt idx="4">
-                  <c:v>46.12</c:v>
+                  <c:v>178.88</c:v>
                 </c:pt>
                 <c:pt idx="5">
-                  <c:v>36.9</c:v>
+                  <c:v>171.1</c:v>
                 </c:pt>
                 <c:pt idx="6">
-                  <c:v>27.68</c:v>
+                  <c:v>163.32</c:v>
                 </c:pt>
                 <c:pt idx="7">
-                  <c:v>18.46</c:v>
+                  <c:v>155.54</c:v>
                 </c:pt>
                 <c:pt idx="8">
-                  <c:v>9.2399999999999984</c:v>
+                  <c:v>147.76</c:v>
                 </c:pt>
                 <c:pt idx="9">
+                  <c:v>139.97999999999999</c:v>
+                </c:pt>
+                <c:pt idx="10">
+                  <c:v>132.19999999999999</c:v>
+                </c:pt>
+                <c:pt idx="11">
+                  <c:v>124.42</c:v>
+                </c:pt>
+                <c:pt idx="12">
+                  <c:v>116.64</c:v>
+                </c:pt>
+                <c:pt idx="13">
+                  <c:v>108.86</c:v>
+                </c:pt>
+                <c:pt idx="14">
+                  <c:v>101.08</c:v>
+                </c:pt>
+                <c:pt idx="15">
+                  <c:v>93.3</c:v>
+                </c:pt>
+                <c:pt idx="16">
+                  <c:v>85.53</c:v>
+                </c:pt>
+                <c:pt idx="17">
+                  <c:v>77.739999999999995</c:v>
+                </c:pt>
+                <c:pt idx="18">
+                  <c:v>69.959999999999994</c:v>
+                </c:pt>
+                <c:pt idx="19">
+                  <c:v>62.18</c:v>
+                </c:pt>
+                <c:pt idx="20">
+                  <c:v>54.4</c:v>
+                </c:pt>
+                <c:pt idx="21">
+                  <c:v>46.62</c:v>
+                </c:pt>
+                <c:pt idx="22">
+                  <c:v>38.840000000000003</c:v>
+                </c:pt>
+                <c:pt idx="23">
+                  <c:v>31.06</c:v>
+                </c:pt>
+                <c:pt idx="24">
+                  <c:v>23.28</c:v>
+                </c:pt>
+                <c:pt idx="25">
+                  <c:v>15.5</c:v>
+                </c:pt>
+                <c:pt idx="26">
+                  <c:v>7.72</c:v>
+                </c:pt>
+                <c:pt idx="27">
                   <c:v>0</c:v>
                 </c:pt>
               </c:numCache>
@@ -1654,7 +1873,7 @@
           <c:smooth val="0"/>
           <c:extLst>
             <c:ext xmlns:c16="http://schemas.microsoft.com/office/drawing/2014/chart" uri="{C3380CC4-5D6E-409C-BE32-E72D297353CC}">
-              <c16:uniqueId val="{00000001-5B94-4702-965C-2E8EB30ECBBB}"/>
+              <c16:uniqueId val="{00000001-2938-4F67-9464-13102E682B1A}"/>
             </c:ext>
           </c:extLst>
         </c:ser>
@@ -1668,11 +1887,11 @@
         </c:dLbls>
         <c:marker val="1"/>
         <c:smooth val="0"/>
-        <c:axId val="-1881776928"/>
-        <c:axId val="-1881774448"/>
+        <c:axId val="867672960"/>
+        <c:axId val="867674592"/>
       </c:lineChart>
       <c:catAx>
-        <c:axId val="-1881776928"/>
+        <c:axId val="867672960"/>
         <c:scaling>
           <c:orientation val="minMax"/>
         </c:scaling>
@@ -1712,7 +1931,7 @@
             <a:endParaRPr lang="it-IT"/>
           </a:p>
         </c:txPr>
-        <c:crossAx val="-1881774448"/>
+        <c:crossAx val="867674592"/>
         <c:crosses val="autoZero"/>
         <c:auto val="1"/>
         <c:lblAlgn val="ctr"/>
@@ -1720,10 +1939,11 @@
         <c:noMultiLvlLbl val="0"/>
       </c:catAx>
       <c:valAx>
-        <c:axId val="-1881774448"/>
+        <c:axId val="867674592"/>
         <c:scaling>
           <c:orientation val="minMax"/>
-          <c:max val="90"/>
+          <c:max val="210"/>
+          <c:min val="0"/>
         </c:scaling>
         <c:delete val="0"/>
         <c:axPos val="l"/>
@@ -1757,9 +1977,12 @@
           <a:lstStyle/>
           <a:p>
             <a:pPr>
-              <a:defRPr sz="1197" b="1" i="0" u="none" strike="noStrike" kern="1200" baseline="0">
-                <a:solidFill>
-                  <a:schemeClr val="tx1"/>
+              <a:defRPr sz="1197" b="0" i="0" u="none" strike="noStrike" kern="1200" baseline="0">
+                <a:solidFill>
+                  <a:schemeClr val="tx1">
+                    <a:lumMod val="65000"/>
+                    <a:lumOff val="35000"/>
+                  </a:schemeClr>
                 </a:solidFill>
                 <a:latin typeface="+mn-lt"/>
                 <a:ea typeface="+mn-ea"/>
@@ -1769,9 +1992,10 @@
             <a:endParaRPr lang="it-IT"/>
           </a:p>
         </c:txPr>
-        <c:crossAx val="-1881776928"/>
+        <c:crossAx val="867672960"/>
         <c:crosses val="autoZero"/>
         <c:crossBetween val="between"/>
+        <c:minorUnit val="28"/>
       </c:valAx>
       <c:spPr>
         <a:noFill/>
@@ -4401,7 +4625,7 @@
           <a:p>
             <a:fld id="{92EF19B8-6DED-3E42-8FFD-2E9E6C940484}" type="slidenum">
               <a:rPr lang="it-IT" smtClean="0"/>
-              <a:t>4</a:t>
+              <a:t>5</a:t>
             </a:fld>
             <a:endParaRPr lang="it-IT" dirty="0"/>
           </a:p>
@@ -4410,7 +4634,7 @@
     </p:spTree>
     <p:extLst>
       <p:ext uri="{BB962C8B-B14F-4D97-AF65-F5344CB8AC3E}">
-        <p14:creationId xmlns:p14="http://schemas.microsoft.com/office/powerpoint/2010/main" val="1371970378"/>
+        <p14:creationId xmlns:p14="http://schemas.microsoft.com/office/powerpoint/2010/main" val="143306486"/>
       </p:ext>
     </p:extLst>
   </p:cSld>
@@ -4485,7 +4709,7 @@
           <a:p>
             <a:fld id="{92EF19B8-6DED-3E42-8FFD-2E9E6C940484}" type="slidenum">
               <a:rPr lang="it-IT" smtClean="0"/>
-              <a:t>5</a:t>
+              <a:t>6</a:t>
             </a:fld>
             <a:endParaRPr lang="it-IT" dirty="0"/>
           </a:p>
@@ -4494,7 +4718,7 @@
     </p:spTree>
     <p:extLst>
       <p:ext uri="{BB962C8B-B14F-4D97-AF65-F5344CB8AC3E}">
-        <p14:creationId xmlns:p14="http://schemas.microsoft.com/office/powerpoint/2010/main" val="143306486"/>
+        <p14:creationId xmlns:p14="http://schemas.microsoft.com/office/powerpoint/2010/main" val="1371970378"/>
       </p:ext>
     </p:extLst>
   </p:cSld>
@@ -5935,7 +6159,7 @@
           <a:p>
             <a:fld id="{92EF19B8-6DED-3E42-8FFD-2E9E6C940484}" type="slidenum">
               <a:rPr lang="it-IT" smtClean="0"/>
-              <a:t>9</a:t>
+              <a:t>12</a:t>
             </a:fld>
             <a:endParaRPr lang="it-IT" dirty="0"/>
           </a:p>
@@ -12182,6 +12406,2606 @@
       </p:grpSpPr>
       <p:sp>
         <p:nvSpPr>
+          <p:cNvPr id="5" name="Titolo 1">
+            <a:extLst>
+              <a:ext uri="{FF2B5EF4-FFF2-40B4-BE49-F238E27FC236}">
+                <a16:creationId xmlns:a16="http://schemas.microsoft.com/office/drawing/2014/main" id="{275235B7-69DC-4EA4-9714-BED4ED3F72F3}"/>
+              </a:ext>
+            </a:extLst>
+          </p:cNvPr>
+          <p:cNvSpPr txBox="1">
+            <a:spLocks/>
+          </p:cNvSpPr>
+          <p:nvPr/>
+        </p:nvSpPr>
+        <p:spPr>
+          <a:xfrm>
+            <a:off x="323528" y="188640"/>
+            <a:ext cx="6912768" cy="619121"/>
+          </a:xfrm>
+          <a:prstGeom prst="rect">
+            <a:avLst/>
+          </a:prstGeom>
+        </p:spPr>
+        <p:txBody>
+          <a:bodyPr vert="horz" lIns="91440" tIns="45720" rIns="91440" bIns="45720" rtlCol="0" anchor="t">
+            <a:normAutofit/>
+          </a:bodyPr>
+          <a:lstStyle>
+            <a:lvl1pPr algn="l" defTabSz="457200" rtl="0" eaLnBrk="1" latinLnBrk="0" hangingPunct="1">
+              <a:spcBef>
+                <a:spcPct val="0"/>
+              </a:spcBef>
+              <a:buNone/>
+              <a:defRPr sz="3600" kern="1200">
+                <a:solidFill>
+                  <a:schemeClr val="accent1"/>
+                </a:solidFill>
+                <a:latin typeface="+mj-lt"/>
+                <a:ea typeface="+mj-ea"/>
+                <a:cs typeface="+mj-cs"/>
+              </a:defRPr>
+            </a:lvl1pPr>
+            <a:lvl2pPr eaLnBrk="1" hangingPunct="1">
+              <a:defRPr>
+                <a:solidFill>
+                  <a:schemeClr val="tx2"/>
+                </a:solidFill>
+              </a:defRPr>
+            </a:lvl2pPr>
+            <a:lvl3pPr eaLnBrk="1" hangingPunct="1">
+              <a:defRPr>
+                <a:solidFill>
+                  <a:schemeClr val="tx2"/>
+                </a:solidFill>
+              </a:defRPr>
+            </a:lvl3pPr>
+            <a:lvl4pPr eaLnBrk="1" hangingPunct="1">
+              <a:defRPr>
+                <a:solidFill>
+                  <a:schemeClr val="tx2"/>
+                </a:solidFill>
+              </a:defRPr>
+            </a:lvl4pPr>
+            <a:lvl5pPr eaLnBrk="1" hangingPunct="1">
+              <a:defRPr>
+                <a:solidFill>
+                  <a:schemeClr val="tx2"/>
+                </a:solidFill>
+              </a:defRPr>
+            </a:lvl5pPr>
+            <a:lvl6pPr eaLnBrk="1" hangingPunct="1">
+              <a:defRPr>
+                <a:solidFill>
+                  <a:schemeClr val="tx2"/>
+                </a:solidFill>
+              </a:defRPr>
+            </a:lvl6pPr>
+            <a:lvl7pPr eaLnBrk="1" hangingPunct="1">
+              <a:defRPr>
+                <a:solidFill>
+                  <a:schemeClr val="tx2"/>
+                </a:solidFill>
+              </a:defRPr>
+            </a:lvl7pPr>
+            <a:lvl8pPr eaLnBrk="1" hangingPunct="1">
+              <a:defRPr>
+                <a:solidFill>
+                  <a:schemeClr val="tx2"/>
+                </a:solidFill>
+              </a:defRPr>
+            </a:lvl8pPr>
+            <a:lvl9pPr eaLnBrk="1" hangingPunct="1">
+              <a:defRPr>
+                <a:solidFill>
+                  <a:schemeClr val="tx2"/>
+                </a:solidFill>
+              </a:defRPr>
+            </a:lvl9pPr>
+          </a:lstStyle>
+          <a:p>
+            <a:r>
+              <a:rPr lang="it-IT" sz="3000" b="1" dirty="0" err="1">
+                <a:solidFill>
+                  <a:schemeClr val="accent2"/>
+                </a:solidFill>
+              </a:rPr>
+              <a:t>Problems</a:t>
+            </a:r>
+            <a:r>
+              <a:rPr lang="it-IT" sz="3000" b="1" dirty="0">
+                <a:solidFill>
+                  <a:schemeClr val="accent2"/>
+                </a:solidFill>
+              </a:rPr>
+              <a:t> </a:t>
+            </a:r>
+            <a:r>
+              <a:rPr lang="it-IT" sz="3000" b="1" u="sng" dirty="0" err="1">
+                <a:solidFill>
+                  <a:schemeClr val="accent2"/>
+                </a:solidFill>
+              </a:rPr>
+              <a:t>solved</a:t>
+            </a:r>
+            <a:r>
+              <a:rPr lang="it-IT" sz="3000" b="1" dirty="0">
+                <a:solidFill>
+                  <a:schemeClr val="accent2"/>
+                </a:solidFill>
+              </a:rPr>
+              <a:t> with Design </a:t>
+            </a:r>
+            <a:r>
+              <a:rPr lang="it-IT" sz="3000" b="1" dirty="0" err="1">
+                <a:solidFill>
+                  <a:schemeClr val="accent2"/>
+                </a:solidFill>
+              </a:rPr>
+              <a:t>Patterns</a:t>
+            </a:r>
+            <a:endParaRPr lang="it-IT" sz="3000" b="1" dirty="0">
+              <a:solidFill>
+                <a:schemeClr val="accent2"/>
+              </a:solidFill>
+            </a:endParaRPr>
+          </a:p>
+        </p:txBody>
+      </p:sp>
+      <p:sp>
+        <p:nvSpPr>
+          <p:cNvPr id="6" name="Titolo 1">
+            <a:extLst>
+              <a:ext uri="{FF2B5EF4-FFF2-40B4-BE49-F238E27FC236}">
+                <a16:creationId xmlns:a16="http://schemas.microsoft.com/office/drawing/2014/main" id="{6C90066E-7A4C-477E-B54C-B3148F8E05BF}"/>
+              </a:ext>
+            </a:extLst>
+          </p:cNvPr>
+          <p:cNvSpPr txBox="1">
+            <a:spLocks/>
+          </p:cNvSpPr>
+          <p:nvPr/>
+        </p:nvSpPr>
+        <p:spPr>
+          <a:xfrm>
+            <a:off x="107504" y="1340768"/>
+            <a:ext cx="7128792" cy="4803008"/>
+          </a:xfrm>
+          <a:prstGeom prst="rect">
+            <a:avLst/>
+          </a:prstGeom>
+        </p:spPr>
+        <p:txBody>
+          <a:bodyPr vert="horz" lIns="91440" tIns="45720" rIns="91440" bIns="45720" rtlCol="0" anchor="t">
+            <a:normAutofit/>
+          </a:bodyPr>
+          <a:lstStyle>
+            <a:lvl1pPr algn="l" defTabSz="457200" rtl="0" eaLnBrk="1" latinLnBrk="0" hangingPunct="1">
+              <a:spcBef>
+                <a:spcPct val="0"/>
+              </a:spcBef>
+              <a:buNone/>
+              <a:defRPr sz="3600" kern="1200">
+                <a:solidFill>
+                  <a:schemeClr val="accent1"/>
+                </a:solidFill>
+                <a:latin typeface="+mj-lt"/>
+                <a:ea typeface="+mj-ea"/>
+                <a:cs typeface="+mj-cs"/>
+              </a:defRPr>
+            </a:lvl1pPr>
+            <a:lvl2pPr eaLnBrk="1" hangingPunct="1">
+              <a:defRPr>
+                <a:solidFill>
+                  <a:schemeClr val="tx2"/>
+                </a:solidFill>
+              </a:defRPr>
+            </a:lvl2pPr>
+            <a:lvl3pPr eaLnBrk="1" hangingPunct="1">
+              <a:defRPr>
+                <a:solidFill>
+                  <a:schemeClr val="tx2"/>
+                </a:solidFill>
+              </a:defRPr>
+            </a:lvl3pPr>
+            <a:lvl4pPr eaLnBrk="1" hangingPunct="1">
+              <a:defRPr>
+                <a:solidFill>
+                  <a:schemeClr val="tx2"/>
+                </a:solidFill>
+              </a:defRPr>
+            </a:lvl4pPr>
+            <a:lvl5pPr eaLnBrk="1" hangingPunct="1">
+              <a:defRPr>
+                <a:solidFill>
+                  <a:schemeClr val="tx2"/>
+                </a:solidFill>
+              </a:defRPr>
+            </a:lvl5pPr>
+            <a:lvl6pPr eaLnBrk="1" hangingPunct="1">
+              <a:defRPr>
+                <a:solidFill>
+                  <a:schemeClr val="tx2"/>
+                </a:solidFill>
+              </a:defRPr>
+            </a:lvl6pPr>
+            <a:lvl7pPr eaLnBrk="1" hangingPunct="1">
+              <a:defRPr>
+                <a:solidFill>
+                  <a:schemeClr val="tx2"/>
+                </a:solidFill>
+              </a:defRPr>
+            </a:lvl7pPr>
+            <a:lvl8pPr eaLnBrk="1" hangingPunct="1">
+              <a:defRPr>
+                <a:solidFill>
+                  <a:schemeClr val="tx2"/>
+                </a:solidFill>
+              </a:defRPr>
+            </a:lvl8pPr>
+            <a:lvl9pPr eaLnBrk="1" hangingPunct="1">
+              <a:defRPr>
+                <a:solidFill>
+                  <a:schemeClr val="tx2"/>
+                </a:solidFill>
+              </a:defRPr>
+            </a:lvl9pPr>
+          </a:lstStyle>
+          <a:p>
+            <a:pPr marL="457200" indent="-457200" algn="just">
+              <a:buFont typeface="Wingdings" charset="2"/>
+              <a:buChar char="v"/>
+            </a:pPr>
+            <a:r>
+              <a:rPr lang="en-US" sz="1800" b="1" dirty="0">
+                <a:solidFill>
+                  <a:schemeClr val="tx1"/>
+                </a:solidFill>
+              </a:rPr>
+              <a:t>Need to manage the implementation of objects with similar behavior (Alien classes)</a:t>
+            </a:r>
+            <a:endParaRPr lang="it-IT" sz="1800" b="1" dirty="0">
+              <a:solidFill>
+                <a:schemeClr val="tx1"/>
+              </a:solidFill>
+            </a:endParaRPr>
+          </a:p>
+          <a:p>
+            <a:pPr marL="1371600" lvl="2" indent="-457200" algn="just">
+              <a:buFont typeface="Wingdings" panose="05000000000000000000" pitchFamily="2" charset="2"/>
+              <a:buChar char="Ø"/>
+            </a:pPr>
+            <a:r>
+              <a:rPr lang="it-IT" b="1" i="1" dirty="0" err="1">
+                <a:solidFill>
+                  <a:schemeClr val="bg2">
+                    <a:lumMod val="50000"/>
+                  </a:schemeClr>
+                </a:solidFill>
+              </a:rPr>
+              <a:t>Implementing</a:t>
+            </a:r>
+            <a:r>
+              <a:rPr lang="it-IT" b="1" i="1" dirty="0">
+                <a:solidFill>
+                  <a:schemeClr val="bg2">
+                    <a:lumMod val="50000"/>
+                  </a:schemeClr>
+                </a:solidFill>
+              </a:rPr>
+              <a:t> </a:t>
+            </a:r>
+            <a:r>
+              <a:rPr lang="it-IT" b="1" i="1" dirty="0" err="1">
+                <a:solidFill>
+                  <a:schemeClr val="bg2">
+                    <a:lumMod val="50000"/>
+                  </a:schemeClr>
+                </a:solidFill>
+              </a:rPr>
+              <a:t>Abstact</a:t>
+            </a:r>
+            <a:r>
+              <a:rPr lang="it-IT" b="1" i="1" dirty="0">
+                <a:solidFill>
+                  <a:schemeClr val="bg2">
+                    <a:lumMod val="50000"/>
+                  </a:schemeClr>
+                </a:solidFill>
+              </a:rPr>
+              <a:t> Factory and </a:t>
+            </a:r>
+            <a:r>
+              <a:rPr lang="it-IT" b="1" i="1" dirty="0" err="1">
+                <a:solidFill>
+                  <a:schemeClr val="bg2">
+                    <a:lumMod val="50000"/>
+                  </a:schemeClr>
+                </a:solidFill>
+              </a:rPr>
+              <a:t>Factory</a:t>
+            </a:r>
+            <a:r>
+              <a:rPr lang="it-IT" b="1" i="1" dirty="0">
+                <a:solidFill>
+                  <a:schemeClr val="bg2">
+                    <a:lumMod val="50000"/>
+                  </a:schemeClr>
+                </a:solidFill>
+              </a:rPr>
+              <a:t> Method</a:t>
+            </a:r>
+          </a:p>
+          <a:p>
+            <a:pPr lvl="2" algn="just"/>
+            <a:endParaRPr lang="it-IT" b="1" i="1" dirty="0">
+              <a:solidFill>
+                <a:schemeClr val="tx1"/>
+              </a:solidFill>
+            </a:endParaRPr>
+          </a:p>
+          <a:p>
+            <a:pPr marL="457200" indent="-457200" algn="just">
+              <a:buFont typeface="Wingdings" charset="2"/>
+              <a:buChar char="v"/>
+            </a:pPr>
+            <a:r>
+              <a:rPr lang="en-US" sz="1800" b="1" dirty="0">
+                <a:solidFill>
+                  <a:schemeClr val="tx1"/>
+                </a:solidFill>
+              </a:rPr>
+              <a:t>Avoid the instantiation of multiple instances of the same game object by the user, to avoid creating inconsistencies in the parameters passed through the levels of the game</a:t>
+            </a:r>
+          </a:p>
+          <a:p>
+            <a:pPr marL="1371600" lvl="2" indent="-457200" algn="just">
+              <a:buFont typeface="Wingdings" panose="05000000000000000000" pitchFamily="2" charset="2"/>
+              <a:buChar char="Ø"/>
+            </a:pPr>
+            <a:r>
+              <a:rPr lang="en-US" b="1" i="1" dirty="0">
+                <a:solidFill>
+                  <a:schemeClr val="bg2">
+                    <a:lumMod val="50000"/>
+                  </a:schemeClr>
+                </a:solidFill>
+              </a:rPr>
+              <a:t>Implementing Singleton</a:t>
+            </a:r>
+          </a:p>
+          <a:p>
+            <a:pPr marL="1371600" lvl="2" indent="-457200" algn="just">
+              <a:buFont typeface="Wingdings" charset="2"/>
+              <a:buChar char="v"/>
+            </a:pPr>
+            <a:endParaRPr lang="en-US" b="1" dirty="0">
+              <a:solidFill>
+                <a:schemeClr val="tx1"/>
+              </a:solidFill>
+            </a:endParaRPr>
+          </a:p>
+          <a:p>
+            <a:pPr marL="457200" indent="-457200" algn="just">
+              <a:buFont typeface="Wingdings" charset="2"/>
+              <a:buChar char="v"/>
+            </a:pPr>
+            <a:r>
+              <a:rPr lang="en-US" sz="1800" b="1" dirty="0">
+                <a:solidFill>
+                  <a:schemeClr val="tx1"/>
+                </a:solidFill>
+              </a:rPr>
+              <a:t>Manage with one controller multiple types of events resulting from the pressure of the controls for game controls</a:t>
+            </a:r>
+          </a:p>
+          <a:p>
+            <a:pPr marL="1371600" lvl="2" indent="-457200" algn="just">
+              <a:buFont typeface="Wingdings" panose="05000000000000000000" pitchFamily="2" charset="2"/>
+              <a:buChar char="Ø"/>
+            </a:pPr>
+            <a:r>
+              <a:rPr lang="en-US" b="1" i="1" dirty="0">
+                <a:solidFill>
+                  <a:schemeClr val="bg2">
+                    <a:lumMod val="50000"/>
+                  </a:schemeClr>
+                </a:solidFill>
+              </a:rPr>
+              <a:t>Implementing Adapter</a:t>
+            </a:r>
+          </a:p>
+          <a:p>
+            <a:pPr marL="1371600" lvl="2" indent="-457200" algn="just">
+              <a:buFont typeface="Wingdings" charset="2"/>
+              <a:buChar char="v"/>
+            </a:pPr>
+            <a:endParaRPr lang="en-US" b="1" dirty="0">
+              <a:solidFill>
+                <a:schemeClr val="tx1"/>
+              </a:solidFill>
+            </a:endParaRPr>
+          </a:p>
+          <a:p>
+            <a:pPr marL="457200" indent="-457200" algn="just">
+              <a:buFont typeface="Wingdings" charset="2"/>
+              <a:buChar char="v"/>
+            </a:pPr>
+            <a:r>
+              <a:rPr lang="en-US" sz="1800" b="1" dirty="0">
+                <a:solidFill>
+                  <a:schemeClr val="tx1"/>
+                </a:solidFill>
+              </a:rPr>
+              <a:t>Being able to operate iteratively on the various data structures used within the code</a:t>
+            </a:r>
+          </a:p>
+          <a:p>
+            <a:pPr marL="1371600" lvl="2" indent="-457200" algn="just">
+              <a:buFont typeface="Wingdings" panose="05000000000000000000" pitchFamily="2" charset="2"/>
+              <a:buChar char="Ø"/>
+            </a:pPr>
+            <a:r>
+              <a:rPr lang="en-US" b="1" i="1" dirty="0">
+                <a:solidFill>
+                  <a:schemeClr val="bg2">
+                    <a:lumMod val="50000"/>
+                  </a:schemeClr>
+                </a:solidFill>
+              </a:rPr>
+              <a:t>Implementing Iterator</a:t>
+            </a:r>
+          </a:p>
+        </p:txBody>
+      </p:sp>
+    </p:spTree>
+    <p:extLst>
+      <p:ext uri="{BB962C8B-B14F-4D97-AF65-F5344CB8AC3E}">
+        <p14:creationId xmlns:p14="http://schemas.microsoft.com/office/powerpoint/2010/main" val="3621337928"/>
+      </p:ext>
+    </p:extLst>
+  </p:cSld>
+  <p:clrMapOvr>
+    <a:masterClrMapping/>
+  </p:clrMapOvr>
+</p:sld>
+</file>
+
+<file path=ppt/slides/slide11.xml><?xml version="1.0" encoding="utf-8"?>
+<p:sld xmlns:a="http://schemas.openxmlformats.org/drawingml/2006/main" xmlns:r="http://schemas.openxmlformats.org/officeDocument/2006/relationships" xmlns:p="http://schemas.openxmlformats.org/presentationml/2006/main">
+  <p:cSld>
+    <p:spTree>
+      <p:nvGrpSpPr>
+        <p:cNvPr id="1" name=""/>
+        <p:cNvGrpSpPr/>
+        <p:nvPr/>
+      </p:nvGrpSpPr>
+      <p:grpSpPr>
+        <a:xfrm>
+          <a:off x="0" y="0"/>
+          <a:ext cx="0" cy="0"/>
+          <a:chOff x="0" y="0"/>
+          <a:chExt cx="0" cy="0"/>
+        </a:xfrm>
+      </p:grpSpPr>
+      <p:sp>
+        <p:nvSpPr>
+          <p:cNvPr id="26" name="Rettangolo arrotondato 59">
+            <a:extLst>
+              <a:ext uri="{FF2B5EF4-FFF2-40B4-BE49-F238E27FC236}">
+                <a16:creationId xmlns:a16="http://schemas.microsoft.com/office/drawing/2014/main" id="{20213636-FB1E-4367-B64B-E228E8EDEE96}"/>
+              </a:ext>
+            </a:extLst>
+          </p:cNvPr>
+          <p:cNvSpPr/>
+          <p:nvPr/>
+        </p:nvSpPr>
+        <p:spPr>
+          <a:xfrm>
+            <a:off x="7772952" y="189642"/>
+            <a:ext cx="1206184" cy="1562254"/>
+          </a:xfrm>
+          <a:prstGeom prst="roundRect">
+            <a:avLst/>
+          </a:prstGeom>
+          <a:ln w="28575"/>
+        </p:spPr>
+        <p:style>
+          <a:lnRef idx="1">
+            <a:schemeClr val="accent3"/>
+          </a:lnRef>
+          <a:fillRef idx="2">
+            <a:schemeClr val="accent3"/>
+          </a:fillRef>
+          <a:effectRef idx="1">
+            <a:schemeClr val="accent3"/>
+          </a:effectRef>
+          <a:fontRef idx="minor">
+            <a:schemeClr val="dk1"/>
+          </a:fontRef>
+        </p:style>
+        <p:txBody>
+          <a:bodyPr rtlCol="0" anchor="ctr"/>
+          <a:lstStyle/>
+          <a:p>
+            <a:pPr algn="ctr"/>
+            <a:r>
+              <a:rPr lang="it-IT" sz="1200" b="1" dirty="0">
+                <a:solidFill>
+                  <a:schemeClr val="accent3">
+                    <a:lumMod val="50000"/>
+                  </a:schemeClr>
+                </a:solidFill>
+              </a:rPr>
+              <a:t>SAVES</a:t>
+            </a:r>
+          </a:p>
+          <a:p>
+            <a:pPr algn="ctr"/>
+            <a:endParaRPr lang="it-IT" sz="1200" b="1" dirty="0">
+              <a:solidFill>
+                <a:schemeClr val="accent3">
+                  <a:lumMod val="50000"/>
+                </a:schemeClr>
+              </a:solidFill>
+            </a:endParaRPr>
+          </a:p>
+          <a:p>
+            <a:pPr algn="ctr"/>
+            <a:endParaRPr lang="it-IT" sz="1200" b="1" dirty="0">
+              <a:solidFill>
+                <a:schemeClr val="accent3">
+                  <a:lumMod val="50000"/>
+                </a:schemeClr>
+              </a:solidFill>
+            </a:endParaRPr>
+          </a:p>
+          <a:p>
+            <a:pPr algn="ctr"/>
+            <a:endParaRPr lang="it-IT" sz="1200" b="1" dirty="0">
+              <a:solidFill>
+                <a:schemeClr val="accent3">
+                  <a:lumMod val="50000"/>
+                </a:schemeClr>
+              </a:solidFill>
+            </a:endParaRPr>
+          </a:p>
+          <a:p>
+            <a:pPr algn="ctr"/>
+            <a:endParaRPr lang="it-IT" sz="1200" b="1" dirty="0">
+              <a:solidFill>
+                <a:schemeClr val="accent3">
+                  <a:lumMod val="50000"/>
+                </a:schemeClr>
+              </a:solidFill>
+            </a:endParaRPr>
+          </a:p>
+          <a:p>
+            <a:pPr algn="ctr"/>
+            <a:endParaRPr lang="it-IT" sz="1200" b="1" dirty="0">
+              <a:solidFill>
+                <a:schemeClr val="accent3">
+                  <a:lumMod val="50000"/>
+                </a:schemeClr>
+              </a:solidFill>
+            </a:endParaRPr>
+          </a:p>
+        </p:txBody>
+      </p:sp>
+      <p:sp>
+        <p:nvSpPr>
+          <p:cNvPr id="3" name="Rettangolo 2">
+            <a:extLst>
+              <a:ext uri="{FF2B5EF4-FFF2-40B4-BE49-F238E27FC236}">
+                <a16:creationId xmlns:a16="http://schemas.microsoft.com/office/drawing/2014/main" id="{327A1679-F96A-470A-9377-6D65CB14F319}"/>
+              </a:ext>
+            </a:extLst>
+          </p:cNvPr>
+          <p:cNvSpPr/>
+          <p:nvPr/>
+        </p:nvSpPr>
+        <p:spPr>
+          <a:xfrm>
+            <a:off x="1477788" y="636368"/>
+            <a:ext cx="5277930" cy="4201353"/>
+          </a:xfrm>
+          <a:prstGeom prst="rect">
+            <a:avLst/>
+          </a:prstGeom>
+          <a:ln w="76200"/>
+        </p:spPr>
+        <p:style>
+          <a:lnRef idx="2">
+            <a:schemeClr val="accent2"/>
+          </a:lnRef>
+          <a:fillRef idx="1">
+            <a:schemeClr val="lt1"/>
+          </a:fillRef>
+          <a:effectRef idx="0">
+            <a:schemeClr val="accent2"/>
+          </a:effectRef>
+          <a:fontRef idx="minor">
+            <a:schemeClr val="dk1"/>
+          </a:fontRef>
+        </p:style>
+        <p:txBody>
+          <a:bodyPr rtlCol="0" anchor="ctr"/>
+          <a:lstStyle/>
+          <a:p>
+            <a:pPr algn="ctr"/>
+            <a:endParaRPr lang="it-IT"/>
+          </a:p>
+        </p:txBody>
+      </p:sp>
+      <p:sp>
+        <p:nvSpPr>
+          <p:cNvPr id="4" name="Rettangolo arrotondato 3">
+            <a:extLst>
+              <a:ext uri="{FF2B5EF4-FFF2-40B4-BE49-F238E27FC236}">
+                <a16:creationId xmlns:a16="http://schemas.microsoft.com/office/drawing/2014/main" id="{B115AA1B-419F-4838-B10A-A43BD3D13892}"/>
+              </a:ext>
+            </a:extLst>
+          </p:cNvPr>
+          <p:cNvSpPr/>
+          <p:nvPr/>
+        </p:nvSpPr>
+        <p:spPr>
+          <a:xfrm>
+            <a:off x="1656721" y="980728"/>
+            <a:ext cx="1008112" cy="3600400"/>
+          </a:xfrm>
+          <a:prstGeom prst="roundRect">
+            <a:avLst/>
+          </a:prstGeom>
+          <a:ln w="28575"/>
+        </p:spPr>
+        <p:style>
+          <a:lnRef idx="1">
+            <a:schemeClr val="accent1"/>
+          </a:lnRef>
+          <a:fillRef idx="2">
+            <a:schemeClr val="accent1"/>
+          </a:fillRef>
+          <a:effectRef idx="1">
+            <a:schemeClr val="accent1"/>
+          </a:effectRef>
+          <a:fontRef idx="minor">
+            <a:schemeClr val="dk1"/>
+          </a:fontRef>
+        </p:style>
+        <p:txBody>
+          <a:bodyPr rtlCol="0" anchor="ctr"/>
+          <a:lstStyle/>
+          <a:p>
+            <a:pPr algn="ctr"/>
+            <a:r>
+              <a:rPr lang="it-IT" b="1" dirty="0">
+                <a:solidFill>
+                  <a:schemeClr val="accent2">
+                    <a:lumMod val="50000"/>
+                  </a:schemeClr>
+                </a:solidFill>
+              </a:rPr>
+              <a:t>M</a:t>
+            </a:r>
+          </a:p>
+          <a:p>
+            <a:pPr algn="ctr"/>
+            <a:r>
+              <a:rPr lang="it-IT" b="1" dirty="0">
+                <a:solidFill>
+                  <a:schemeClr val="accent2">
+                    <a:lumMod val="50000"/>
+                  </a:schemeClr>
+                </a:solidFill>
+              </a:rPr>
+              <a:t>E</a:t>
+            </a:r>
+          </a:p>
+          <a:p>
+            <a:pPr algn="ctr"/>
+            <a:r>
+              <a:rPr lang="it-IT" b="1" dirty="0" err="1">
+                <a:solidFill>
+                  <a:schemeClr val="accent2">
+                    <a:lumMod val="50000"/>
+                  </a:schemeClr>
+                </a:solidFill>
+              </a:rPr>
+              <a:t>N</a:t>
+            </a:r>
+            <a:endParaRPr lang="it-IT" b="1" dirty="0">
+              <a:solidFill>
+                <a:schemeClr val="accent2">
+                  <a:lumMod val="50000"/>
+                </a:schemeClr>
+              </a:solidFill>
+            </a:endParaRPr>
+          </a:p>
+          <a:p>
+            <a:pPr algn="ctr"/>
+            <a:r>
+              <a:rPr lang="it-IT" b="1" dirty="0">
+                <a:solidFill>
+                  <a:schemeClr val="accent2">
+                    <a:lumMod val="50000"/>
+                  </a:schemeClr>
+                </a:solidFill>
+              </a:rPr>
+              <a:t>U</a:t>
+            </a:r>
+          </a:p>
+        </p:txBody>
+      </p:sp>
+      <p:sp>
+        <p:nvSpPr>
+          <p:cNvPr id="5" name="Rettangolo arrotondato 6">
+            <a:extLst>
+              <a:ext uri="{FF2B5EF4-FFF2-40B4-BE49-F238E27FC236}">
+                <a16:creationId xmlns:a16="http://schemas.microsoft.com/office/drawing/2014/main" id="{C38B8BA6-C44E-41FA-AA4A-4979C6623BD3}"/>
+              </a:ext>
+            </a:extLst>
+          </p:cNvPr>
+          <p:cNvSpPr/>
+          <p:nvPr/>
+        </p:nvSpPr>
+        <p:spPr>
+          <a:xfrm>
+            <a:off x="3047860" y="978387"/>
+            <a:ext cx="2062991" cy="3600400"/>
+          </a:xfrm>
+          <a:prstGeom prst="roundRect">
+            <a:avLst/>
+          </a:prstGeom>
+          <a:ln w="28575"/>
+        </p:spPr>
+        <p:style>
+          <a:lnRef idx="1">
+            <a:schemeClr val="accent1"/>
+          </a:lnRef>
+          <a:fillRef idx="2">
+            <a:schemeClr val="accent1"/>
+          </a:fillRef>
+          <a:effectRef idx="1">
+            <a:schemeClr val="accent1"/>
+          </a:effectRef>
+          <a:fontRef idx="minor">
+            <a:schemeClr val="dk1"/>
+          </a:fontRef>
+        </p:style>
+        <p:txBody>
+          <a:bodyPr rtlCol="0" anchor="ctr"/>
+          <a:lstStyle/>
+          <a:p>
+            <a:pPr algn="ctr"/>
+            <a:endParaRPr lang="it-IT" dirty="0"/>
+          </a:p>
+        </p:txBody>
+      </p:sp>
+      <p:sp>
+        <p:nvSpPr>
+          <p:cNvPr id="6" name="Rettangolo arrotondato 7">
+            <a:extLst>
+              <a:ext uri="{FF2B5EF4-FFF2-40B4-BE49-F238E27FC236}">
+                <a16:creationId xmlns:a16="http://schemas.microsoft.com/office/drawing/2014/main" id="{D3C35278-53E1-4DC1-A123-33CF9A7646F9}"/>
+              </a:ext>
+            </a:extLst>
+          </p:cNvPr>
+          <p:cNvSpPr/>
+          <p:nvPr/>
+        </p:nvSpPr>
+        <p:spPr>
+          <a:xfrm>
+            <a:off x="5533077" y="980728"/>
+            <a:ext cx="1008112" cy="3600400"/>
+          </a:xfrm>
+          <a:prstGeom prst="roundRect">
+            <a:avLst/>
+          </a:prstGeom>
+          <a:ln w="28575"/>
+        </p:spPr>
+        <p:style>
+          <a:lnRef idx="1">
+            <a:schemeClr val="accent1"/>
+          </a:lnRef>
+          <a:fillRef idx="2">
+            <a:schemeClr val="accent1"/>
+          </a:fillRef>
+          <a:effectRef idx="1">
+            <a:schemeClr val="accent1"/>
+          </a:effectRef>
+          <a:fontRef idx="minor">
+            <a:schemeClr val="dk1"/>
+          </a:fontRef>
+        </p:style>
+        <p:txBody>
+          <a:bodyPr rtlCol="0" anchor="ctr"/>
+          <a:lstStyle/>
+          <a:p>
+            <a:pPr algn="ctr"/>
+            <a:r>
+              <a:rPr lang="it-IT" b="1" dirty="0">
+                <a:solidFill>
+                  <a:schemeClr val="accent2">
+                    <a:lumMod val="50000"/>
+                  </a:schemeClr>
+                </a:solidFill>
+              </a:rPr>
+              <a:t>E</a:t>
+            </a:r>
+          </a:p>
+          <a:p>
+            <a:pPr algn="ctr"/>
+            <a:r>
+              <a:rPr lang="it-IT" b="1" dirty="0" err="1">
+                <a:solidFill>
+                  <a:schemeClr val="accent2">
+                    <a:lumMod val="50000"/>
+                  </a:schemeClr>
+                </a:solidFill>
+              </a:rPr>
+              <a:t>N</a:t>
+            </a:r>
+            <a:endParaRPr lang="it-IT" b="1" dirty="0">
+              <a:solidFill>
+                <a:schemeClr val="accent2">
+                  <a:lumMod val="50000"/>
+                </a:schemeClr>
+              </a:solidFill>
+            </a:endParaRPr>
+          </a:p>
+          <a:p>
+            <a:pPr algn="ctr"/>
+            <a:r>
+              <a:rPr lang="it-IT" b="1" dirty="0">
+                <a:solidFill>
+                  <a:schemeClr val="accent2">
+                    <a:lumMod val="50000"/>
+                  </a:schemeClr>
+                </a:solidFill>
+              </a:rPr>
+              <a:t>D</a:t>
+            </a:r>
+          </a:p>
+          <a:p>
+            <a:pPr algn="ctr"/>
+            <a:endParaRPr lang="it-IT" dirty="0"/>
+          </a:p>
+        </p:txBody>
+      </p:sp>
+      <p:sp>
+        <p:nvSpPr>
+          <p:cNvPr id="7" name="Rettangolo arrotondato 15">
+            <a:extLst>
+              <a:ext uri="{FF2B5EF4-FFF2-40B4-BE49-F238E27FC236}">
+                <a16:creationId xmlns:a16="http://schemas.microsoft.com/office/drawing/2014/main" id="{FDCFA17E-F68B-47FA-AB84-D9E786F144E8}"/>
+              </a:ext>
+            </a:extLst>
+          </p:cNvPr>
+          <p:cNvSpPr/>
+          <p:nvPr/>
+        </p:nvSpPr>
+        <p:spPr>
+          <a:xfrm>
+            <a:off x="2543179" y="5457989"/>
+            <a:ext cx="1794469" cy="1233328"/>
+          </a:xfrm>
+          <a:prstGeom prst="roundRect">
+            <a:avLst/>
+          </a:prstGeom>
+          <a:ln w="28575"/>
+        </p:spPr>
+        <p:style>
+          <a:lnRef idx="1">
+            <a:schemeClr val="accent3"/>
+          </a:lnRef>
+          <a:fillRef idx="2">
+            <a:schemeClr val="accent3"/>
+          </a:fillRef>
+          <a:effectRef idx="1">
+            <a:schemeClr val="accent3"/>
+          </a:effectRef>
+          <a:fontRef idx="minor">
+            <a:schemeClr val="dk1"/>
+          </a:fontRef>
+        </p:style>
+        <p:txBody>
+          <a:bodyPr rtlCol="0" anchor="ctr"/>
+          <a:lstStyle/>
+          <a:p>
+            <a:pPr algn="ctr"/>
+            <a:r>
+              <a:rPr lang="it-IT" sz="1700" b="1" dirty="0">
+                <a:solidFill>
+                  <a:schemeClr val="accent3">
+                    <a:lumMod val="50000"/>
+                  </a:schemeClr>
+                </a:solidFill>
+              </a:rPr>
+              <a:t>OPTIONS</a:t>
+            </a:r>
+          </a:p>
+        </p:txBody>
+      </p:sp>
+      <p:sp>
+        <p:nvSpPr>
+          <p:cNvPr id="8" name="Rettangolo arrotondato 16">
+            <a:extLst>
+              <a:ext uri="{FF2B5EF4-FFF2-40B4-BE49-F238E27FC236}">
+                <a16:creationId xmlns:a16="http://schemas.microsoft.com/office/drawing/2014/main" id="{2C73E9E3-EA8B-48CD-B0F9-000FBF8CF6D3}"/>
+              </a:ext>
+            </a:extLst>
+          </p:cNvPr>
+          <p:cNvSpPr/>
+          <p:nvPr/>
+        </p:nvSpPr>
+        <p:spPr>
+          <a:xfrm>
+            <a:off x="151177" y="66546"/>
+            <a:ext cx="1222003" cy="1562254"/>
+          </a:xfrm>
+          <a:prstGeom prst="roundRect">
+            <a:avLst/>
+          </a:prstGeom>
+          <a:ln w="28575"/>
+        </p:spPr>
+        <p:style>
+          <a:lnRef idx="1">
+            <a:schemeClr val="accent3"/>
+          </a:lnRef>
+          <a:fillRef idx="2">
+            <a:schemeClr val="accent3"/>
+          </a:fillRef>
+          <a:effectRef idx="1">
+            <a:schemeClr val="accent3"/>
+          </a:effectRef>
+          <a:fontRef idx="minor">
+            <a:schemeClr val="dk1"/>
+          </a:fontRef>
+        </p:style>
+        <p:txBody>
+          <a:bodyPr rtlCol="0" anchor="ctr"/>
+          <a:lstStyle/>
+          <a:p>
+            <a:pPr algn="ctr"/>
+            <a:r>
+              <a:rPr lang="it-IT" sz="1600" b="1" dirty="0">
+                <a:solidFill>
+                  <a:schemeClr val="accent3">
+                    <a:lumMod val="50000"/>
+                  </a:schemeClr>
+                </a:solidFill>
+              </a:rPr>
+              <a:t>SETTINGS</a:t>
+            </a:r>
+          </a:p>
+        </p:txBody>
+      </p:sp>
+      <p:sp>
+        <p:nvSpPr>
+          <p:cNvPr id="9" name="Callout con freccia destra 20">
+            <a:extLst>
+              <a:ext uri="{FF2B5EF4-FFF2-40B4-BE49-F238E27FC236}">
+                <a16:creationId xmlns:a16="http://schemas.microsoft.com/office/drawing/2014/main" id="{3ABB1B08-5526-46DF-8517-D2061AEC8001}"/>
+              </a:ext>
+            </a:extLst>
+          </p:cNvPr>
+          <p:cNvSpPr/>
+          <p:nvPr/>
+        </p:nvSpPr>
+        <p:spPr>
+          <a:xfrm>
+            <a:off x="3156568" y="1628800"/>
+            <a:ext cx="661374" cy="2660884"/>
+          </a:xfrm>
+          <a:prstGeom prst="rightArrowCallout">
+            <a:avLst/>
+          </a:prstGeom>
+          <a:ln/>
+        </p:spPr>
+        <p:style>
+          <a:lnRef idx="2">
+            <a:schemeClr val="accent2">
+              <a:shade val="50000"/>
+            </a:schemeClr>
+          </a:lnRef>
+          <a:fillRef idx="1">
+            <a:schemeClr val="accent2"/>
+          </a:fillRef>
+          <a:effectRef idx="0">
+            <a:schemeClr val="accent2"/>
+          </a:effectRef>
+          <a:fontRef idx="minor">
+            <a:schemeClr val="lt1"/>
+          </a:fontRef>
+        </p:style>
+        <p:txBody>
+          <a:bodyPr rtlCol="0" anchor="ctr"/>
+          <a:lstStyle/>
+          <a:p>
+            <a:pPr algn="ctr"/>
+            <a:r>
+              <a:rPr lang="it-IT" b="1" dirty="0">
+                <a:solidFill>
+                  <a:schemeClr val="accent1">
+                    <a:lumMod val="60000"/>
+                    <a:lumOff val="40000"/>
+                  </a:schemeClr>
+                </a:solidFill>
+              </a:rPr>
+              <a:t>L</a:t>
+            </a:r>
+          </a:p>
+          <a:p>
+            <a:pPr algn="ctr"/>
+            <a:r>
+              <a:rPr lang="it-IT" b="1" dirty="0">
+                <a:solidFill>
+                  <a:schemeClr val="accent1">
+                    <a:lumMod val="60000"/>
+                    <a:lumOff val="40000"/>
+                  </a:schemeClr>
+                </a:solidFill>
+              </a:rPr>
+              <a:t>E</a:t>
+            </a:r>
+          </a:p>
+          <a:p>
+            <a:pPr algn="ctr"/>
+            <a:r>
+              <a:rPr lang="it-IT" b="1" dirty="0">
+                <a:solidFill>
+                  <a:schemeClr val="accent1">
+                    <a:lumMod val="60000"/>
+                    <a:lumOff val="40000"/>
+                  </a:schemeClr>
+                </a:solidFill>
+              </a:rPr>
+              <a:t>V</a:t>
+            </a:r>
+          </a:p>
+          <a:p>
+            <a:pPr algn="ctr"/>
+            <a:r>
+              <a:rPr lang="it-IT" b="1" dirty="0">
+                <a:solidFill>
+                  <a:schemeClr val="accent1">
+                    <a:lumMod val="60000"/>
+                    <a:lumOff val="40000"/>
+                  </a:schemeClr>
+                </a:solidFill>
+              </a:rPr>
+              <a:t>E</a:t>
+            </a:r>
+          </a:p>
+          <a:p>
+            <a:pPr algn="ctr"/>
+            <a:r>
+              <a:rPr lang="it-IT" b="1" dirty="0">
+                <a:solidFill>
+                  <a:schemeClr val="accent1">
+                    <a:lumMod val="60000"/>
+                    <a:lumOff val="40000"/>
+                  </a:schemeClr>
+                </a:solidFill>
+              </a:rPr>
+              <a:t>L</a:t>
+            </a:r>
+          </a:p>
+          <a:p>
+            <a:pPr algn="ctr"/>
+            <a:endParaRPr lang="it-IT" b="1" dirty="0">
+              <a:solidFill>
+                <a:schemeClr val="accent1">
+                  <a:lumMod val="60000"/>
+                  <a:lumOff val="40000"/>
+                </a:schemeClr>
+              </a:solidFill>
+            </a:endParaRPr>
+          </a:p>
+          <a:p>
+            <a:pPr algn="ctr"/>
+            <a:r>
+              <a:rPr lang="it-IT" b="1" dirty="0">
+                <a:solidFill>
+                  <a:schemeClr val="accent1">
+                    <a:lumMod val="60000"/>
+                    <a:lumOff val="40000"/>
+                  </a:schemeClr>
+                </a:solidFill>
+              </a:rPr>
+              <a:t>1</a:t>
+            </a:r>
+          </a:p>
+        </p:txBody>
+      </p:sp>
+      <p:sp>
+        <p:nvSpPr>
+          <p:cNvPr id="10" name="Callout con freccia destra 21">
+            <a:extLst>
+              <a:ext uri="{FF2B5EF4-FFF2-40B4-BE49-F238E27FC236}">
+                <a16:creationId xmlns:a16="http://schemas.microsoft.com/office/drawing/2014/main" id="{CD676841-5563-44B8-9EDC-AA386DBE9918}"/>
+              </a:ext>
+            </a:extLst>
+          </p:cNvPr>
+          <p:cNvSpPr/>
+          <p:nvPr/>
+        </p:nvSpPr>
+        <p:spPr>
+          <a:xfrm>
+            <a:off x="3828960" y="1628800"/>
+            <a:ext cx="661374" cy="2671882"/>
+          </a:xfrm>
+          <a:prstGeom prst="rightArrowCallout">
+            <a:avLst/>
+          </a:prstGeom>
+          <a:ln/>
+        </p:spPr>
+        <p:style>
+          <a:lnRef idx="2">
+            <a:schemeClr val="accent2">
+              <a:shade val="50000"/>
+            </a:schemeClr>
+          </a:lnRef>
+          <a:fillRef idx="1">
+            <a:schemeClr val="accent2"/>
+          </a:fillRef>
+          <a:effectRef idx="0">
+            <a:schemeClr val="accent2"/>
+          </a:effectRef>
+          <a:fontRef idx="minor">
+            <a:schemeClr val="lt1"/>
+          </a:fontRef>
+        </p:style>
+        <p:txBody>
+          <a:bodyPr rtlCol="0" anchor="ctr"/>
+          <a:lstStyle/>
+          <a:p>
+            <a:pPr algn="ctr"/>
+            <a:r>
+              <a:rPr lang="it-IT" b="1" dirty="0">
+                <a:solidFill>
+                  <a:schemeClr val="accent1">
+                    <a:lumMod val="60000"/>
+                    <a:lumOff val="40000"/>
+                  </a:schemeClr>
+                </a:solidFill>
+              </a:rPr>
+              <a:t>L</a:t>
+            </a:r>
+          </a:p>
+          <a:p>
+            <a:pPr algn="ctr"/>
+            <a:r>
+              <a:rPr lang="it-IT" b="1" dirty="0">
+                <a:solidFill>
+                  <a:schemeClr val="accent1">
+                    <a:lumMod val="60000"/>
+                    <a:lumOff val="40000"/>
+                  </a:schemeClr>
+                </a:solidFill>
+              </a:rPr>
+              <a:t>E</a:t>
+            </a:r>
+          </a:p>
+          <a:p>
+            <a:pPr algn="ctr"/>
+            <a:r>
+              <a:rPr lang="it-IT" b="1" dirty="0">
+                <a:solidFill>
+                  <a:schemeClr val="accent1">
+                    <a:lumMod val="60000"/>
+                    <a:lumOff val="40000"/>
+                  </a:schemeClr>
+                </a:solidFill>
+              </a:rPr>
+              <a:t>V</a:t>
+            </a:r>
+          </a:p>
+          <a:p>
+            <a:pPr algn="ctr"/>
+            <a:r>
+              <a:rPr lang="it-IT" b="1" dirty="0">
+                <a:solidFill>
+                  <a:schemeClr val="accent1">
+                    <a:lumMod val="60000"/>
+                    <a:lumOff val="40000"/>
+                  </a:schemeClr>
+                </a:solidFill>
+              </a:rPr>
+              <a:t>E</a:t>
+            </a:r>
+          </a:p>
+          <a:p>
+            <a:pPr algn="ctr"/>
+            <a:r>
+              <a:rPr lang="it-IT" b="1" dirty="0">
+                <a:solidFill>
+                  <a:schemeClr val="accent1">
+                    <a:lumMod val="60000"/>
+                    <a:lumOff val="40000"/>
+                  </a:schemeClr>
+                </a:solidFill>
+              </a:rPr>
+              <a:t>L</a:t>
+            </a:r>
+          </a:p>
+          <a:p>
+            <a:pPr algn="ctr"/>
+            <a:endParaRPr lang="it-IT" b="1" dirty="0">
+              <a:solidFill>
+                <a:schemeClr val="accent1">
+                  <a:lumMod val="60000"/>
+                  <a:lumOff val="40000"/>
+                </a:schemeClr>
+              </a:solidFill>
+            </a:endParaRPr>
+          </a:p>
+          <a:p>
+            <a:pPr algn="ctr"/>
+            <a:r>
+              <a:rPr lang="it-IT" b="1" dirty="0">
+                <a:solidFill>
+                  <a:schemeClr val="accent1">
+                    <a:lumMod val="60000"/>
+                    <a:lumOff val="40000"/>
+                  </a:schemeClr>
+                </a:solidFill>
+              </a:rPr>
+              <a:t>2</a:t>
+            </a:r>
+          </a:p>
+        </p:txBody>
+      </p:sp>
+      <p:sp>
+        <p:nvSpPr>
+          <p:cNvPr id="11" name="Rettangolo 10">
+            <a:extLst>
+              <a:ext uri="{FF2B5EF4-FFF2-40B4-BE49-F238E27FC236}">
+                <a16:creationId xmlns:a16="http://schemas.microsoft.com/office/drawing/2014/main" id="{9EE887AD-054C-48D9-A30C-AFEF661976FA}"/>
+              </a:ext>
+            </a:extLst>
+          </p:cNvPr>
+          <p:cNvSpPr/>
+          <p:nvPr/>
+        </p:nvSpPr>
+        <p:spPr>
+          <a:xfrm>
+            <a:off x="4514608" y="1628800"/>
+            <a:ext cx="416060" cy="2671882"/>
+          </a:xfrm>
+          <a:prstGeom prst="rect">
+            <a:avLst/>
+          </a:prstGeom>
+          <a:ln/>
+        </p:spPr>
+        <p:style>
+          <a:lnRef idx="2">
+            <a:schemeClr val="accent2">
+              <a:shade val="50000"/>
+            </a:schemeClr>
+          </a:lnRef>
+          <a:fillRef idx="1">
+            <a:schemeClr val="accent2"/>
+          </a:fillRef>
+          <a:effectRef idx="0">
+            <a:schemeClr val="accent2"/>
+          </a:effectRef>
+          <a:fontRef idx="minor">
+            <a:schemeClr val="lt1"/>
+          </a:fontRef>
+        </p:style>
+        <p:txBody>
+          <a:bodyPr rtlCol="0" anchor="ctr"/>
+          <a:lstStyle/>
+          <a:p>
+            <a:pPr algn="ctr"/>
+            <a:r>
+              <a:rPr lang="it-IT" b="1" dirty="0">
+                <a:solidFill>
+                  <a:schemeClr val="accent1">
+                    <a:lumMod val="60000"/>
+                    <a:lumOff val="40000"/>
+                  </a:schemeClr>
+                </a:solidFill>
+              </a:rPr>
+              <a:t>L</a:t>
+            </a:r>
+          </a:p>
+          <a:p>
+            <a:pPr algn="ctr"/>
+            <a:r>
+              <a:rPr lang="it-IT" b="1" dirty="0">
+                <a:solidFill>
+                  <a:schemeClr val="accent1">
+                    <a:lumMod val="60000"/>
+                    <a:lumOff val="40000"/>
+                  </a:schemeClr>
+                </a:solidFill>
+              </a:rPr>
+              <a:t>E</a:t>
+            </a:r>
+          </a:p>
+          <a:p>
+            <a:pPr algn="ctr"/>
+            <a:r>
+              <a:rPr lang="it-IT" b="1" dirty="0">
+                <a:solidFill>
+                  <a:schemeClr val="accent1">
+                    <a:lumMod val="60000"/>
+                    <a:lumOff val="40000"/>
+                  </a:schemeClr>
+                </a:solidFill>
+              </a:rPr>
+              <a:t>V</a:t>
+            </a:r>
+          </a:p>
+          <a:p>
+            <a:pPr algn="ctr"/>
+            <a:r>
+              <a:rPr lang="it-IT" b="1" dirty="0">
+                <a:solidFill>
+                  <a:schemeClr val="accent1">
+                    <a:lumMod val="60000"/>
+                    <a:lumOff val="40000"/>
+                  </a:schemeClr>
+                </a:solidFill>
+              </a:rPr>
+              <a:t>E</a:t>
+            </a:r>
+          </a:p>
+          <a:p>
+            <a:pPr algn="ctr"/>
+            <a:r>
+              <a:rPr lang="it-IT" b="1" dirty="0">
+                <a:solidFill>
+                  <a:schemeClr val="accent1">
+                    <a:lumMod val="60000"/>
+                    <a:lumOff val="40000"/>
+                  </a:schemeClr>
+                </a:solidFill>
+              </a:rPr>
+              <a:t>L</a:t>
+            </a:r>
+          </a:p>
+          <a:p>
+            <a:pPr algn="ctr"/>
+            <a:endParaRPr lang="it-IT" b="1" dirty="0"/>
+          </a:p>
+          <a:p>
+            <a:pPr algn="ctr"/>
+            <a:r>
+              <a:rPr lang="it-IT" b="1" dirty="0">
+                <a:solidFill>
+                  <a:schemeClr val="accent1">
+                    <a:lumMod val="60000"/>
+                    <a:lumOff val="40000"/>
+                  </a:schemeClr>
+                </a:solidFill>
+              </a:rPr>
+              <a:t>3</a:t>
+            </a:r>
+          </a:p>
+        </p:txBody>
+      </p:sp>
+      <p:sp>
+        <p:nvSpPr>
+          <p:cNvPr id="12" name="Rettangolo arrotondato 26">
+            <a:extLst>
+              <a:ext uri="{FF2B5EF4-FFF2-40B4-BE49-F238E27FC236}">
+                <a16:creationId xmlns:a16="http://schemas.microsoft.com/office/drawing/2014/main" id="{0D58F6EA-6216-42A0-A758-7524C21E5464}"/>
+              </a:ext>
+            </a:extLst>
+          </p:cNvPr>
+          <p:cNvSpPr/>
+          <p:nvPr/>
+        </p:nvSpPr>
+        <p:spPr>
+          <a:xfrm>
+            <a:off x="7352027" y="3322902"/>
+            <a:ext cx="1666520" cy="1562254"/>
+          </a:xfrm>
+          <a:prstGeom prst="roundRect">
+            <a:avLst/>
+          </a:prstGeom>
+          <a:ln w="28575"/>
+        </p:spPr>
+        <p:style>
+          <a:lnRef idx="1">
+            <a:schemeClr val="accent3"/>
+          </a:lnRef>
+          <a:fillRef idx="2">
+            <a:schemeClr val="accent3"/>
+          </a:fillRef>
+          <a:effectRef idx="1">
+            <a:schemeClr val="accent3"/>
+          </a:effectRef>
+          <a:fontRef idx="minor">
+            <a:schemeClr val="dk1"/>
+          </a:fontRef>
+        </p:style>
+        <p:txBody>
+          <a:bodyPr rtlCol="0" anchor="ctr"/>
+          <a:lstStyle/>
+          <a:p>
+            <a:pPr algn="ctr"/>
+            <a:r>
+              <a:rPr lang="it-IT" sz="1600" b="1" dirty="0">
+                <a:solidFill>
+                  <a:schemeClr val="accent3">
+                    <a:lumMod val="50000"/>
+                  </a:schemeClr>
+                </a:solidFill>
+              </a:rPr>
+              <a:t>SCOREBOARD</a:t>
+            </a:r>
+          </a:p>
+        </p:txBody>
+      </p:sp>
+      <p:sp>
+        <p:nvSpPr>
+          <p:cNvPr id="13" name="Freccia bidirezionale verticale 12">
+            <a:extLst>
+              <a:ext uri="{FF2B5EF4-FFF2-40B4-BE49-F238E27FC236}">
+                <a16:creationId xmlns:a16="http://schemas.microsoft.com/office/drawing/2014/main" id="{2B6D3B51-D700-418B-AFFF-D9C44B7D7425}"/>
+              </a:ext>
+            </a:extLst>
+          </p:cNvPr>
+          <p:cNvSpPr/>
+          <p:nvPr/>
+        </p:nvSpPr>
+        <p:spPr>
+          <a:xfrm>
+            <a:off x="8263714" y="1746186"/>
+            <a:ext cx="382486" cy="1550345"/>
+          </a:xfrm>
+          <a:prstGeom prst="upDownArrow">
+            <a:avLst/>
+          </a:prstGeom>
+          <a:ln/>
+        </p:spPr>
+        <p:style>
+          <a:lnRef idx="2">
+            <a:schemeClr val="accent3">
+              <a:shade val="50000"/>
+            </a:schemeClr>
+          </a:lnRef>
+          <a:fillRef idx="1">
+            <a:schemeClr val="accent3"/>
+          </a:fillRef>
+          <a:effectRef idx="0">
+            <a:schemeClr val="accent3"/>
+          </a:effectRef>
+          <a:fontRef idx="minor">
+            <a:schemeClr val="lt1"/>
+          </a:fontRef>
+        </p:style>
+        <p:txBody>
+          <a:bodyPr rtlCol="0" anchor="ctr"/>
+          <a:lstStyle/>
+          <a:p>
+            <a:pPr algn="ctr"/>
+            <a:endParaRPr lang="it-IT"/>
+          </a:p>
+        </p:txBody>
+      </p:sp>
+      <p:sp>
+        <p:nvSpPr>
+          <p:cNvPr id="14" name="Ovale 13">
+            <a:extLst>
+              <a:ext uri="{FF2B5EF4-FFF2-40B4-BE49-F238E27FC236}">
+                <a16:creationId xmlns:a16="http://schemas.microsoft.com/office/drawing/2014/main" id="{88EF5E66-CF13-4ECC-A094-35C3F8F36367}"/>
+              </a:ext>
+            </a:extLst>
+          </p:cNvPr>
+          <p:cNvSpPr/>
+          <p:nvPr/>
+        </p:nvSpPr>
+        <p:spPr>
+          <a:xfrm>
+            <a:off x="7080684" y="5390278"/>
+            <a:ext cx="1451755" cy="1393493"/>
+          </a:xfrm>
+          <a:prstGeom prst="ellipse">
+            <a:avLst/>
+          </a:prstGeom>
+          <a:solidFill>
+            <a:schemeClr val="accent5">
+              <a:lumMod val="40000"/>
+              <a:lumOff val="60000"/>
+            </a:schemeClr>
+          </a:solidFill>
+          <a:ln w="28575"/>
+        </p:spPr>
+        <p:style>
+          <a:lnRef idx="1">
+            <a:schemeClr val="accent5"/>
+          </a:lnRef>
+          <a:fillRef idx="2">
+            <a:schemeClr val="accent5"/>
+          </a:fillRef>
+          <a:effectRef idx="1">
+            <a:schemeClr val="accent5"/>
+          </a:effectRef>
+          <a:fontRef idx="minor">
+            <a:schemeClr val="dk1"/>
+          </a:fontRef>
+        </p:style>
+        <p:txBody>
+          <a:bodyPr rtlCol="0" anchor="ctr"/>
+          <a:lstStyle/>
+          <a:p>
+            <a:pPr algn="ctr"/>
+            <a:r>
+              <a:rPr lang="it-IT" b="1" dirty="0">
+                <a:solidFill>
+                  <a:schemeClr val="accent5"/>
+                </a:solidFill>
+              </a:rPr>
+              <a:t>MULTI</a:t>
+            </a:r>
+          </a:p>
+          <a:p>
+            <a:pPr algn="ctr"/>
+            <a:r>
+              <a:rPr lang="it-IT" b="1" dirty="0">
+                <a:solidFill>
+                  <a:schemeClr val="accent5"/>
+                </a:solidFill>
+              </a:rPr>
+              <a:t>PLAYER</a:t>
+            </a:r>
+          </a:p>
+        </p:txBody>
+      </p:sp>
+      <p:sp>
+        <p:nvSpPr>
+          <p:cNvPr id="15" name="Ovale 14">
+            <a:extLst>
+              <a:ext uri="{FF2B5EF4-FFF2-40B4-BE49-F238E27FC236}">
+                <a16:creationId xmlns:a16="http://schemas.microsoft.com/office/drawing/2014/main" id="{8A4988E2-92F8-49A2-A971-F07AC5FA1526}"/>
+              </a:ext>
+            </a:extLst>
+          </p:cNvPr>
+          <p:cNvSpPr/>
+          <p:nvPr/>
+        </p:nvSpPr>
+        <p:spPr>
+          <a:xfrm>
+            <a:off x="404919" y="5390279"/>
+            <a:ext cx="1386862" cy="1418238"/>
+          </a:xfrm>
+          <a:prstGeom prst="ellipse">
+            <a:avLst/>
+          </a:prstGeom>
+          <a:solidFill>
+            <a:schemeClr val="accent5">
+              <a:lumMod val="40000"/>
+              <a:lumOff val="60000"/>
+            </a:schemeClr>
+          </a:solidFill>
+          <a:ln w="28575"/>
+        </p:spPr>
+        <p:style>
+          <a:lnRef idx="1">
+            <a:schemeClr val="accent5"/>
+          </a:lnRef>
+          <a:fillRef idx="2">
+            <a:schemeClr val="accent5"/>
+          </a:fillRef>
+          <a:effectRef idx="1">
+            <a:schemeClr val="accent5"/>
+          </a:effectRef>
+          <a:fontRef idx="minor">
+            <a:schemeClr val="dk1"/>
+          </a:fontRef>
+        </p:style>
+        <p:txBody>
+          <a:bodyPr rtlCol="0" anchor="ctr"/>
+          <a:lstStyle/>
+          <a:p>
+            <a:pPr algn="ctr"/>
+            <a:r>
+              <a:rPr lang="it-IT" b="1" dirty="0">
+                <a:solidFill>
+                  <a:schemeClr val="accent5"/>
+                </a:solidFill>
+              </a:rPr>
+              <a:t>MUSIC</a:t>
+            </a:r>
+          </a:p>
+        </p:txBody>
+      </p:sp>
+      <p:sp>
+        <p:nvSpPr>
+          <p:cNvPr id="16" name="Freccia angolare bidirezionale 15">
+            <a:extLst>
+              <a:ext uri="{FF2B5EF4-FFF2-40B4-BE49-F238E27FC236}">
+                <a16:creationId xmlns:a16="http://schemas.microsoft.com/office/drawing/2014/main" id="{BC674F28-A841-4495-A823-251A71EA3271}"/>
+              </a:ext>
+            </a:extLst>
+          </p:cNvPr>
+          <p:cNvSpPr/>
+          <p:nvPr/>
+        </p:nvSpPr>
+        <p:spPr>
+          <a:xfrm rot="5400000">
+            <a:off x="512488" y="1669697"/>
+            <a:ext cx="955942" cy="874151"/>
+          </a:xfrm>
+          <a:prstGeom prst="leftUpArrow">
+            <a:avLst>
+              <a:gd name="adj1" fmla="val 17338"/>
+              <a:gd name="adj2" fmla="val 20730"/>
+              <a:gd name="adj3" fmla="val 25000"/>
+            </a:avLst>
+          </a:prstGeom>
+          <a:ln/>
+        </p:spPr>
+        <p:style>
+          <a:lnRef idx="2">
+            <a:schemeClr val="accent3">
+              <a:shade val="50000"/>
+            </a:schemeClr>
+          </a:lnRef>
+          <a:fillRef idx="1">
+            <a:schemeClr val="accent3"/>
+          </a:fillRef>
+          <a:effectRef idx="0">
+            <a:schemeClr val="accent3"/>
+          </a:effectRef>
+          <a:fontRef idx="minor">
+            <a:schemeClr val="lt1"/>
+          </a:fontRef>
+        </p:style>
+        <p:txBody>
+          <a:bodyPr rtlCol="0" anchor="ctr"/>
+          <a:lstStyle/>
+          <a:p>
+            <a:pPr algn="ctr"/>
+            <a:endParaRPr lang="it-IT"/>
+          </a:p>
+        </p:txBody>
+      </p:sp>
+      <p:sp>
+        <p:nvSpPr>
+          <p:cNvPr id="17" name="Freccia giù 47">
+            <a:extLst>
+              <a:ext uri="{FF2B5EF4-FFF2-40B4-BE49-F238E27FC236}">
+                <a16:creationId xmlns:a16="http://schemas.microsoft.com/office/drawing/2014/main" id="{09CC5F0F-45D6-4B31-8C8D-2C09A44211B9}"/>
+              </a:ext>
+            </a:extLst>
+          </p:cNvPr>
+          <p:cNvSpPr/>
+          <p:nvPr/>
+        </p:nvSpPr>
+        <p:spPr>
+          <a:xfrm rot="19106694">
+            <a:off x="2758322" y="4459431"/>
+            <a:ext cx="360040" cy="1107604"/>
+          </a:xfrm>
+          <a:prstGeom prst="downArrow">
+            <a:avLst>
+              <a:gd name="adj1" fmla="val 52660"/>
+              <a:gd name="adj2" fmla="val 50000"/>
+            </a:avLst>
+          </a:prstGeom>
+          <a:ln/>
+        </p:spPr>
+        <p:style>
+          <a:lnRef idx="2">
+            <a:schemeClr val="accent3">
+              <a:shade val="50000"/>
+            </a:schemeClr>
+          </a:lnRef>
+          <a:fillRef idx="1">
+            <a:schemeClr val="accent3"/>
+          </a:fillRef>
+          <a:effectRef idx="0">
+            <a:schemeClr val="accent3"/>
+          </a:effectRef>
+          <a:fontRef idx="minor">
+            <a:schemeClr val="lt1"/>
+          </a:fontRef>
+        </p:style>
+        <p:txBody>
+          <a:bodyPr rtlCol="0" anchor="ctr"/>
+          <a:lstStyle/>
+          <a:p>
+            <a:pPr algn="ctr"/>
+            <a:endParaRPr lang="it-IT"/>
+          </a:p>
+        </p:txBody>
+      </p:sp>
+      <p:sp>
+        <p:nvSpPr>
+          <p:cNvPr id="18" name="Freccia giù 48">
+            <a:extLst>
+              <a:ext uri="{FF2B5EF4-FFF2-40B4-BE49-F238E27FC236}">
+                <a16:creationId xmlns:a16="http://schemas.microsoft.com/office/drawing/2014/main" id="{F130B43B-9917-428A-8818-3F254B460FC2}"/>
+              </a:ext>
+            </a:extLst>
+          </p:cNvPr>
+          <p:cNvSpPr/>
+          <p:nvPr/>
+        </p:nvSpPr>
+        <p:spPr>
+          <a:xfrm rot="10800000">
+            <a:off x="3621281" y="4578785"/>
+            <a:ext cx="360040" cy="874031"/>
+          </a:xfrm>
+          <a:prstGeom prst="downArrow">
+            <a:avLst/>
+          </a:prstGeom>
+          <a:ln/>
+        </p:spPr>
+        <p:style>
+          <a:lnRef idx="2">
+            <a:schemeClr val="accent3">
+              <a:shade val="50000"/>
+            </a:schemeClr>
+          </a:lnRef>
+          <a:fillRef idx="1">
+            <a:schemeClr val="accent3"/>
+          </a:fillRef>
+          <a:effectRef idx="0">
+            <a:schemeClr val="accent3"/>
+          </a:effectRef>
+          <a:fontRef idx="minor">
+            <a:schemeClr val="lt1"/>
+          </a:fontRef>
+        </p:style>
+        <p:txBody>
+          <a:bodyPr rtlCol="0" anchor="ctr"/>
+          <a:lstStyle/>
+          <a:p>
+            <a:pPr algn="ctr"/>
+            <a:endParaRPr lang="it-IT"/>
+          </a:p>
+        </p:txBody>
+      </p:sp>
+      <p:cxnSp>
+        <p:nvCxnSpPr>
+          <p:cNvPr id="19" name="Connettore 2 18">
+            <a:extLst>
+              <a:ext uri="{FF2B5EF4-FFF2-40B4-BE49-F238E27FC236}">
+                <a16:creationId xmlns:a16="http://schemas.microsoft.com/office/drawing/2014/main" id="{E81D2CE9-9A8A-4F1C-8D67-2EE279219E28}"/>
+              </a:ext>
+            </a:extLst>
+          </p:cNvPr>
+          <p:cNvCxnSpPr/>
+          <p:nvPr/>
+        </p:nvCxnSpPr>
+        <p:spPr>
+          <a:xfrm flipH="1">
+            <a:off x="1539423" y="4885156"/>
+            <a:ext cx="394471" cy="647805"/>
+          </a:xfrm>
+          <a:prstGeom prst="straightConnector1">
+            <a:avLst/>
+          </a:prstGeom>
+          <a:ln w="38100">
+            <a:solidFill>
+              <a:schemeClr val="accent5"/>
+            </a:solidFill>
+            <a:tailEnd type="triangle"/>
+          </a:ln>
+        </p:spPr>
+        <p:style>
+          <a:lnRef idx="1">
+            <a:schemeClr val="accent1"/>
+          </a:lnRef>
+          <a:fillRef idx="0">
+            <a:schemeClr val="accent1"/>
+          </a:fillRef>
+          <a:effectRef idx="0">
+            <a:schemeClr val="accent1"/>
+          </a:effectRef>
+          <a:fontRef idx="minor">
+            <a:schemeClr val="tx1"/>
+          </a:fontRef>
+        </p:style>
+      </p:cxnSp>
+      <p:cxnSp>
+        <p:nvCxnSpPr>
+          <p:cNvPr id="20" name="Connettore 2 19">
+            <a:extLst>
+              <a:ext uri="{FF2B5EF4-FFF2-40B4-BE49-F238E27FC236}">
+                <a16:creationId xmlns:a16="http://schemas.microsoft.com/office/drawing/2014/main" id="{35C3FDA0-F655-4E36-B3DA-C361DADA2270}"/>
+              </a:ext>
+            </a:extLst>
+          </p:cNvPr>
+          <p:cNvCxnSpPr/>
+          <p:nvPr/>
+        </p:nvCxnSpPr>
+        <p:spPr>
+          <a:xfrm>
+            <a:off x="5060739" y="4378988"/>
+            <a:ext cx="2199546" cy="1225294"/>
+          </a:xfrm>
+          <a:prstGeom prst="straightConnector1">
+            <a:avLst/>
+          </a:prstGeom>
+          <a:ln w="38100">
+            <a:solidFill>
+              <a:schemeClr val="accent5"/>
+            </a:solidFill>
+            <a:headEnd type="triangle"/>
+            <a:tailEnd type="triangle"/>
+          </a:ln>
+        </p:spPr>
+        <p:style>
+          <a:lnRef idx="1">
+            <a:schemeClr val="accent1"/>
+          </a:lnRef>
+          <a:fillRef idx="0">
+            <a:schemeClr val="accent1"/>
+          </a:fillRef>
+          <a:effectRef idx="0">
+            <a:schemeClr val="accent1"/>
+          </a:effectRef>
+          <a:fontRef idx="minor">
+            <a:schemeClr val="tx1"/>
+          </a:fontRef>
+        </p:style>
+      </p:cxnSp>
+      <p:sp>
+        <p:nvSpPr>
+          <p:cNvPr id="21" name="Rettangolo arrotondato 62">
+            <a:extLst>
+              <a:ext uri="{FF2B5EF4-FFF2-40B4-BE49-F238E27FC236}">
+                <a16:creationId xmlns:a16="http://schemas.microsoft.com/office/drawing/2014/main" id="{566A7E8D-BCDD-4E17-84AF-623F289019F3}"/>
+              </a:ext>
+            </a:extLst>
+          </p:cNvPr>
+          <p:cNvSpPr/>
+          <p:nvPr/>
+        </p:nvSpPr>
+        <p:spPr>
+          <a:xfrm>
+            <a:off x="4522228" y="5452817"/>
+            <a:ext cx="1794469" cy="1233328"/>
+          </a:xfrm>
+          <a:prstGeom prst="roundRect">
+            <a:avLst/>
+          </a:prstGeom>
+          <a:ln w="28575"/>
+        </p:spPr>
+        <p:style>
+          <a:lnRef idx="1">
+            <a:schemeClr val="accent3"/>
+          </a:lnRef>
+          <a:fillRef idx="2">
+            <a:schemeClr val="accent3"/>
+          </a:fillRef>
+          <a:effectRef idx="1">
+            <a:schemeClr val="accent3"/>
+          </a:effectRef>
+          <a:fontRef idx="minor">
+            <a:schemeClr val="dk1"/>
+          </a:fontRef>
+        </p:style>
+        <p:txBody>
+          <a:bodyPr rtlCol="0" anchor="ctr"/>
+          <a:lstStyle/>
+          <a:p>
+            <a:pPr algn="ctr"/>
+            <a:r>
+              <a:rPr lang="it-IT" sz="1700" b="1" dirty="0">
+                <a:solidFill>
+                  <a:schemeClr val="accent3">
+                    <a:lumMod val="50000"/>
+                  </a:schemeClr>
+                </a:solidFill>
+              </a:rPr>
+              <a:t>PAUSE</a:t>
+            </a:r>
+          </a:p>
+        </p:txBody>
+      </p:sp>
+      <p:sp>
+        <p:nvSpPr>
+          <p:cNvPr id="22" name="Freccia giù 71">
+            <a:extLst>
+              <a:ext uri="{FF2B5EF4-FFF2-40B4-BE49-F238E27FC236}">
+                <a16:creationId xmlns:a16="http://schemas.microsoft.com/office/drawing/2014/main" id="{EBE24AE4-51DB-4393-B49C-4B1A641054C3}"/>
+              </a:ext>
+            </a:extLst>
+          </p:cNvPr>
+          <p:cNvSpPr/>
+          <p:nvPr/>
+        </p:nvSpPr>
+        <p:spPr>
+          <a:xfrm>
+            <a:off x="7408250" y="446951"/>
+            <a:ext cx="351834" cy="2843869"/>
+          </a:xfrm>
+          <a:prstGeom prst="downArrow">
+            <a:avLst/>
+          </a:prstGeom>
+          <a:ln/>
+        </p:spPr>
+        <p:style>
+          <a:lnRef idx="2">
+            <a:schemeClr val="accent3">
+              <a:shade val="50000"/>
+            </a:schemeClr>
+          </a:lnRef>
+          <a:fillRef idx="1">
+            <a:schemeClr val="accent3"/>
+          </a:fillRef>
+          <a:effectRef idx="0">
+            <a:schemeClr val="accent3"/>
+          </a:effectRef>
+          <a:fontRef idx="minor">
+            <a:schemeClr val="lt1"/>
+          </a:fontRef>
+        </p:style>
+        <p:txBody>
+          <a:bodyPr rtlCol="0" anchor="ctr"/>
+          <a:lstStyle/>
+          <a:p>
+            <a:pPr algn="ctr"/>
+            <a:endParaRPr lang="it-IT"/>
+          </a:p>
+        </p:txBody>
+      </p:sp>
+      <p:sp>
+        <p:nvSpPr>
+          <p:cNvPr id="23" name="Freccia bidirezionale verticale 22">
+            <a:extLst>
+              <a:ext uri="{FF2B5EF4-FFF2-40B4-BE49-F238E27FC236}">
+                <a16:creationId xmlns:a16="http://schemas.microsoft.com/office/drawing/2014/main" id="{D7F7063D-8AB4-4AC5-9023-8B63A5129B3A}"/>
+              </a:ext>
+            </a:extLst>
+          </p:cNvPr>
+          <p:cNvSpPr/>
+          <p:nvPr/>
+        </p:nvSpPr>
+        <p:spPr>
+          <a:xfrm rot="20241871">
+            <a:off x="4907508" y="4542933"/>
+            <a:ext cx="323591" cy="907647"/>
+          </a:xfrm>
+          <a:prstGeom prst="upDownArrow">
+            <a:avLst/>
+          </a:prstGeom>
+          <a:ln/>
+        </p:spPr>
+        <p:style>
+          <a:lnRef idx="2">
+            <a:schemeClr val="accent3">
+              <a:shade val="50000"/>
+            </a:schemeClr>
+          </a:lnRef>
+          <a:fillRef idx="1">
+            <a:schemeClr val="accent3"/>
+          </a:fillRef>
+          <a:effectRef idx="0">
+            <a:schemeClr val="accent3"/>
+          </a:effectRef>
+          <a:fontRef idx="minor">
+            <a:schemeClr val="lt1"/>
+          </a:fontRef>
+        </p:style>
+        <p:txBody>
+          <a:bodyPr rtlCol="0" anchor="ctr"/>
+          <a:lstStyle/>
+          <a:p>
+            <a:pPr algn="ctr"/>
+            <a:endParaRPr lang="it-IT"/>
+          </a:p>
+        </p:txBody>
+      </p:sp>
+      <p:sp>
+        <p:nvSpPr>
+          <p:cNvPr id="24" name="Freccia giù 70">
+            <a:extLst>
+              <a:ext uri="{FF2B5EF4-FFF2-40B4-BE49-F238E27FC236}">
+                <a16:creationId xmlns:a16="http://schemas.microsoft.com/office/drawing/2014/main" id="{1A53C04B-C0D8-4E2C-BC53-5C24A4A2D31F}"/>
+              </a:ext>
+            </a:extLst>
+          </p:cNvPr>
+          <p:cNvSpPr/>
+          <p:nvPr/>
+        </p:nvSpPr>
+        <p:spPr>
+          <a:xfrm rot="5400000">
+            <a:off x="4332854" y="-2740277"/>
+            <a:ext cx="378832" cy="6276708"/>
+          </a:xfrm>
+          <a:prstGeom prst="downArrow">
+            <a:avLst/>
+          </a:prstGeom>
+          <a:ln/>
+        </p:spPr>
+        <p:style>
+          <a:lnRef idx="2">
+            <a:schemeClr val="accent3">
+              <a:shade val="50000"/>
+            </a:schemeClr>
+          </a:lnRef>
+          <a:fillRef idx="1">
+            <a:schemeClr val="accent3"/>
+          </a:fillRef>
+          <a:effectRef idx="0">
+            <a:schemeClr val="accent3"/>
+          </a:effectRef>
+          <a:fontRef idx="minor">
+            <a:schemeClr val="lt1"/>
+          </a:fontRef>
+        </p:style>
+        <p:txBody>
+          <a:bodyPr rtlCol="0" anchor="ctr"/>
+          <a:lstStyle/>
+          <a:p>
+            <a:pPr algn="ctr"/>
+            <a:endParaRPr lang="it-IT"/>
+          </a:p>
+        </p:txBody>
+      </p:sp>
+      <p:pic>
+        <p:nvPicPr>
+          <p:cNvPr id="25" name="Immagine 24">
+            <a:extLst>
+              <a:ext uri="{FF2B5EF4-FFF2-40B4-BE49-F238E27FC236}">
+                <a16:creationId xmlns:a16="http://schemas.microsoft.com/office/drawing/2014/main" id="{217E8F39-847B-4714-990F-F6CABE20B495}"/>
+              </a:ext>
+            </a:extLst>
+          </p:cNvPr>
+          <p:cNvPicPr>
+            <a:picLocks noChangeAspect="1"/>
+          </p:cNvPicPr>
+          <p:nvPr/>
+        </p:nvPicPr>
+        <p:blipFill>
+          <a:blip r:embed="rId2" cstate="print">
+            <a:extLst>
+              <a:ext uri="{28A0092B-C50C-407E-A947-70E740481C1C}">
+                <a14:useLocalDpi xmlns:a14="http://schemas.microsoft.com/office/drawing/2010/main" val="0"/>
+              </a:ext>
+            </a:extLst>
+          </a:blip>
+          <a:stretch>
+            <a:fillRect/>
+          </a:stretch>
+        </p:blipFill>
+        <p:spPr>
+          <a:xfrm>
+            <a:off x="7990439" y="697064"/>
+            <a:ext cx="844354" cy="844354"/>
+          </a:xfrm>
+          <a:prstGeom prst="rect">
+            <a:avLst/>
+          </a:prstGeom>
+        </p:spPr>
+      </p:pic>
+      <p:sp>
+        <p:nvSpPr>
+          <p:cNvPr id="2" name="CasellaDiTesto 1"/>
+          <p:cNvSpPr txBox="1"/>
+          <p:nvPr/>
+        </p:nvSpPr>
+        <p:spPr>
+          <a:xfrm>
+            <a:off x="3619003" y="1102115"/>
+            <a:ext cx="1304895" cy="369332"/>
+          </a:xfrm>
+          <a:prstGeom prst="rect">
+            <a:avLst/>
+          </a:prstGeom>
+          <a:noFill/>
+        </p:spPr>
+        <p:txBody>
+          <a:bodyPr wrap="square" rtlCol="0">
+            <a:spAutoFit/>
+          </a:bodyPr>
+          <a:lstStyle/>
+          <a:p>
+            <a:r>
+              <a:rPr lang="it-IT" b="1" dirty="0">
+                <a:solidFill>
+                  <a:schemeClr val="accent2">
+                    <a:lumMod val="50000"/>
+                  </a:schemeClr>
+                </a:solidFill>
+              </a:rPr>
+              <a:t>BOARD</a:t>
+            </a:r>
+          </a:p>
+        </p:txBody>
+      </p:sp>
+      <p:sp>
+        <p:nvSpPr>
+          <p:cNvPr id="27" name="CasellaDiTesto 26">
+            <a:extLst>
+              <a:ext uri="{FF2B5EF4-FFF2-40B4-BE49-F238E27FC236}">
+                <a16:creationId xmlns:a16="http://schemas.microsoft.com/office/drawing/2014/main" id="{A82AC8D3-1E95-4775-B5B9-FEBD080520C6}"/>
+              </a:ext>
+            </a:extLst>
+          </p:cNvPr>
+          <p:cNvSpPr txBox="1"/>
+          <p:nvPr/>
+        </p:nvSpPr>
+        <p:spPr>
+          <a:xfrm>
+            <a:off x="3102318" y="611357"/>
+            <a:ext cx="1954283" cy="369332"/>
+          </a:xfrm>
+          <a:prstGeom prst="rect">
+            <a:avLst/>
+          </a:prstGeom>
+          <a:noFill/>
+        </p:spPr>
+        <p:txBody>
+          <a:bodyPr wrap="square" rtlCol="0">
+            <a:spAutoFit/>
+          </a:bodyPr>
+          <a:lstStyle/>
+          <a:p>
+            <a:pPr algn="ctr"/>
+            <a:r>
+              <a:rPr lang="it-IT" b="1" dirty="0">
+                <a:solidFill>
+                  <a:schemeClr val="accent2">
+                    <a:lumMod val="50000"/>
+                  </a:schemeClr>
+                </a:solidFill>
+              </a:rPr>
+              <a:t>CORE</a:t>
+            </a:r>
+          </a:p>
+        </p:txBody>
+      </p:sp>
+      <p:sp>
+        <p:nvSpPr>
+          <p:cNvPr id="28" name="Freccia giù 48">
+            <a:extLst>
+              <a:ext uri="{FF2B5EF4-FFF2-40B4-BE49-F238E27FC236}">
+                <a16:creationId xmlns:a16="http://schemas.microsoft.com/office/drawing/2014/main" id="{BA92329F-C47B-42FC-A28D-FAC83944CCE3}"/>
+              </a:ext>
+            </a:extLst>
+          </p:cNvPr>
+          <p:cNvSpPr/>
+          <p:nvPr/>
+        </p:nvSpPr>
+        <p:spPr>
+          <a:xfrm rot="16200000">
+            <a:off x="2684974" y="2806019"/>
+            <a:ext cx="360040" cy="365732"/>
+          </a:xfrm>
+          <a:prstGeom prst="downArrow">
+            <a:avLst/>
+          </a:prstGeom>
+          <a:ln/>
+        </p:spPr>
+        <p:style>
+          <a:lnRef idx="2">
+            <a:schemeClr val="accent2">
+              <a:shade val="50000"/>
+            </a:schemeClr>
+          </a:lnRef>
+          <a:fillRef idx="1">
+            <a:schemeClr val="accent2"/>
+          </a:fillRef>
+          <a:effectRef idx="0">
+            <a:schemeClr val="accent2"/>
+          </a:effectRef>
+          <a:fontRef idx="minor">
+            <a:schemeClr val="lt1"/>
+          </a:fontRef>
+        </p:style>
+        <p:txBody>
+          <a:bodyPr rtlCol="0" anchor="ctr"/>
+          <a:lstStyle/>
+          <a:p>
+            <a:pPr algn="ctr"/>
+            <a:endParaRPr lang="it-IT"/>
+          </a:p>
+        </p:txBody>
+      </p:sp>
+      <p:sp>
+        <p:nvSpPr>
+          <p:cNvPr id="29" name="Freccia giù 48">
+            <a:extLst>
+              <a:ext uri="{FF2B5EF4-FFF2-40B4-BE49-F238E27FC236}">
+                <a16:creationId xmlns:a16="http://schemas.microsoft.com/office/drawing/2014/main" id="{D2868EA1-1293-4E2B-93A5-65FC26EA410B}"/>
+              </a:ext>
+            </a:extLst>
+          </p:cNvPr>
+          <p:cNvSpPr/>
+          <p:nvPr/>
+        </p:nvSpPr>
+        <p:spPr>
+          <a:xfrm rot="16200000">
+            <a:off x="5146656" y="2782484"/>
+            <a:ext cx="360040" cy="412801"/>
+          </a:xfrm>
+          <a:prstGeom prst="downArrow">
+            <a:avLst/>
+          </a:prstGeom>
+          <a:ln/>
+        </p:spPr>
+        <p:style>
+          <a:lnRef idx="2">
+            <a:schemeClr val="accent2">
+              <a:shade val="50000"/>
+            </a:schemeClr>
+          </a:lnRef>
+          <a:fillRef idx="1">
+            <a:schemeClr val="accent2"/>
+          </a:fillRef>
+          <a:effectRef idx="0">
+            <a:schemeClr val="accent2"/>
+          </a:effectRef>
+          <a:fontRef idx="minor">
+            <a:schemeClr val="lt1"/>
+          </a:fontRef>
+        </p:style>
+        <p:txBody>
+          <a:bodyPr rtlCol="0" anchor="ctr"/>
+          <a:lstStyle/>
+          <a:p>
+            <a:pPr algn="ctr"/>
+            <a:endParaRPr lang="it-IT"/>
+          </a:p>
+        </p:txBody>
+      </p:sp>
+    </p:spTree>
+    <p:extLst>
+      <p:ext uri="{BB962C8B-B14F-4D97-AF65-F5344CB8AC3E}">
+        <p14:creationId xmlns:p14="http://schemas.microsoft.com/office/powerpoint/2010/main" val="3520390979"/>
+      </p:ext>
+    </p:extLst>
+  </p:cSld>
+  <p:clrMapOvr>
+    <a:masterClrMapping/>
+  </p:clrMapOvr>
+</p:sld>
+</file>
+
+<file path=ppt/slides/slide12.xml><?xml version="1.0" encoding="utf-8"?>
+<p:sld xmlns:a="http://schemas.openxmlformats.org/drawingml/2006/main" xmlns:r="http://schemas.openxmlformats.org/officeDocument/2006/relationships" xmlns:p="http://schemas.openxmlformats.org/presentationml/2006/main">
+  <p:cSld>
+    <p:spTree>
+      <p:nvGrpSpPr>
+        <p:cNvPr id="1" name=""/>
+        <p:cNvGrpSpPr/>
+        <p:nvPr/>
+      </p:nvGrpSpPr>
+      <p:grpSpPr>
+        <a:xfrm>
+          <a:off x="0" y="0"/>
+          <a:ext cx="0" cy="0"/>
+          <a:chOff x="0" y="0"/>
+          <a:chExt cx="0" cy="0"/>
+        </a:xfrm>
+      </p:grpSpPr>
+      <p:sp>
+        <p:nvSpPr>
+          <p:cNvPr id="3" name="Titolo 1">
+            <a:extLst>
+              <a:ext uri="{FF2B5EF4-FFF2-40B4-BE49-F238E27FC236}">
+                <a16:creationId xmlns:a16="http://schemas.microsoft.com/office/drawing/2014/main" id="{ED79AE7D-D3B1-4183-9D86-9D2FE5FDF7D2}"/>
+              </a:ext>
+            </a:extLst>
+          </p:cNvPr>
+          <p:cNvSpPr>
+            <a:spLocks noGrp="1"/>
+          </p:cNvSpPr>
+          <p:nvPr>
+            <p:ph type="title"/>
+          </p:nvPr>
+        </p:nvSpPr>
+        <p:spPr>
+          <a:xfrm>
+            <a:off x="1763688" y="211371"/>
+            <a:ext cx="5256585" cy="619121"/>
+          </a:xfrm>
+        </p:spPr>
+        <p:txBody>
+          <a:bodyPr>
+            <a:normAutofit/>
+          </a:bodyPr>
+          <a:lstStyle/>
+          <a:p>
+            <a:r>
+              <a:rPr lang="it-IT" sz="3000" b="1" dirty="0">
+                <a:solidFill>
+                  <a:schemeClr val="accent2"/>
+                </a:solidFill>
+              </a:rPr>
+              <a:t>Architecture </a:t>
+            </a:r>
+            <a:r>
+              <a:rPr lang="it-IT" sz="3000" b="1" dirty="0" err="1">
+                <a:solidFill>
+                  <a:schemeClr val="accent2"/>
+                </a:solidFill>
+              </a:rPr>
+              <a:t>Explanation</a:t>
+            </a:r>
+            <a:endParaRPr lang="it-IT" sz="3000" b="1" dirty="0">
+              <a:solidFill>
+                <a:schemeClr val="accent2"/>
+              </a:solidFill>
+            </a:endParaRPr>
+          </a:p>
+        </p:txBody>
+      </p:sp>
+      <p:sp>
+        <p:nvSpPr>
+          <p:cNvPr id="4" name="CasellaDiTesto 3">
+            <a:extLst>
+              <a:ext uri="{FF2B5EF4-FFF2-40B4-BE49-F238E27FC236}">
+                <a16:creationId xmlns:a16="http://schemas.microsoft.com/office/drawing/2014/main" id="{9120F17C-3957-41C4-88F7-7498306679CF}"/>
+              </a:ext>
+            </a:extLst>
+          </p:cNvPr>
+          <p:cNvSpPr txBox="1"/>
+          <p:nvPr/>
+        </p:nvSpPr>
+        <p:spPr>
+          <a:xfrm>
+            <a:off x="629436" y="2152723"/>
+            <a:ext cx="5454731" cy="430887"/>
+          </a:xfrm>
+          <a:prstGeom prst="rect">
+            <a:avLst/>
+          </a:prstGeom>
+          <a:noFill/>
+        </p:spPr>
+        <p:txBody>
+          <a:bodyPr wrap="square" rtlCol="0">
+            <a:spAutoFit/>
+          </a:bodyPr>
+          <a:lstStyle/>
+          <a:p>
+            <a:r>
+              <a:rPr lang="en-US" sz="2200" b="1" dirty="0"/>
+              <a:t>Hybrid of different architectural styles</a:t>
+            </a:r>
+            <a:endParaRPr lang="it-IT" sz="2200" b="1" dirty="0"/>
+          </a:p>
+        </p:txBody>
+      </p:sp>
+      <p:sp>
+        <p:nvSpPr>
+          <p:cNvPr id="5" name="CasellaDiTesto 4">
+            <a:extLst>
+              <a:ext uri="{FF2B5EF4-FFF2-40B4-BE49-F238E27FC236}">
+                <a16:creationId xmlns:a16="http://schemas.microsoft.com/office/drawing/2014/main" id="{A8D4F944-514D-4467-9DA1-CB0C5E5BE276}"/>
+              </a:ext>
+            </a:extLst>
+          </p:cNvPr>
+          <p:cNvSpPr txBox="1"/>
+          <p:nvPr/>
+        </p:nvSpPr>
+        <p:spPr>
+          <a:xfrm>
+            <a:off x="580130" y="3012629"/>
+            <a:ext cx="5256584" cy="1938992"/>
+          </a:xfrm>
+          <a:prstGeom prst="rect">
+            <a:avLst/>
+          </a:prstGeom>
+          <a:noFill/>
+        </p:spPr>
+        <p:txBody>
+          <a:bodyPr wrap="square" rtlCol="0">
+            <a:spAutoFit/>
+          </a:bodyPr>
+          <a:lstStyle/>
+          <a:p>
+            <a:pPr marL="285750" indent="-285750">
+              <a:buFont typeface="Wingdings" panose="05000000000000000000" pitchFamily="2" charset="2"/>
+              <a:buChar char="Ø"/>
+            </a:pPr>
+            <a:r>
+              <a:rPr lang="it-IT" sz="2000" dirty="0"/>
+              <a:t>Multi-</a:t>
+            </a:r>
+            <a:r>
+              <a:rPr lang="it-IT" sz="2000" dirty="0" err="1"/>
+              <a:t>tier</a:t>
+            </a:r>
+            <a:r>
+              <a:rPr lang="it-IT" sz="2000" dirty="0"/>
+              <a:t> style </a:t>
+            </a:r>
+            <a:r>
+              <a:rPr lang="it-IT" sz="2000" dirty="0" err="1"/>
+              <a:t>architecture</a:t>
+            </a:r>
+            <a:endParaRPr lang="it-IT" sz="2000" dirty="0"/>
+          </a:p>
+          <a:p>
+            <a:pPr marL="742950" lvl="1" indent="-285750">
+              <a:buFont typeface="Wingdings" panose="05000000000000000000" pitchFamily="2" charset="2"/>
+              <a:buChar char="Ø"/>
+            </a:pPr>
+            <a:r>
+              <a:rPr lang="it-IT" sz="2000" i="1" dirty="0">
+                <a:solidFill>
+                  <a:schemeClr val="bg2">
+                    <a:lumMod val="50000"/>
+                  </a:schemeClr>
+                </a:solidFill>
+              </a:rPr>
+              <a:t>Core</a:t>
+            </a:r>
+          </a:p>
+          <a:p>
+            <a:pPr marL="285750" indent="-285750">
+              <a:buFont typeface="Wingdings" panose="05000000000000000000" pitchFamily="2" charset="2"/>
+              <a:buChar char="Ø"/>
+            </a:pPr>
+            <a:r>
+              <a:rPr lang="it-IT" sz="2000" dirty="0"/>
+              <a:t>Pipe and filter style </a:t>
+            </a:r>
+            <a:r>
+              <a:rPr lang="it-IT" sz="2000" dirty="0" err="1"/>
+              <a:t>architecture</a:t>
+            </a:r>
+            <a:endParaRPr lang="it-IT" sz="2000" dirty="0"/>
+          </a:p>
+          <a:p>
+            <a:pPr marL="742950" lvl="1" indent="-285750">
+              <a:buFont typeface="Wingdings" panose="05000000000000000000" pitchFamily="2" charset="2"/>
+              <a:buChar char="Ø"/>
+            </a:pPr>
+            <a:r>
+              <a:rPr lang="it-IT" sz="2000" i="1" dirty="0">
+                <a:solidFill>
+                  <a:schemeClr val="bg2">
+                    <a:lumMod val="50000"/>
+                  </a:schemeClr>
+                </a:solidFill>
+              </a:rPr>
+              <a:t>Board</a:t>
+            </a:r>
+          </a:p>
+          <a:p>
+            <a:pPr marL="285750" indent="-285750">
+              <a:buFont typeface="Wingdings" panose="05000000000000000000" pitchFamily="2" charset="2"/>
+              <a:buChar char="Ø"/>
+            </a:pPr>
+            <a:r>
+              <a:rPr lang="it-IT" sz="2000" dirty="0"/>
+              <a:t>Use of external </a:t>
+            </a:r>
+            <a:r>
+              <a:rPr lang="it-IT" sz="2000" dirty="0" err="1"/>
+              <a:t>services</a:t>
+            </a:r>
+            <a:r>
+              <a:rPr lang="it-IT" sz="2000" dirty="0"/>
+              <a:t> </a:t>
+            </a:r>
+          </a:p>
+          <a:p>
+            <a:pPr marL="742950" lvl="1" indent="-285750">
+              <a:buFont typeface="Wingdings" panose="05000000000000000000" pitchFamily="2" charset="2"/>
+              <a:buChar char="Ø"/>
+            </a:pPr>
+            <a:r>
+              <a:rPr lang="it-IT" sz="2000" i="1" dirty="0">
+                <a:solidFill>
+                  <a:schemeClr val="bg2">
+                    <a:lumMod val="50000"/>
+                  </a:schemeClr>
+                </a:solidFill>
+              </a:rPr>
+              <a:t>Music, Multiplayer</a:t>
+            </a:r>
+          </a:p>
+        </p:txBody>
+      </p:sp>
+      <p:sp>
+        <p:nvSpPr>
+          <p:cNvPr id="6" name="CasellaDiTesto 5">
+            <a:extLst>
+              <a:ext uri="{FF2B5EF4-FFF2-40B4-BE49-F238E27FC236}">
+                <a16:creationId xmlns:a16="http://schemas.microsoft.com/office/drawing/2014/main" id="{01F31532-7269-4820-BF25-D1D44E62510A}"/>
+              </a:ext>
+            </a:extLst>
+          </p:cNvPr>
+          <p:cNvSpPr txBox="1"/>
+          <p:nvPr/>
+        </p:nvSpPr>
+        <p:spPr>
+          <a:xfrm>
+            <a:off x="580130" y="1212004"/>
+            <a:ext cx="5792070" cy="430887"/>
+          </a:xfrm>
+          <a:prstGeom prst="rect">
+            <a:avLst/>
+          </a:prstGeom>
+          <a:noFill/>
+        </p:spPr>
+        <p:txBody>
+          <a:bodyPr wrap="square" rtlCol="0">
+            <a:spAutoFit/>
+          </a:bodyPr>
+          <a:lstStyle/>
+          <a:p>
+            <a:r>
+              <a:rPr lang="en-US" sz="2200" b="1" dirty="0"/>
+              <a:t>Structured as a logical block architecture</a:t>
+            </a:r>
+            <a:endParaRPr lang="it-IT" sz="2200" b="1" dirty="0"/>
+          </a:p>
+        </p:txBody>
+      </p:sp>
+      <p:sp>
+        <p:nvSpPr>
+          <p:cNvPr id="7" name="CasellaDiTesto 6">
+            <a:extLst>
+              <a:ext uri="{FF2B5EF4-FFF2-40B4-BE49-F238E27FC236}">
+                <a16:creationId xmlns:a16="http://schemas.microsoft.com/office/drawing/2014/main" id="{5BAFBAF2-27B6-4547-8A82-67D3799B260F}"/>
+              </a:ext>
+            </a:extLst>
+          </p:cNvPr>
+          <p:cNvSpPr txBox="1"/>
+          <p:nvPr/>
+        </p:nvSpPr>
+        <p:spPr>
+          <a:xfrm>
+            <a:off x="410464" y="5261275"/>
+            <a:ext cx="6624737" cy="769441"/>
+          </a:xfrm>
+          <a:prstGeom prst="rect">
+            <a:avLst/>
+          </a:prstGeom>
+          <a:noFill/>
+        </p:spPr>
+        <p:txBody>
+          <a:bodyPr wrap="square" rtlCol="0">
+            <a:spAutoFit/>
+          </a:bodyPr>
+          <a:lstStyle/>
+          <a:p>
+            <a:r>
+              <a:rPr lang="en-US" sz="2200" dirty="0"/>
+              <a:t>A data saving module is displayed by continuously updating a file on the device</a:t>
+            </a:r>
+            <a:endParaRPr lang="it-IT" sz="2200" dirty="0"/>
+          </a:p>
+        </p:txBody>
+      </p:sp>
+    </p:spTree>
+    <p:extLst>
+      <p:ext uri="{BB962C8B-B14F-4D97-AF65-F5344CB8AC3E}">
+        <p14:creationId xmlns:p14="http://schemas.microsoft.com/office/powerpoint/2010/main" val="3170400693"/>
+      </p:ext>
+    </p:extLst>
+  </p:cSld>
+  <p:clrMapOvr>
+    <a:masterClrMapping/>
+  </p:clrMapOvr>
+</p:sld>
+</file>
+
+<file path=ppt/slides/slide13.xml><?xml version="1.0" encoding="utf-8"?>
+<p:sld xmlns:a="http://schemas.openxmlformats.org/drawingml/2006/main" xmlns:r="http://schemas.openxmlformats.org/officeDocument/2006/relationships" xmlns:p="http://schemas.openxmlformats.org/presentationml/2006/main">
+  <p:cSld>
+    <p:spTree>
+      <p:nvGrpSpPr>
+        <p:cNvPr id="1" name=""/>
+        <p:cNvGrpSpPr/>
+        <p:nvPr/>
+      </p:nvGrpSpPr>
+      <p:grpSpPr>
+        <a:xfrm>
+          <a:off x="0" y="0"/>
+          <a:ext cx="0" cy="0"/>
+          <a:chOff x="0" y="0"/>
+          <a:chExt cx="0" cy="0"/>
+        </a:xfrm>
+      </p:grpSpPr>
+      <p:sp>
+        <p:nvSpPr>
           <p:cNvPr id="3" name="Titolo 1">
             <a:extLst>
               <a:ext uri="{FF2B5EF4-FFF2-40B4-BE49-F238E27FC236}">
@@ -12482,11 +15306,11 @@
             </a:r>
             <a:r>
               <a:rPr lang="it-IT" sz="2200" dirty="0"/>
-              <a:t> the </a:t>
+              <a:t> the journey </a:t>
             </a:r>
             <a:r>
               <a:rPr lang="it-IT" sz="2200" dirty="0" err="1"/>
-              <a:t>journey</a:t>
+              <a:t>that</a:t>
             </a:r>
             <a:r>
               <a:rPr lang="it-IT" sz="2200" dirty="0"/>
@@ -12494,7 +15318,7 @@
             </a:r>
             <a:r>
               <a:rPr lang="it-IT" sz="2200" dirty="0" err="1"/>
-              <a:t>that</a:t>
+              <a:t>will</a:t>
             </a:r>
             <a:r>
               <a:rPr lang="it-IT" sz="2200" dirty="0"/>
@@ -12502,7 +15326,7 @@
             </a:r>
             <a:r>
               <a:rPr lang="it-IT" sz="2200" dirty="0" err="1"/>
-              <a:t>will</a:t>
+              <a:t>bring</a:t>
             </a:r>
             <a:r>
               <a:rPr lang="it-IT" sz="2200" dirty="0"/>
@@ -12510,7 +15334,23 @@
             </a:r>
             <a:r>
               <a:rPr lang="it-IT" sz="2200" dirty="0" err="1"/>
-              <a:t>bring</a:t>
+              <a:t>it</a:t>
+            </a:r>
+            <a:r>
+              <a:rPr lang="it-IT" sz="2200" dirty="0"/>
+              <a:t> back home </a:t>
+            </a:r>
+            <a:r>
+              <a:rPr lang="it-IT" sz="2200" dirty="0" err="1"/>
+              <a:t>traveling</a:t>
+            </a:r>
+            <a:r>
+              <a:rPr lang="it-IT" sz="2200" dirty="0"/>
+              <a:t> in the solar system </a:t>
+            </a:r>
+            <a:r>
+              <a:rPr lang="it-IT" sz="2200" dirty="0" err="1"/>
+              <a:t>it</a:t>
             </a:r>
             <a:r>
               <a:rPr lang="it-IT" sz="2200" dirty="0"/>
@@ -12518,23 +15358,7 @@
             </a:r>
             <a:r>
               <a:rPr lang="it-IT" sz="2200" dirty="0" err="1"/>
-              <a:t>her</a:t>
-            </a:r>
-            <a:r>
-              <a:rPr lang="it-IT" sz="2200" dirty="0"/>
-              <a:t> back home </a:t>
-            </a:r>
-            <a:r>
-              <a:rPr lang="it-IT" sz="2200" dirty="0" err="1"/>
-              <a:t>traveling</a:t>
-            </a:r>
-            <a:r>
-              <a:rPr lang="it-IT" sz="2200" dirty="0"/>
-              <a:t> in the solar </a:t>
-            </a:r>
-            <a:r>
-              <a:rPr lang="it-IT" sz="2200" dirty="0" err="1"/>
-              <a:t>system</a:t>
+              <a:t>will</a:t>
             </a:r>
             <a:r>
               <a:rPr lang="it-IT" sz="2200" dirty="0"/>
@@ -12542,22 +15366,6 @@
             </a:r>
             <a:r>
               <a:rPr lang="it-IT" sz="2200" dirty="0" err="1"/>
-              <a:t>it</a:t>
-            </a:r>
-            <a:r>
-              <a:rPr lang="it-IT" sz="2200" dirty="0"/>
-              <a:t> </a:t>
-            </a:r>
-            <a:r>
-              <a:rPr lang="it-IT" sz="2200" dirty="0" err="1"/>
-              <a:t>will</a:t>
-            </a:r>
-            <a:r>
-              <a:rPr lang="it-IT" sz="2200" dirty="0"/>
-              <a:t> </a:t>
-            </a:r>
-            <a:r>
-              <a:rPr lang="it-IT" sz="2200" dirty="0" err="1"/>
               <a:t>have</a:t>
             </a:r>
             <a:r>
@@ -12602,15 +15410,7 @@
             </a:r>
             <a:r>
               <a:rPr lang="it-IT" sz="2200" dirty="0"/>
-              <a:t> and </a:t>
-            </a:r>
-            <a:r>
-              <a:rPr lang="it-IT" sz="2200" dirty="0" err="1"/>
-              <a:t>monsters</a:t>
-            </a:r>
-            <a:r>
-              <a:rPr lang="it-IT" sz="2200" dirty="0"/>
-              <a:t> </a:t>
+              <a:t> and monsters </a:t>
             </a:r>
             <a:r>
               <a:rPr lang="it-IT" sz="2200" dirty="0" err="1"/>
@@ -12862,7 +15662,7 @@
 </p:sld>
 </file>
 
-<file path=ppt/slides/slide11.xml><?xml version="1.0" encoding="utf-8"?>
+<file path=ppt/slides/slide14.xml><?xml version="1.0" encoding="utf-8"?>
 <p:sld xmlns:a="http://schemas.openxmlformats.org/drawingml/2006/main" xmlns:r="http://schemas.openxmlformats.org/officeDocument/2006/relationships" xmlns:p="http://schemas.openxmlformats.org/presentationml/2006/main">
   <p:cSld>
     <p:spTree>
@@ -13144,7 +15944,7 @@
             </a:r>
             <a:r>
               <a:rPr lang="it-IT" sz="2000" dirty="0"/>
-              <a:t> by the 2D back game, from </a:t>
+              <a:t> by the 2D retro game, from </a:t>
             </a:r>
             <a:r>
               <a:rPr lang="it-IT" sz="2000" dirty="0" err="1"/>
@@ -13160,15 +15960,7 @@
             </a:r>
             <a:r>
               <a:rPr lang="it-IT" sz="2000" dirty="0"/>
-              <a:t> </a:t>
-            </a:r>
-            <a:r>
-              <a:rPr lang="it-IT" sz="2000" dirty="0" err="1"/>
-              <a:t>takes</a:t>
-            </a:r>
-            <a:r>
-              <a:rPr lang="it-IT" sz="2000" dirty="0"/>
-              <a:t> the </a:t>
+              <a:t> takes the </a:t>
             </a:r>
             <a:r>
               <a:rPr lang="it-IT" sz="2000" dirty="0" err="1"/>
@@ -13176,15 +15968,7 @@
             </a:r>
             <a:r>
               <a:rPr lang="it-IT" sz="2000" dirty="0"/>
-              <a:t> </a:t>
-            </a:r>
-            <a:r>
-              <a:rPr lang="it-IT" sz="2000" dirty="0" err="1"/>
-              <a:t>factor</a:t>
-            </a:r>
-            <a:r>
-              <a:rPr lang="it-IT" sz="2000" dirty="0"/>
-              <a:t> for the </a:t>
+              <a:t> factor for the </a:t>
             </a:r>
             <a:r>
               <a:rPr lang="it-IT" sz="2000" dirty="0" err="1"/>
@@ -13192,15 +15976,7 @@
             </a:r>
             <a:r>
               <a:rPr lang="it-IT" sz="2000" dirty="0"/>
-              <a:t>, the intuitive </a:t>
-            </a:r>
-            <a:r>
-              <a:rPr lang="it-IT" sz="2000" dirty="0" err="1"/>
-              <a:t>graphics</a:t>
-            </a:r>
-            <a:r>
-              <a:rPr lang="it-IT" sz="2000" dirty="0"/>
-              <a:t> and the game </a:t>
+              <a:t>, the intuitive graphics and the game </a:t>
             </a:r>
             <a:r>
               <a:rPr lang="it-IT" sz="2000" dirty="0" err="1"/>
@@ -13367,7 +16143,7 @@
 </p:sld>
 </file>
 
-<file path=ppt/slides/slide12.xml><?xml version="1.0" encoding="utf-8"?>
+<file path=ppt/slides/slide15.xml><?xml version="1.0" encoding="utf-8"?>
 <p:sld xmlns:a="http://schemas.openxmlformats.org/drawingml/2006/main" xmlns:r="http://schemas.openxmlformats.org/officeDocument/2006/relationships" xmlns:p="http://schemas.openxmlformats.org/presentationml/2006/main">
   <p:cSld>
     <p:spTree>
@@ -13729,6 +16505,293 @@
 </file>
 
 <file path=ppt/slides/slide2.xml><?xml version="1.0" encoding="utf-8"?>
+<p:sld xmlns:a="http://schemas.openxmlformats.org/drawingml/2006/main" xmlns:r="http://schemas.openxmlformats.org/officeDocument/2006/relationships" xmlns:p="http://schemas.openxmlformats.org/presentationml/2006/main">
+  <p:cSld>
+    <p:spTree>
+      <p:nvGrpSpPr>
+        <p:cNvPr id="1" name=""/>
+        <p:cNvGrpSpPr/>
+        <p:nvPr/>
+      </p:nvGrpSpPr>
+      <p:grpSpPr>
+        <a:xfrm>
+          <a:off x="0" y="0"/>
+          <a:ext cx="0" cy="0"/>
+          <a:chOff x="0" y="0"/>
+          <a:chExt cx="0" cy="0"/>
+        </a:xfrm>
+      </p:grpSpPr>
+      <p:sp>
+        <p:nvSpPr>
+          <p:cNvPr id="2" name="Titolo 1">
+            <a:extLst>
+              <a:ext uri="{FF2B5EF4-FFF2-40B4-BE49-F238E27FC236}">
+                <a16:creationId xmlns:a16="http://schemas.microsoft.com/office/drawing/2014/main" id="{62BDB4ED-65BA-4DD3-90DA-AED3AB20F425}"/>
+              </a:ext>
+            </a:extLst>
+          </p:cNvPr>
+          <p:cNvSpPr>
+            <a:spLocks noGrp="1"/>
+          </p:cNvSpPr>
+          <p:nvPr>
+            <p:ph type="title"/>
+          </p:nvPr>
+        </p:nvSpPr>
+        <p:spPr/>
+        <p:txBody>
+          <a:bodyPr/>
+          <a:lstStyle/>
+          <a:p>
+            <a:r>
+              <a:rPr lang="it-IT" b="1" dirty="0">
+                <a:solidFill>
+                  <a:srgbClr val="00B050"/>
+                </a:solidFill>
+                <a:latin typeface="Calibri" charset="0"/>
+                <a:ea typeface="Calibri" charset="0"/>
+                <a:cs typeface="Calibri" charset="0"/>
+              </a:rPr>
+              <a:t>SCRUM </a:t>
+            </a:r>
+            <a:r>
+              <a:rPr lang="it-IT" b="1" dirty="0" err="1">
+                <a:solidFill>
+                  <a:srgbClr val="00B050"/>
+                </a:solidFill>
+                <a:latin typeface="Calibri" charset="0"/>
+                <a:ea typeface="Calibri" charset="0"/>
+                <a:cs typeface="Calibri" charset="0"/>
+              </a:rPr>
+              <a:t>Roles</a:t>
+            </a:r>
+            <a:endParaRPr lang="it-IT" dirty="0"/>
+          </a:p>
+        </p:txBody>
+      </p:sp>
+      <p:sp>
+        <p:nvSpPr>
+          <p:cNvPr id="3" name="Segnaposto contenuto 2">
+            <a:extLst>
+              <a:ext uri="{FF2B5EF4-FFF2-40B4-BE49-F238E27FC236}">
+                <a16:creationId xmlns:a16="http://schemas.microsoft.com/office/drawing/2014/main" id="{1CC8DBFD-5D25-4E52-B425-8A6F1423358A}"/>
+              </a:ext>
+            </a:extLst>
+          </p:cNvPr>
+          <p:cNvSpPr>
+            <a:spLocks noGrp="1"/>
+          </p:cNvSpPr>
+          <p:nvPr>
+            <p:ph idx="1"/>
+          </p:nvPr>
+        </p:nvSpPr>
+        <p:spPr>
+          <a:xfrm>
+            <a:off x="609599" y="1700808"/>
+            <a:ext cx="6347714" cy="4680520"/>
+          </a:xfrm>
+        </p:spPr>
+        <p:txBody>
+          <a:bodyPr/>
+          <a:lstStyle/>
+          <a:p>
+            <a:pPr marL="285750" indent="-285750">
+              <a:buFont typeface="Wingdings" panose="05000000000000000000" pitchFamily="2" charset="2"/>
+              <a:buChar char="Ø"/>
+            </a:pPr>
+            <a:r>
+              <a:rPr lang="it-IT" sz="2000" dirty="0"/>
+              <a:t>Product </a:t>
+            </a:r>
+            <a:r>
+              <a:rPr lang="it-IT" sz="2000" dirty="0" err="1"/>
+              <a:t>Owner</a:t>
+            </a:r>
+            <a:endParaRPr lang="it-IT" sz="2000" dirty="0"/>
+          </a:p>
+          <a:p>
+            <a:pPr lvl="1">
+              <a:buFont typeface="Wingdings" panose="05000000000000000000" pitchFamily="2" charset="2"/>
+              <a:buChar char="Ø"/>
+            </a:pPr>
+            <a:r>
+              <a:rPr lang="it-IT" sz="2000" i="1" dirty="0">
+                <a:solidFill>
+                  <a:schemeClr val="bg2">
+                    <a:lumMod val="50000"/>
+                  </a:schemeClr>
+                </a:solidFill>
+              </a:rPr>
+              <a:t>Michele Finamore</a:t>
+            </a:r>
+          </a:p>
+          <a:p>
+            <a:pPr marL="285750" indent="-285750">
+              <a:buFont typeface="Wingdings" panose="05000000000000000000" pitchFamily="2" charset="2"/>
+              <a:buChar char="Ø"/>
+            </a:pPr>
+            <a:r>
+              <a:rPr lang="it-IT" sz="2000" dirty="0"/>
+              <a:t>SCRUM Master</a:t>
+            </a:r>
+          </a:p>
+          <a:p>
+            <a:pPr lvl="1">
+              <a:buFont typeface="Wingdings" panose="05000000000000000000" pitchFamily="2" charset="2"/>
+              <a:buChar char="Ø"/>
+            </a:pPr>
+            <a:r>
+              <a:rPr lang="it-IT" sz="2000" i="1" dirty="0">
+                <a:solidFill>
+                  <a:schemeClr val="bg2">
+                    <a:lumMod val="50000"/>
+                  </a:schemeClr>
+                </a:solidFill>
+              </a:rPr>
+              <a:t>Emilio </a:t>
+            </a:r>
+            <a:r>
+              <a:rPr lang="it-IT" sz="2000" i="1" dirty="0" err="1">
+                <a:solidFill>
+                  <a:schemeClr val="bg2">
+                    <a:lumMod val="50000"/>
+                  </a:schemeClr>
+                </a:solidFill>
+              </a:rPr>
+              <a:t>Rago</a:t>
+            </a:r>
+            <a:endParaRPr lang="it-IT" sz="2000" i="1" dirty="0">
+              <a:solidFill>
+                <a:schemeClr val="bg2">
+                  <a:lumMod val="50000"/>
+                </a:schemeClr>
+              </a:solidFill>
+            </a:endParaRPr>
+          </a:p>
+          <a:p>
+            <a:pPr marL="285750" indent="-285750">
+              <a:buFont typeface="Wingdings" panose="05000000000000000000" pitchFamily="2" charset="2"/>
+              <a:buChar char="Ø"/>
+            </a:pPr>
+            <a:r>
+              <a:rPr lang="it-IT" sz="2000" dirty="0"/>
+              <a:t>Development Team</a:t>
+            </a:r>
+          </a:p>
+          <a:p>
+            <a:pPr lvl="1">
+              <a:buFont typeface="Wingdings" panose="05000000000000000000" pitchFamily="2" charset="2"/>
+              <a:buChar char="Ø"/>
+            </a:pPr>
+            <a:r>
+              <a:rPr lang="it-IT" sz="2000" i="1" dirty="0">
+                <a:solidFill>
+                  <a:schemeClr val="bg2">
+                    <a:lumMod val="50000"/>
+                  </a:schemeClr>
+                </a:solidFill>
+              </a:rPr>
+              <a:t>Alessio Bortone</a:t>
+            </a:r>
+          </a:p>
+          <a:p>
+            <a:pPr lvl="1">
+              <a:buFont typeface="Wingdings" panose="05000000000000000000" pitchFamily="2" charset="2"/>
+              <a:buChar char="Ø"/>
+            </a:pPr>
+            <a:r>
+              <a:rPr lang="it-IT" sz="2000" i="1" dirty="0">
+                <a:solidFill>
+                  <a:schemeClr val="bg2">
+                    <a:lumMod val="50000"/>
+                  </a:schemeClr>
+                </a:solidFill>
+              </a:rPr>
+              <a:t>Christian Gambardella</a:t>
+            </a:r>
+          </a:p>
+          <a:p>
+            <a:pPr lvl="1">
+              <a:buFont typeface="Wingdings" panose="05000000000000000000" pitchFamily="2" charset="2"/>
+              <a:buChar char="Ø"/>
+            </a:pPr>
+            <a:r>
+              <a:rPr lang="it-IT" sz="2000" i="1" dirty="0">
+                <a:solidFill>
+                  <a:schemeClr val="bg2">
+                    <a:lumMod val="50000"/>
+                  </a:schemeClr>
+                </a:solidFill>
+              </a:rPr>
+              <a:t>Wael Karman</a:t>
+            </a:r>
+          </a:p>
+          <a:p>
+            <a:pPr lvl="1">
+              <a:buFont typeface="Wingdings" panose="05000000000000000000" pitchFamily="2" charset="2"/>
+              <a:buChar char="Ø"/>
+            </a:pPr>
+            <a:r>
+              <a:rPr lang="it-IT" sz="2000" i="1" dirty="0">
+                <a:solidFill>
+                  <a:schemeClr val="bg2">
+                    <a:lumMod val="50000"/>
+                  </a:schemeClr>
+                </a:solidFill>
+              </a:rPr>
+              <a:t>Francesco Riva</a:t>
+            </a:r>
+          </a:p>
+          <a:p>
+            <a:pPr lvl="1">
+              <a:buFont typeface="Wingdings" panose="05000000000000000000" pitchFamily="2" charset="2"/>
+              <a:buChar char="Ø"/>
+            </a:pPr>
+            <a:r>
+              <a:rPr lang="it-IT" sz="2000" i="1" dirty="0">
+                <a:solidFill>
+                  <a:schemeClr val="bg2">
+                    <a:lumMod val="50000"/>
+                  </a:schemeClr>
+                </a:solidFill>
+              </a:rPr>
+              <a:t>Vittorio Senatore</a:t>
+            </a:r>
+          </a:p>
+          <a:p>
+            <a:pPr lvl="1">
+              <a:buFont typeface="Wingdings" panose="05000000000000000000" pitchFamily="2" charset="2"/>
+              <a:buChar char="Ø"/>
+            </a:pPr>
+            <a:endParaRPr lang="it-IT" sz="2000" i="1" dirty="0">
+              <a:solidFill>
+                <a:schemeClr val="bg2">
+                  <a:lumMod val="50000"/>
+                </a:schemeClr>
+              </a:solidFill>
+            </a:endParaRPr>
+          </a:p>
+          <a:p>
+            <a:pPr marL="0" indent="0">
+              <a:buNone/>
+            </a:pPr>
+            <a:endParaRPr lang="it-IT" dirty="0"/>
+          </a:p>
+        </p:txBody>
+      </p:sp>
+    </p:spTree>
+    <p:extLst>
+      <p:ext uri="{BB962C8B-B14F-4D97-AF65-F5344CB8AC3E}">
+        <p14:creationId xmlns:p14="http://schemas.microsoft.com/office/powerpoint/2010/main" val="4280530503"/>
+      </p:ext>
+    </p:extLst>
+  </p:cSld>
+  <p:clrMapOvr>
+    <a:masterClrMapping/>
+  </p:clrMapOvr>
+</p:sld>
+</file>
+
+<file path=ppt/slides/slide3.xml><?xml version="1.0" encoding="utf-8"?>
 <p:sld xmlns:a="http://schemas.openxmlformats.org/drawingml/2006/main" xmlns:r="http://schemas.openxmlformats.org/officeDocument/2006/relationships" xmlns:p="http://schemas.openxmlformats.org/presentationml/2006/main">
   <p:cSld>
     <p:spTree>
@@ -14760,7 +17823,7 @@
 </p:sld>
 </file>
 
-<file path=ppt/slides/slide3.xml><?xml version="1.0" encoding="utf-8"?>
+<file path=ppt/slides/slide4.xml><?xml version="1.0" encoding="utf-8"?>
 <p:sld xmlns:a="http://schemas.openxmlformats.org/drawingml/2006/main" xmlns:r="http://schemas.openxmlformats.org/officeDocument/2006/relationships" xmlns:p="http://schemas.openxmlformats.org/presentationml/2006/main">
   <p:cSld>
     <p:spTree>
@@ -15603,326 +18666,6 @@
 </p:sld>
 </file>
 
-<file path=ppt/slides/slide4.xml><?xml version="1.0" encoding="utf-8"?>
-<p:sld xmlns:a="http://schemas.openxmlformats.org/drawingml/2006/main" xmlns:r="http://schemas.openxmlformats.org/officeDocument/2006/relationships" xmlns:p="http://schemas.openxmlformats.org/presentationml/2006/main">
-  <p:cSld>
-    <p:spTree>
-      <p:nvGrpSpPr>
-        <p:cNvPr id="1" name=""/>
-        <p:cNvGrpSpPr/>
-        <p:nvPr/>
-      </p:nvGrpSpPr>
-      <p:grpSpPr>
-        <a:xfrm>
-          <a:off x="0" y="0"/>
-          <a:ext cx="0" cy="0"/>
-          <a:chOff x="0" y="0"/>
-          <a:chExt cx="0" cy="0"/>
-        </a:xfrm>
-      </p:grpSpPr>
-      <p:sp>
-        <p:nvSpPr>
-          <p:cNvPr id="2" name="Titolo 1"/>
-          <p:cNvSpPr>
-            <a:spLocks noGrp="1"/>
-          </p:cNvSpPr>
-          <p:nvPr>
-            <p:ph type="title"/>
-          </p:nvPr>
-        </p:nvSpPr>
-        <p:spPr>
-          <a:xfrm>
-            <a:off x="541096" y="548680"/>
-            <a:ext cx="6347713" cy="1320800"/>
-          </a:xfrm>
-        </p:spPr>
-        <p:txBody>
-          <a:bodyPr>
-            <a:normAutofit/>
-          </a:bodyPr>
-          <a:lstStyle/>
-          <a:p>
-            <a:r>
-              <a:rPr lang="it-IT" sz="4500" b="1" dirty="0">
-                <a:solidFill>
-                  <a:schemeClr val="accent2"/>
-                </a:solidFill>
-              </a:rPr>
-              <a:t>Sprint Burndown Chart</a:t>
-            </a:r>
-          </a:p>
-        </p:txBody>
-      </p:sp>
-      <p:sp>
-        <p:nvSpPr>
-          <p:cNvPr id="3" name="CasellaDiTesto 2"/>
-          <p:cNvSpPr txBox="1"/>
-          <p:nvPr/>
-        </p:nvSpPr>
-        <p:spPr>
-          <a:xfrm>
-            <a:off x="3558890" y="5819197"/>
-            <a:ext cx="720080" cy="400110"/>
-          </a:xfrm>
-          <a:prstGeom prst="rect">
-            <a:avLst/>
-          </a:prstGeom>
-          <a:noFill/>
-        </p:spPr>
-        <p:txBody>
-          <a:bodyPr wrap="square" rtlCol="0">
-            <a:spAutoFit/>
-          </a:bodyPr>
-          <a:lstStyle/>
-          <a:p>
-            <a:r>
-              <a:rPr lang="it-IT" sz="2000" b="1" dirty="0">
-                <a:latin typeface="Calibri" charset="0"/>
-                <a:ea typeface="Calibri" charset="0"/>
-                <a:cs typeface="Calibri" charset="0"/>
-              </a:rPr>
-              <a:t>Days</a:t>
-            </a:r>
-          </a:p>
-        </p:txBody>
-      </p:sp>
-      <p:sp>
-        <p:nvSpPr>
-          <p:cNvPr id="6" name="CasellaDiTesto 5"/>
-          <p:cNvSpPr txBox="1"/>
-          <p:nvPr/>
-        </p:nvSpPr>
-        <p:spPr>
-          <a:xfrm rot="16200000">
-            <a:off x="-277863" y="3228944"/>
-            <a:ext cx="1637919" cy="400110"/>
-          </a:xfrm>
-          <a:prstGeom prst="rect">
-            <a:avLst/>
-          </a:prstGeom>
-          <a:noFill/>
-        </p:spPr>
-        <p:txBody>
-          <a:bodyPr wrap="square" rtlCol="0">
-            <a:spAutoFit/>
-          </a:bodyPr>
-          <a:lstStyle/>
-          <a:p>
-            <a:r>
-              <a:rPr lang="it-IT" sz="2000" b="1" dirty="0">
-                <a:latin typeface="Calibri" charset="0"/>
-                <a:ea typeface="Calibri" charset="0"/>
-                <a:cs typeface="Calibri" charset="0"/>
-              </a:rPr>
-              <a:t>Story Points</a:t>
-            </a:r>
-          </a:p>
-        </p:txBody>
-      </p:sp>
-      <p:graphicFrame>
-        <p:nvGraphicFramePr>
-          <p:cNvPr id="10" name="Grafico 9">
-            <a:extLst>
-              <a:ext uri="{FF2B5EF4-FFF2-40B4-BE49-F238E27FC236}">
-                <a16:creationId xmlns:a16="http://schemas.microsoft.com/office/drawing/2014/main" id="{E48F1D22-FA2E-42C1-A3C8-5C06861A7F1F}"/>
-              </a:ext>
-            </a:extLst>
-          </p:cNvPr>
-          <p:cNvGraphicFramePr/>
-          <p:nvPr>
-            <p:extLst>
-              <p:ext uri="{D42A27DB-BD31-4B8C-83A1-F6EECF244321}">
-                <p14:modId xmlns:p14="http://schemas.microsoft.com/office/powerpoint/2010/main" val="1357706886"/>
-              </p:ext>
-            </p:extLst>
-          </p:nvPr>
-        </p:nvGraphicFramePr>
-        <p:xfrm>
-          <a:off x="836898" y="1694214"/>
-          <a:ext cx="6164064" cy="4149493"/>
-        </p:xfrm>
-        <a:graphic>
-          <a:graphicData uri="http://schemas.openxmlformats.org/drawingml/2006/chart">
-            <c:chart xmlns:c="http://schemas.openxmlformats.org/drawingml/2006/chart" xmlns:r="http://schemas.openxmlformats.org/officeDocument/2006/relationships" r:id="rId3"/>
-          </a:graphicData>
-        </a:graphic>
-      </p:graphicFrame>
-    </p:spTree>
-    <p:extLst>
-      <p:ext uri="{BB962C8B-B14F-4D97-AF65-F5344CB8AC3E}">
-        <p14:creationId xmlns:p14="http://schemas.microsoft.com/office/powerpoint/2010/main" val="891738283"/>
-      </p:ext>
-    </p:extLst>
-  </p:cSld>
-  <p:clrMapOvr>
-    <a:masterClrMapping/>
-  </p:clrMapOvr>
-  <p:timing>
-    <p:tnLst>
-      <p:par>
-        <p:cTn id="1" dur="indefinite" restart="never" nodeType="tmRoot">
-          <p:childTnLst>
-            <p:seq concurrent="1" nextAc="seek">
-              <p:cTn id="2" dur="indefinite" nodeType="mainSeq">
-                <p:childTnLst>
-                  <p:par>
-                    <p:cTn id="3" fill="hold">
-                      <p:stCondLst>
-                        <p:cond delay="indefinite"/>
-                        <p:cond evt="onBegin" delay="0">
-                          <p:tn val="2"/>
-                        </p:cond>
-                      </p:stCondLst>
-                      <p:childTnLst>
-                        <p:par>
-                          <p:cTn id="4" fill="hold">
-                            <p:stCondLst>
-                              <p:cond delay="0"/>
-                            </p:stCondLst>
-                            <p:childTnLst>
-                              <p:par>
-                                <p:cTn id="5" presetID="16" presetClass="entr" presetSubtype="37" fill="hold" grpId="0" nodeType="withEffect">
-                                  <p:stCondLst>
-                                    <p:cond delay="0"/>
-                                  </p:stCondLst>
-                                  <p:childTnLst>
-                                    <p:set>
-                                      <p:cBhvr>
-                                        <p:cTn id="6" dur="1" fill="hold">
-                                          <p:stCondLst>
-                                            <p:cond delay="0"/>
-                                          </p:stCondLst>
-                                        </p:cTn>
-                                        <p:tgtEl>
-                                          <p:spTgt spid="10"/>
-                                        </p:tgtEl>
-                                        <p:attrNameLst>
-                                          <p:attrName>style.visibility</p:attrName>
-                                        </p:attrNameLst>
-                                      </p:cBhvr>
-                                      <p:to>
-                                        <p:strVal val="visible"/>
-                                      </p:to>
-                                    </p:set>
-                                    <p:animEffect transition="in" filter="barn(outVertical)">
-                                      <p:cBhvr>
-                                        <p:cTn id="7" dur="500"/>
-                                        <p:tgtEl>
-                                          <p:spTgt spid="10"/>
-                                        </p:tgtEl>
-                                      </p:cBhvr>
-                                    </p:animEffect>
-                                  </p:childTnLst>
-                                </p:cTn>
-                              </p:par>
-                              <p:par>
-                                <p:cTn id="8" presetID="22" presetClass="entr" presetSubtype="4" fill="hold" grpId="0" nodeType="withEffect">
-                                  <p:stCondLst>
-                                    <p:cond delay="0"/>
-                                  </p:stCondLst>
-                                  <p:childTnLst>
-                                    <p:set>
-                                      <p:cBhvr>
-                                        <p:cTn id="9" dur="1" fill="hold">
-                                          <p:stCondLst>
-                                            <p:cond delay="0"/>
-                                          </p:stCondLst>
-                                        </p:cTn>
-                                        <p:tgtEl>
-                                          <p:spTgt spid="6"/>
-                                        </p:tgtEl>
-                                        <p:attrNameLst>
-                                          <p:attrName>style.visibility</p:attrName>
-                                        </p:attrNameLst>
-                                      </p:cBhvr>
-                                      <p:to>
-                                        <p:strVal val="visible"/>
-                                      </p:to>
-                                    </p:set>
-                                    <p:animEffect transition="in" filter="wipe(down)">
-                                      <p:cBhvr>
-                                        <p:cTn id="10" dur="500"/>
-                                        <p:tgtEl>
-                                          <p:spTgt spid="6"/>
-                                        </p:tgtEl>
-                                      </p:cBhvr>
-                                    </p:animEffect>
-                                  </p:childTnLst>
-                                </p:cTn>
-                              </p:par>
-                              <p:par>
-                                <p:cTn id="11" presetID="22" presetClass="entr" presetSubtype="4" fill="hold" grpId="0" nodeType="withEffect">
-                                  <p:stCondLst>
-                                    <p:cond delay="0"/>
-                                  </p:stCondLst>
-                                  <p:childTnLst>
-                                    <p:set>
-                                      <p:cBhvr>
-                                        <p:cTn id="12" dur="1" fill="hold">
-                                          <p:stCondLst>
-                                            <p:cond delay="0"/>
-                                          </p:stCondLst>
-                                        </p:cTn>
-                                        <p:tgtEl>
-                                          <p:spTgt spid="3"/>
-                                        </p:tgtEl>
-                                        <p:attrNameLst>
-                                          <p:attrName>style.visibility</p:attrName>
-                                        </p:attrNameLst>
-                                      </p:cBhvr>
-                                      <p:to>
-                                        <p:strVal val="visible"/>
-                                      </p:to>
-                                    </p:set>
-                                    <p:animEffect transition="in" filter="wipe(down)">
-                                      <p:cBhvr>
-                                        <p:cTn id="13" dur="500"/>
-                                        <p:tgtEl>
-                                          <p:spTgt spid="3"/>
-                                        </p:tgtEl>
-                                      </p:cBhvr>
-                                    </p:animEffect>
-                                  </p:childTnLst>
-                                </p:cTn>
-                              </p:par>
-                            </p:childTnLst>
-                          </p:cTn>
-                        </p:par>
-                      </p:childTnLst>
-                    </p:cTn>
-                  </p:par>
-                </p:childTnLst>
-              </p:cTn>
-              <p:prevCondLst>
-                <p:cond evt="onPrev" delay="0">
-                  <p:tgtEl>
-                    <p:sldTgt/>
-                  </p:tgtEl>
-                </p:cond>
-              </p:prevCondLst>
-              <p:nextCondLst>
-                <p:cond evt="onNext" delay="0">
-                  <p:tgtEl>
-                    <p:sldTgt/>
-                  </p:tgtEl>
-                </p:cond>
-              </p:nextCondLst>
-            </p:seq>
-          </p:childTnLst>
-        </p:cTn>
-      </p:par>
-    </p:tnLst>
-    <p:bldLst>
-      <p:bldP spid="3" grpId="0"/>
-      <p:bldP spid="6" grpId="0"/>
-      <p:bldGraphic spid="10" grpId="0">
-        <p:bldAsOne/>
-      </p:bldGraphic>
-    </p:bldLst>
-  </p:timing>
-</p:sld>
-</file>
-
 <file path=ppt/slides/slide5.xml><?xml version="1.0" encoding="utf-8"?>
 <p:sld xmlns:a="http://schemas.openxmlformats.org/drawingml/2006/main" xmlns:r="http://schemas.openxmlformats.org/officeDocument/2006/relationships" xmlns:p="http://schemas.openxmlformats.org/presentationml/2006/main">
   <p:cSld>
@@ -16373,6 +19116,922 @@
       </p:grpSpPr>
       <p:sp>
         <p:nvSpPr>
+          <p:cNvPr id="4" name="Titolo 3">
+            <a:extLst>
+              <a:ext uri="{FF2B5EF4-FFF2-40B4-BE49-F238E27FC236}">
+                <a16:creationId xmlns:a16="http://schemas.microsoft.com/office/drawing/2014/main" id="{2D9FC700-80A1-4CA4-82C5-345DEE77EE76}"/>
+              </a:ext>
+            </a:extLst>
+          </p:cNvPr>
+          <p:cNvSpPr>
+            <a:spLocks noGrp="1"/>
+          </p:cNvSpPr>
+          <p:nvPr>
+            <p:ph type="title"/>
+          </p:nvPr>
+        </p:nvSpPr>
+        <p:spPr/>
+        <p:txBody>
+          <a:bodyPr/>
+          <a:lstStyle/>
+          <a:p>
+            <a:r>
+              <a:rPr lang="it-IT" b="1" dirty="0" err="1">
+                <a:solidFill>
+                  <a:schemeClr val="accent2"/>
+                </a:solidFill>
+              </a:rPr>
+              <a:t>Final</a:t>
+            </a:r>
+            <a:r>
+              <a:rPr lang="it-IT" b="1" dirty="0">
+                <a:solidFill>
+                  <a:schemeClr val="accent2"/>
+                </a:solidFill>
+              </a:rPr>
+              <a:t> </a:t>
+            </a:r>
+            <a:r>
+              <a:rPr lang="it-IT" b="1" dirty="0" err="1">
+                <a:solidFill>
+                  <a:schemeClr val="accent2"/>
+                </a:solidFill>
+              </a:rPr>
+              <a:t>Burndown</a:t>
+            </a:r>
+            <a:r>
+              <a:rPr lang="it-IT" b="1" dirty="0">
+                <a:solidFill>
+                  <a:schemeClr val="accent2"/>
+                </a:solidFill>
+              </a:rPr>
+              <a:t> Chart</a:t>
+            </a:r>
+            <a:endParaRPr lang="it-IT" dirty="0"/>
+          </a:p>
+        </p:txBody>
+      </p:sp>
+      <p:graphicFrame>
+        <p:nvGraphicFramePr>
+          <p:cNvPr id="8" name="Grafico 7">
+            <a:extLst>
+              <a:ext uri="{FF2B5EF4-FFF2-40B4-BE49-F238E27FC236}">
+                <a16:creationId xmlns:a16="http://schemas.microsoft.com/office/drawing/2014/main" id="{75D5B916-E084-4186-998F-141002F22CB3}"/>
+              </a:ext>
+            </a:extLst>
+          </p:cNvPr>
+          <p:cNvGraphicFramePr/>
+          <p:nvPr>
+            <p:extLst>
+              <p:ext uri="{D42A27DB-BD31-4B8C-83A1-F6EECF244321}">
+                <p14:modId xmlns:p14="http://schemas.microsoft.com/office/powerpoint/2010/main" val="3094638868"/>
+              </p:ext>
+            </p:extLst>
+          </p:nvPr>
+        </p:nvGraphicFramePr>
+        <p:xfrm>
+          <a:off x="836898" y="1694214"/>
+          <a:ext cx="6164064" cy="4149493"/>
+        </p:xfrm>
+        <a:graphic>
+          <a:graphicData uri="http://schemas.openxmlformats.org/drawingml/2006/chart">
+            <c:chart xmlns:c="http://schemas.openxmlformats.org/drawingml/2006/chart" xmlns:r="http://schemas.openxmlformats.org/officeDocument/2006/relationships" r:id="rId3"/>
+          </a:graphicData>
+        </a:graphic>
+      </p:graphicFrame>
+      <p:sp>
+        <p:nvSpPr>
+          <p:cNvPr id="9" name="Rettangolo 8">
+            <a:extLst>
+              <a:ext uri="{FF2B5EF4-FFF2-40B4-BE49-F238E27FC236}">
+                <a16:creationId xmlns:a16="http://schemas.microsoft.com/office/drawing/2014/main" id="{3D0D2487-E3A6-4008-A295-EE6AE3AD59A0}"/>
+              </a:ext>
+            </a:extLst>
+          </p:cNvPr>
+          <p:cNvSpPr/>
+          <p:nvPr/>
+        </p:nvSpPr>
+        <p:spPr>
+          <a:xfrm>
+            <a:off x="971600" y="6063734"/>
+            <a:ext cx="2617511" cy="369332"/>
+          </a:xfrm>
+          <a:prstGeom prst="rect">
+            <a:avLst/>
+          </a:prstGeom>
+        </p:spPr>
+        <p:txBody>
+          <a:bodyPr wrap="none">
+            <a:spAutoFit/>
+          </a:bodyPr>
+          <a:lstStyle/>
+          <a:p>
+            <a:r>
+              <a:rPr lang="it-IT" b="1" dirty="0">
+                <a:solidFill>
+                  <a:schemeClr val="accent2"/>
+                </a:solidFill>
+              </a:rPr>
+              <a:t>Total Story Points: 210</a:t>
+            </a:r>
+            <a:endParaRPr lang="it-IT" dirty="0">
+              <a:solidFill>
+                <a:schemeClr val="accent2"/>
+              </a:solidFill>
+            </a:endParaRPr>
+          </a:p>
+        </p:txBody>
+      </p:sp>
+    </p:spTree>
+    <p:extLst>
+      <p:ext uri="{BB962C8B-B14F-4D97-AF65-F5344CB8AC3E}">
+        <p14:creationId xmlns:p14="http://schemas.microsoft.com/office/powerpoint/2010/main" val="891738283"/>
+      </p:ext>
+    </p:extLst>
+  </p:cSld>
+  <p:clrMapOvr>
+    <a:masterClrMapping/>
+  </p:clrMapOvr>
+  <p:timing>
+    <p:tnLst>
+      <p:par>
+        <p:cTn id="1" dur="indefinite" restart="never" nodeType="tmRoot">
+          <p:childTnLst>
+            <p:seq concurrent="1" nextAc="seek">
+              <p:cTn id="2" dur="indefinite" nodeType="mainSeq">
+                <p:childTnLst>
+                  <p:par>
+                    <p:cTn id="3" fill="hold">
+                      <p:stCondLst>
+                        <p:cond delay="indefinite"/>
+                        <p:cond evt="onBegin" delay="0">
+                          <p:tn val="2"/>
+                        </p:cond>
+                      </p:stCondLst>
+                      <p:childTnLst>
+                        <p:par>
+                          <p:cTn id="4" fill="hold">
+                            <p:stCondLst>
+                              <p:cond delay="0"/>
+                            </p:stCondLst>
+                            <p:childTnLst>
+                              <p:par>
+                                <p:cTn id="5" presetID="16" presetClass="entr" presetSubtype="37" fill="hold" grpId="0" nodeType="withEffect">
+                                  <p:stCondLst>
+                                    <p:cond delay="0"/>
+                                  </p:stCondLst>
+                                  <p:childTnLst>
+                                    <p:set>
+                                      <p:cBhvr>
+                                        <p:cTn id="6" dur="1" fill="hold">
+                                          <p:stCondLst>
+                                            <p:cond delay="0"/>
+                                          </p:stCondLst>
+                                        </p:cTn>
+                                        <p:tgtEl>
+                                          <p:spTgt spid="8"/>
+                                        </p:tgtEl>
+                                        <p:attrNameLst>
+                                          <p:attrName>style.visibility</p:attrName>
+                                        </p:attrNameLst>
+                                      </p:cBhvr>
+                                      <p:to>
+                                        <p:strVal val="visible"/>
+                                      </p:to>
+                                    </p:set>
+                                    <p:animEffect transition="in" filter="barn(outVertical)">
+                                      <p:cBhvr>
+                                        <p:cTn id="7" dur="500"/>
+                                        <p:tgtEl>
+                                          <p:spTgt spid="8"/>
+                                        </p:tgtEl>
+                                      </p:cBhvr>
+                                    </p:animEffect>
+                                  </p:childTnLst>
+                                </p:cTn>
+                              </p:par>
+                            </p:childTnLst>
+                          </p:cTn>
+                        </p:par>
+                      </p:childTnLst>
+                    </p:cTn>
+                  </p:par>
+                </p:childTnLst>
+              </p:cTn>
+              <p:prevCondLst>
+                <p:cond evt="onPrev" delay="0">
+                  <p:tgtEl>
+                    <p:sldTgt/>
+                  </p:tgtEl>
+                </p:cond>
+              </p:prevCondLst>
+              <p:nextCondLst>
+                <p:cond evt="onNext" delay="0">
+                  <p:tgtEl>
+                    <p:sldTgt/>
+                  </p:tgtEl>
+                </p:cond>
+              </p:nextCondLst>
+            </p:seq>
+          </p:childTnLst>
+        </p:cTn>
+      </p:par>
+    </p:tnLst>
+    <p:bldLst>
+      <p:bldGraphic spid="8" grpId="0">
+        <p:bldAsOne/>
+      </p:bldGraphic>
+    </p:bldLst>
+  </p:timing>
+</p:sld>
+</file>
+
+<file path=ppt/slides/slide7.xml><?xml version="1.0" encoding="utf-8"?>
+<p:sld xmlns:a="http://schemas.openxmlformats.org/drawingml/2006/main" xmlns:r="http://schemas.openxmlformats.org/officeDocument/2006/relationships" xmlns:p="http://schemas.openxmlformats.org/presentationml/2006/main">
+  <p:cSld>
+    <p:spTree>
+      <p:nvGrpSpPr>
+        <p:cNvPr id="1" name=""/>
+        <p:cNvGrpSpPr/>
+        <p:nvPr/>
+      </p:nvGrpSpPr>
+      <p:grpSpPr>
+        <a:xfrm>
+          <a:off x="0" y="0"/>
+          <a:ext cx="0" cy="0"/>
+          <a:chOff x="0" y="0"/>
+          <a:chExt cx="0" cy="0"/>
+        </a:xfrm>
+      </p:grpSpPr>
+      <p:pic>
+        <p:nvPicPr>
+          <p:cNvPr id="5" name="Segnaposto contenuto 4" descr="Immagine che contiene screenshot&#10;&#10;Descrizione generata con affidabilità elevata">
+            <a:extLst>
+              <a:ext uri="{FF2B5EF4-FFF2-40B4-BE49-F238E27FC236}">
+                <a16:creationId xmlns:a16="http://schemas.microsoft.com/office/drawing/2014/main" id="{DDAD738C-EB20-495F-9D39-85E72E8F652B}"/>
+              </a:ext>
+            </a:extLst>
+          </p:cNvPr>
+          <p:cNvPicPr>
+            <a:picLocks noGrp="1" noChangeAspect="1"/>
+          </p:cNvPicPr>
+          <p:nvPr>
+            <p:ph idx="1"/>
+          </p:nvPr>
+        </p:nvPicPr>
+        <p:blipFill>
+          <a:blip r:embed="rId2">
+            <a:extLst>
+              <a:ext uri="{28A0092B-C50C-407E-A947-70E740481C1C}">
+                <a14:useLocalDpi xmlns:a14="http://schemas.microsoft.com/office/drawing/2010/main" val="0"/>
+              </a:ext>
+            </a:extLst>
+          </a:blip>
+          <a:stretch>
+            <a:fillRect/>
+          </a:stretch>
+        </p:blipFill>
+        <p:spPr>
+          <a:xfrm>
+            <a:off x="-8229" y="1124745"/>
+            <a:ext cx="9152230" cy="5633620"/>
+          </a:xfrm>
+        </p:spPr>
+      </p:pic>
+      <p:sp>
+        <p:nvSpPr>
+          <p:cNvPr id="8" name="Titolo 3">
+            <a:extLst>
+              <a:ext uri="{FF2B5EF4-FFF2-40B4-BE49-F238E27FC236}">
+                <a16:creationId xmlns:a16="http://schemas.microsoft.com/office/drawing/2014/main" id="{81B9B864-FA81-4D0F-B3DC-AF305DD95739}"/>
+              </a:ext>
+            </a:extLst>
+          </p:cNvPr>
+          <p:cNvSpPr>
+            <a:spLocks noGrp="1"/>
+          </p:cNvSpPr>
+          <p:nvPr>
+            <p:ph type="title"/>
+          </p:nvPr>
+        </p:nvSpPr>
+        <p:spPr>
+          <a:xfrm>
+            <a:off x="107504" y="464345"/>
+            <a:ext cx="6347713" cy="1320800"/>
+          </a:xfrm>
+        </p:spPr>
+        <p:txBody>
+          <a:bodyPr/>
+          <a:lstStyle/>
+          <a:p>
+            <a:r>
+              <a:rPr lang="it-IT" b="1" dirty="0" err="1">
+                <a:solidFill>
+                  <a:schemeClr val="accent2"/>
+                </a:solidFill>
+              </a:rPr>
+              <a:t>All</a:t>
+            </a:r>
+            <a:r>
+              <a:rPr lang="it-IT" b="1" dirty="0">
+                <a:solidFill>
+                  <a:schemeClr val="accent2"/>
+                </a:solidFill>
+              </a:rPr>
+              <a:t> User Stories</a:t>
+            </a:r>
+            <a:endParaRPr lang="it-IT" dirty="0"/>
+          </a:p>
+        </p:txBody>
+      </p:sp>
+    </p:spTree>
+    <p:extLst>
+      <p:ext uri="{BB962C8B-B14F-4D97-AF65-F5344CB8AC3E}">
+        <p14:creationId xmlns:p14="http://schemas.microsoft.com/office/powerpoint/2010/main" val="599087524"/>
+      </p:ext>
+    </p:extLst>
+  </p:cSld>
+  <p:clrMapOvr>
+    <a:masterClrMapping/>
+  </p:clrMapOvr>
+</p:sld>
+</file>
+
+<file path=ppt/slides/slide8.xml><?xml version="1.0" encoding="utf-8"?>
+<p:sld xmlns:a="http://schemas.openxmlformats.org/drawingml/2006/main" xmlns:r="http://schemas.openxmlformats.org/officeDocument/2006/relationships" xmlns:p="http://schemas.openxmlformats.org/presentationml/2006/main">
+  <p:cSld>
+    <p:spTree>
+      <p:nvGrpSpPr>
+        <p:cNvPr id="1" name=""/>
+        <p:cNvGrpSpPr/>
+        <p:nvPr/>
+      </p:nvGrpSpPr>
+      <p:grpSpPr>
+        <a:xfrm>
+          <a:off x="0" y="0"/>
+          <a:ext cx="0" cy="0"/>
+          <a:chOff x="0" y="0"/>
+          <a:chExt cx="0" cy="0"/>
+        </a:xfrm>
+      </p:grpSpPr>
+      <p:pic>
+        <p:nvPicPr>
+          <p:cNvPr id="4" name="Immagine 3">
+            <a:extLst>
+              <a:ext uri="{FF2B5EF4-FFF2-40B4-BE49-F238E27FC236}">
+                <a16:creationId xmlns:a16="http://schemas.microsoft.com/office/drawing/2014/main" id="{3B9988E1-726E-4D7A-A069-FDE1771E5E04}"/>
+              </a:ext>
+            </a:extLst>
+          </p:cNvPr>
+          <p:cNvPicPr>
+            <a:picLocks noChangeAspect="1"/>
+          </p:cNvPicPr>
+          <p:nvPr/>
+        </p:nvPicPr>
+        <p:blipFill>
+          <a:blip r:embed="rId2">
+            <a:extLst>
+              <a:ext uri="{28A0092B-C50C-407E-A947-70E740481C1C}">
+                <a14:useLocalDpi xmlns:a14="http://schemas.microsoft.com/office/drawing/2010/main" val="0"/>
+              </a:ext>
+            </a:extLst>
+          </a:blip>
+          <a:stretch>
+            <a:fillRect/>
+          </a:stretch>
+        </p:blipFill>
+        <p:spPr>
+          <a:xfrm>
+            <a:off x="0" y="2564904"/>
+            <a:ext cx="4290515" cy="3013139"/>
+          </a:xfrm>
+          <a:prstGeom prst="rect">
+            <a:avLst/>
+          </a:prstGeom>
+        </p:spPr>
+      </p:pic>
+      <p:pic>
+        <p:nvPicPr>
+          <p:cNvPr id="5" name="Immagine 4">
+            <a:extLst>
+              <a:ext uri="{FF2B5EF4-FFF2-40B4-BE49-F238E27FC236}">
+                <a16:creationId xmlns:a16="http://schemas.microsoft.com/office/drawing/2014/main" id="{59553AFD-D848-48D5-9BEE-43C95E9C8A60}"/>
+              </a:ext>
+            </a:extLst>
+          </p:cNvPr>
+          <p:cNvPicPr>
+            <a:picLocks noChangeAspect="1"/>
+          </p:cNvPicPr>
+          <p:nvPr/>
+        </p:nvPicPr>
+        <p:blipFill>
+          <a:blip r:embed="rId3">
+            <a:extLst>
+              <a:ext uri="{28A0092B-C50C-407E-A947-70E740481C1C}">
+                <a14:useLocalDpi xmlns:a14="http://schemas.microsoft.com/office/drawing/2010/main" val="0"/>
+              </a:ext>
+            </a:extLst>
+          </a:blip>
+          <a:stretch>
+            <a:fillRect/>
+          </a:stretch>
+        </p:blipFill>
+        <p:spPr>
+          <a:xfrm>
+            <a:off x="4863870" y="2493781"/>
+            <a:ext cx="4280132" cy="3155381"/>
+          </a:xfrm>
+          <a:prstGeom prst="rect">
+            <a:avLst/>
+          </a:prstGeom>
+        </p:spPr>
+      </p:pic>
+      <p:sp>
+        <p:nvSpPr>
+          <p:cNvPr id="6" name="Freccia a destra 5">
+            <a:extLst>
+              <a:ext uri="{FF2B5EF4-FFF2-40B4-BE49-F238E27FC236}">
+                <a16:creationId xmlns:a16="http://schemas.microsoft.com/office/drawing/2014/main" id="{32868601-EB42-44F0-BD9B-025691A51483}"/>
+              </a:ext>
+            </a:extLst>
+          </p:cNvPr>
+          <p:cNvSpPr/>
+          <p:nvPr/>
+        </p:nvSpPr>
+        <p:spPr>
+          <a:xfrm>
+            <a:off x="4300898" y="3709946"/>
+            <a:ext cx="552589" cy="723053"/>
+          </a:xfrm>
+          <a:prstGeom prst="rightArrow">
+            <a:avLst/>
+          </a:prstGeom>
+          <a:noFill/>
+          <a:ln w="57150">
+            <a:solidFill>
+              <a:srgbClr val="00B050"/>
+            </a:solidFill>
+          </a:ln>
+        </p:spPr>
+        <p:style>
+          <a:lnRef idx="2">
+            <a:schemeClr val="accent1">
+              <a:shade val="50000"/>
+            </a:schemeClr>
+          </a:lnRef>
+          <a:fillRef idx="1">
+            <a:schemeClr val="accent1"/>
+          </a:fillRef>
+          <a:effectRef idx="0">
+            <a:schemeClr val="accent1"/>
+          </a:effectRef>
+          <a:fontRef idx="minor">
+            <a:schemeClr val="lt1"/>
+          </a:fontRef>
+        </p:style>
+        <p:txBody>
+          <a:bodyPr rtlCol="0" anchor="ctr"/>
+          <a:lstStyle>
+            <a:defPPr>
+              <a:defRPr lang="it-IT"/>
+            </a:defPPr>
+            <a:lvl1pPr marL="0" algn="l" defTabSz="914400" rtl="0" eaLnBrk="1" latinLnBrk="0" hangingPunct="1">
+              <a:defRPr sz="1800" kern="1200">
+                <a:solidFill>
+                  <a:schemeClr val="lt1"/>
+                </a:solidFill>
+                <a:latin typeface="+mn-lt"/>
+                <a:ea typeface="+mn-ea"/>
+                <a:cs typeface="+mn-cs"/>
+              </a:defRPr>
+            </a:lvl1pPr>
+            <a:lvl2pPr marL="457200" algn="l" defTabSz="914400" rtl="0" eaLnBrk="1" latinLnBrk="0" hangingPunct="1">
+              <a:defRPr sz="1800" kern="1200">
+                <a:solidFill>
+                  <a:schemeClr val="lt1"/>
+                </a:solidFill>
+                <a:latin typeface="+mn-lt"/>
+                <a:ea typeface="+mn-ea"/>
+                <a:cs typeface="+mn-cs"/>
+              </a:defRPr>
+            </a:lvl2pPr>
+            <a:lvl3pPr marL="914400" algn="l" defTabSz="914400" rtl="0" eaLnBrk="1" latinLnBrk="0" hangingPunct="1">
+              <a:defRPr sz="1800" kern="1200">
+                <a:solidFill>
+                  <a:schemeClr val="lt1"/>
+                </a:solidFill>
+                <a:latin typeface="+mn-lt"/>
+                <a:ea typeface="+mn-ea"/>
+                <a:cs typeface="+mn-cs"/>
+              </a:defRPr>
+            </a:lvl3pPr>
+            <a:lvl4pPr marL="1371600" algn="l" defTabSz="914400" rtl="0" eaLnBrk="1" latinLnBrk="0" hangingPunct="1">
+              <a:defRPr sz="1800" kern="1200">
+                <a:solidFill>
+                  <a:schemeClr val="lt1"/>
+                </a:solidFill>
+                <a:latin typeface="+mn-lt"/>
+                <a:ea typeface="+mn-ea"/>
+                <a:cs typeface="+mn-cs"/>
+              </a:defRPr>
+            </a:lvl4pPr>
+            <a:lvl5pPr marL="1828800" algn="l" defTabSz="914400" rtl="0" eaLnBrk="1" latinLnBrk="0" hangingPunct="1">
+              <a:defRPr sz="1800" kern="1200">
+                <a:solidFill>
+                  <a:schemeClr val="lt1"/>
+                </a:solidFill>
+                <a:latin typeface="+mn-lt"/>
+                <a:ea typeface="+mn-ea"/>
+                <a:cs typeface="+mn-cs"/>
+              </a:defRPr>
+            </a:lvl5pPr>
+            <a:lvl6pPr marL="2286000" algn="l" defTabSz="914400" rtl="0" eaLnBrk="1" latinLnBrk="0" hangingPunct="1">
+              <a:defRPr sz="1800" kern="1200">
+                <a:solidFill>
+                  <a:schemeClr val="lt1"/>
+                </a:solidFill>
+                <a:latin typeface="+mn-lt"/>
+                <a:ea typeface="+mn-ea"/>
+                <a:cs typeface="+mn-cs"/>
+              </a:defRPr>
+            </a:lvl6pPr>
+            <a:lvl7pPr marL="2743200" algn="l" defTabSz="914400" rtl="0" eaLnBrk="1" latinLnBrk="0" hangingPunct="1">
+              <a:defRPr sz="1800" kern="1200">
+                <a:solidFill>
+                  <a:schemeClr val="lt1"/>
+                </a:solidFill>
+                <a:latin typeface="+mn-lt"/>
+                <a:ea typeface="+mn-ea"/>
+                <a:cs typeface="+mn-cs"/>
+              </a:defRPr>
+            </a:lvl7pPr>
+            <a:lvl8pPr marL="3200400" algn="l" defTabSz="914400" rtl="0" eaLnBrk="1" latinLnBrk="0" hangingPunct="1">
+              <a:defRPr sz="1800" kern="1200">
+                <a:solidFill>
+                  <a:schemeClr val="lt1"/>
+                </a:solidFill>
+                <a:latin typeface="+mn-lt"/>
+                <a:ea typeface="+mn-ea"/>
+                <a:cs typeface="+mn-cs"/>
+              </a:defRPr>
+            </a:lvl8pPr>
+            <a:lvl9pPr marL="3657600" algn="l" defTabSz="914400" rtl="0" eaLnBrk="1" latinLnBrk="0" hangingPunct="1">
+              <a:defRPr sz="1800" kern="1200">
+                <a:solidFill>
+                  <a:schemeClr val="lt1"/>
+                </a:solidFill>
+                <a:latin typeface="+mn-lt"/>
+                <a:ea typeface="+mn-ea"/>
+                <a:cs typeface="+mn-cs"/>
+              </a:defRPr>
+            </a:lvl9pPr>
+          </a:lstStyle>
+          <a:p>
+            <a:pPr algn="ctr"/>
+            <a:endParaRPr lang="it-IT" dirty="0"/>
+          </a:p>
+        </p:txBody>
+      </p:sp>
+      <p:sp>
+        <p:nvSpPr>
+          <p:cNvPr id="7" name="Rettangolo 6">
+            <a:extLst>
+              <a:ext uri="{FF2B5EF4-FFF2-40B4-BE49-F238E27FC236}">
+                <a16:creationId xmlns:a16="http://schemas.microsoft.com/office/drawing/2014/main" id="{764B9E5C-40DF-4182-BC03-CAE8E5094598}"/>
+              </a:ext>
+            </a:extLst>
+          </p:cNvPr>
+          <p:cNvSpPr/>
+          <p:nvPr/>
+        </p:nvSpPr>
+        <p:spPr>
+          <a:xfrm>
+            <a:off x="236032" y="802498"/>
+            <a:ext cx="3818449" cy="1446550"/>
+          </a:xfrm>
+          <a:prstGeom prst="rect">
+            <a:avLst/>
+          </a:prstGeom>
+        </p:spPr>
+        <p:txBody>
+          <a:bodyPr wrap="square">
+            <a:spAutoFit/>
+          </a:bodyPr>
+          <a:lstStyle>
+            <a:defPPr>
+              <a:defRPr lang="it-IT"/>
+            </a:defPPr>
+            <a:lvl1pPr marL="0" algn="l" defTabSz="914400" rtl="0" eaLnBrk="1" latinLnBrk="0" hangingPunct="1">
+              <a:defRPr sz="1800" kern="1200">
+                <a:solidFill>
+                  <a:schemeClr val="tx1"/>
+                </a:solidFill>
+                <a:latin typeface="+mn-lt"/>
+                <a:ea typeface="+mn-ea"/>
+                <a:cs typeface="+mn-cs"/>
+              </a:defRPr>
+            </a:lvl1pPr>
+            <a:lvl2pPr marL="457200" algn="l" defTabSz="914400" rtl="0" eaLnBrk="1" latinLnBrk="0" hangingPunct="1">
+              <a:defRPr sz="1800" kern="1200">
+                <a:solidFill>
+                  <a:schemeClr val="tx1"/>
+                </a:solidFill>
+                <a:latin typeface="+mn-lt"/>
+                <a:ea typeface="+mn-ea"/>
+                <a:cs typeface="+mn-cs"/>
+              </a:defRPr>
+            </a:lvl2pPr>
+            <a:lvl3pPr marL="914400" algn="l" defTabSz="914400" rtl="0" eaLnBrk="1" latinLnBrk="0" hangingPunct="1">
+              <a:defRPr sz="1800" kern="1200">
+                <a:solidFill>
+                  <a:schemeClr val="tx1"/>
+                </a:solidFill>
+                <a:latin typeface="+mn-lt"/>
+                <a:ea typeface="+mn-ea"/>
+                <a:cs typeface="+mn-cs"/>
+              </a:defRPr>
+            </a:lvl3pPr>
+            <a:lvl4pPr marL="1371600" algn="l" defTabSz="914400" rtl="0" eaLnBrk="1" latinLnBrk="0" hangingPunct="1">
+              <a:defRPr sz="1800" kern="1200">
+                <a:solidFill>
+                  <a:schemeClr val="tx1"/>
+                </a:solidFill>
+                <a:latin typeface="+mn-lt"/>
+                <a:ea typeface="+mn-ea"/>
+                <a:cs typeface="+mn-cs"/>
+              </a:defRPr>
+            </a:lvl4pPr>
+            <a:lvl5pPr marL="1828800" algn="l" defTabSz="914400" rtl="0" eaLnBrk="1" latinLnBrk="0" hangingPunct="1">
+              <a:defRPr sz="1800" kern="1200">
+                <a:solidFill>
+                  <a:schemeClr val="tx1"/>
+                </a:solidFill>
+                <a:latin typeface="+mn-lt"/>
+                <a:ea typeface="+mn-ea"/>
+                <a:cs typeface="+mn-cs"/>
+              </a:defRPr>
+            </a:lvl5pPr>
+            <a:lvl6pPr marL="2286000" algn="l" defTabSz="914400" rtl="0" eaLnBrk="1" latinLnBrk="0" hangingPunct="1">
+              <a:defRPr sz="1800" kern="1200">
+                <a:solidFill>
+                  <a:schemeClr val="tx1"/>
+                </a:solidFill>
+                <a:latin typeface="+mn-lt"/>
+                <a:ea typeface="+mn-ea"/>
+                <a:cs typeface="+mn-cs"/>
+              </a:defRPr>
+            </a:lvl6pPr>
+            <a:lvl7pPr marL="2743200" algn="l" defTabSz="914400" rtl="0" eaLnBrk="1" latinLnBrk="0" hangingPunct="1">
+              <a:defRPr sz="1800" kern="1200">
+                <a:solidFill>
+                  <a:schemeClr val="tx1"/>
+                </a:solidFill>
+                <a:latin typeface="+mn-lt"/>
+                <a:ea typeface="+mn-ea"/>
+                <a:cs typeface="+mn-cs"/>
+              </a:defRPr>
+            </a:lvl7pPr>
+            <a:lvl8pPr marL="3200400" algn="l" defTabSz="914400" rtl="0" eaLnBrk="1" latinLnBrk="0" hangingPunct="1">
+              <a:defRPr sz="1800" kern="1200">
+                <a:solidFill>
+                  <a:schemeClr val="tx1"/>
+                </a:solidFill>
+                <a:latin typeface="+mn-lt"/>
+                <a:ea typeface="+mn-ea"/>
+                <a:cs typeface="+mn-cs"/>
+              </a:defRPr>
+            </a:lvl8pPr>
+            <a:lvl9pPr marL="3657600" algn="l" defTabSz="914400" rtl="0" eaLnBrk="1" latinLnBrk="0" hangingPunct="1">
+              <a:defRPr sz="1800" kern="1200">
+                <a:solidFill>
+                  <a:schemeClr val="tx1"/>
+                </a:solidFill>
+                <a:latin typeface="+mn-lt"/>
+                <a:ea typeface="+mn-ea"/>
+                <a:cs typeface="+mn-cs"/>
+              </a:defRPr>
+            </a:lvl9pPr>
+          </a:lstStyle>
+          <a:p>
+            <a:pPr lvl="0" algn="ctr">
+              <a:defRPr/>
+            </a:pPr>
+            <a:r>
+              <a:rPr lang="it-IT" sz="4400" b="1" dirty="0">
+                <a:solidFill>
+                  <a:schemeClr val="accent2"/>
+                </a:solidFill>
+              </a:rPr>
+              <a:t>1° Sprint </a:t>
+            </a:r>
+            <a:r>
+              <a:rPr lang="it-IT" sz="4400" b="1" dirty="0" err="1">
+                <a:solidFill>
+                  <a:schemeClr val="accent2"/>
+                </a:solidFill>
+              </a:rPr>
+              <a:t>Retrospective</a:t>
+            </a:r>
+            <a:endParaRPr kumimoji="0" lang="it-IT" sz="1800" b="0" i="0" u="none" strike="noStrike" kern="0" cap="none" spc="0" normalizeH="0" baseline="0" noProof="0" dirty="0">
+              <a:ln>
+                <a:noFill/>
+              </a:ln>
+              <a:solidFill>
+                <a:sysClr val="windowText" lastClr="000000"/>
+              </a:solidFill>
+              <a:effectLst/>
+              <a:uLnTx/>
+              <a:uFillTx/>
+            </a:endParaRPr>
+          </a:p>
+        </p:txBody>
+      </p:sp>
+      <p:sp>
+        <p:nvSpPr>
+          <p:cNvPr id="9" name="Rettangolo 8">
+            <a:extLst>
+              <a:ext uri="{FF2B5EF4-FFF2-40B4-BE49-F238E27FC236}">
+                <a16:creationId xmlns:a16="http://schemas.microsoft.com/office/drawing/2014/main" id="{441022E0-FCA1-438E-A9AA-3A2F9972679C}"/>
+              </a:ext>
+            </a:extLst>
+          </p:cNvPr>
+          <p:cNvSpPr/>
+          <p:nvPr/>
+        </p:nvSpPr>
+        <p:spPr>
+          <a:xfrm>
+            <a:off x="5089519" y="802498"/>
+            <a:ext cx="3818449" cy="1446550"/>
+          </a:xfrm>
+          <a:prstGeom prst="rect">
+            <a:avLst/>
+          </a:prstGeom>
+        </p:spPr>
+        <p:txBody>
+          <a:bodyPr wrap="square">
+            <a:spAutoFit/>
+          </a:bodyPr>
+          <a:lstStyle>
+            <a:defPPr>
+              <a:defRPr lang="it-IT"/>
+            </a:defPPr>
+            <a:lvl1pPr marL="0" algn="l" defTabSz="914400" rtl="0" eaLnBrk="1" latinLnBrk="0" hangingPunct="1">
+              <a:defRPr sz="1800" kern="1200">
+                <a:solidFill>
+                  <a:schemeClr val="tx1"/>
+                </a:solidFill>
+                <a:latin typeface="+mn-lt"/>
+                <a:ea typeface="+mn-ea"/>
+                <a:cs typeface="+mn-cs"/>
+              </a:defRPr>
+            </a:lvl1pPr>
+            <a:lvl2pPr marL="457200" algn="l" defTabSz="914400" rtl="0" eaLnBrk="1" latinLnBrk="0" hangingPunct="1">
+              <a:defRPr sz="1800" kern="1200">
+                <a:solidFill>
+                  <a:schemeClr val="tx1"/>
+                </a:solidFill>
+                <a:latin typeface="+mn-lt"/>
+                <a:ea typeface="+mn-ea"/>
+                <a:cs typeface="+mn-cs"/>
+              </a:defRPr>
+            </a:lvl2pPr>
+            <a:lvl3pPr marL="914400" algn="l" defTabSz="914400" rtl="0" eaLnBrk="1" latinLnBrk="0" hangingPunct="1">
+              <a:defRPr sz="1800" kern="1200">
+                <a:solidFill>
+                  <a:schemeClr val="tx1"/>
+                </a:solidFill>
+                <a:latin typeface="+mn-lt"/>
+                <a:ea typeface="+mn-ea"/>
+                <a:cs typeface="+mn-cs"/>
+              </a:defRPr>
+            </a:lvl3pPr>
+            <a:lvl4pPr marL="1371600" algn="l" defTabSz="914400" rtl="0" eaLnBrk="1" latinLnBrk="0" hangingPunct="1">
+              <a:defRPr sz="1800" kern="1200">
+                <a:solidFill>
+                  <a:schemeClr val="tx1"/>
+                </a:solidFill>
+                <a:latin typeface="+mn-lt"/>
+                <a:ea typeface="+mn-ea"/>
+                <a:cs typeface="+mn-cs"/>
+              </a:defRPr>
+            </a:lvl4pPr>
+            <a:lvl5pPr marL="1828800" algn="l" defTabSz="914400" rtl="0" eaLnBrk="1" latinLnBrk="0" hangingPunct="1">
+              <a:defRPr sz="1800" kern="1200">
+                <a:solidFill>
+                  <a:schemeClr val="tx1"/>
+                </a:solidFill>
+                <a:latin typeface="+mn-lt"/>
+                <a:ea typeface="+mn-ea"/>
+                <a:cs typeface="+mn-cs"/>
+              </a:defRPr>
+            </a:lvl5pPr>
+            <a:lvl6pPr marL="2286000" algn="l" defTabSz="914400" rtl="0" eaLnBrk="1" latinLnBrk="0" hangingPunct="1">
+              <a:defRPr sz="1800" kern="1200">
+                <a:solidFill>
+                  <a:schemeClr val="tx1"/>
+                </a:solidFill>
+                <a:latin typeface="+mn-lt"/>
+                <a:ea typeface="+mn-ea"/>
+                <a:cs typeface="+mn-cs"/>
+              </a:defRPr>
+            </a:lvl6pPr>
+            <a:lvl7pPr marL="2743200" algn="l" defTabSz="914400" rtl="0" eaLnBrk="1" latinLnBrk="0" hangingPunct="1">
+              <a:defRPr sz="1800" kern="1200">
+                <a:solidFill>
+                  <a:schemeClr val="tx1"/>
+                </a:solidFill>
+                <a:latin typeface="+mn-lt"/>
+                <a:ea typeface="+mn-ea"/>
+                <a:cs typeface="+mn-cs"/>
+              </a:defRPr>
+            </a:lvl7pPr>
+            <a:lvl8pPr marL="3200400" algn="l" defTabSz="914400" rtl="0" eaLnBrk="1" latinLnBrk="0" hangingPunct="1">
+              <a:defRPr sz="1800" kern="1200">
+                <a:solidFill>
+                  <a:schemeClr val="tx1"/>
+                </a:solidFill>
+                <a:latin typeface="+mn-lt"/>
+                <a:ea typeface="+mn-ea"/>
+                <a:cs typeface="+mn-cs"/>
+              </a:defRPr>
+            </a:lvl8pPr>
+            <a:lvl9pPr marL="3657600" algn="l" defTabSz="914400" rtl="0" eaLnBrk="1" latinLnBrk="0" hangingPunct="1">
+              <a:defRPr sz="1800" kern="1200">
+                <a:solidFill>
+                  <a:schemeClr val="tx1"/>
+                </a:solidFill>
+                <a:latin typeface="+mn-lt"/>
+                <a:ea typeface="+mn-ea"/>
+                <a:cs typeface="+mn-cs"/>
+              </a:defRPr>
+            </a:lvl9pPr>
+          </a:lstStyle>
+          <a:p>
+            <a:pPr lvl="0">
+              <a:defRPr/>
+            </a:pPr>
+            <a:r>
+              <a:rPr lang="it-IT" sz="4400" b="1" dirty="0">
+                <a:solidFill>
+                  <a:schemeClr val="accent2"/>
+                </a:solidFill>
+              </a:rPr>
+              <a:t>2° Sprint </a:t>
+            </a:r>
+            <a:r>
+              <a:rPr lang="it-IT" sz="4400" b="1" dirty="0" err="1">
+                <a:solidFill>
+                  <a:schemeClr val="accent2"/>
+                </a:solidFill>
+              </a:rPr>
+              <a:t>Retrospective</a:t>
+            </a:r>
+            <a:endParaRPr kumimoji="0" lang="it-IT" sz="1800" b="0" i="0" u="none" strike="noStrike" kern="0" cap="none" spc="0" normalizeH="0" baseline="0" noProof="0" dirty="0">
+              <a:ln>
+                <a:noFill/>
+              </a:ln>
+              <a:solidFill>
+                <a:sysClr val="windowText" lastClr="000000"/>
+              </a:solidFill>
+              <a:effectLst/>
+              <a:uLnTx/>
+              <a:uFillTx/>
+            </a:endParaRPr>
+          </a:p>
+        </p:txBody>
+      </p:sp>
+    </p:spTree>
+    <p:extLst>
+      <p:ext uri="{BB962C8B-B14F-4D97-AF65-F5344CB8AC3E}">
+        <p14:creationId xmlns:p14="http://schemas.microsoft.com/office/powerpoint/2010/main" val="3085423152"/>
+      </p:ext>
+    </p:extLst>
+  </p:cSld>
+  <p:clrMapOvr>
+    <a:masterClrMapping/>
+  </p:clrMapOvr>
+</p:sld>
+</file>
+
+<file path=ppt/slides/slide9.xml><?xml version="1.0" encoding="utf-8"?>
+<p:sld xmlns:a="http://schemas.openxmlformats.org/drawingml/2006/main" xmlns:r="http://schemas.openxmlformats.org/officeDocument/2006/relationships" xmlns:p="http://schemas.openxmlformats.org/presentationml/2006/main">
+  <p:cSld>
+    <p:spTree>
+      <p:nvGrpSpPr>
+        <p:cNvPr id="1" name=""/>
+        <p:cNvGrpSpPr/>
+        <p:nvPr/>
+      </p:nvGrpSpPr>
+      <p:grpSpPr>
+        <a:xfrm>
+          <a:off x="0" y="0"/>
+          <a:ext cx="0" cy="0"/>
+          <a:chOff x="0" y="0"/>
+          <a:chExt cx="0" cy="0"/>
+        </a:xfrm>
+      </p:grpSpPr>
+      <p:sp>
+        <p:nvSpPr>
           <p:cNvPr id="5" name="Titolo 1">
             <a:extLst>
               <a:ext uri="{FF2B5EF4-FFF2-40B4-BE49-F238E27FC236}">
@@ -16815,2606 +20474,6 @@
     <p:extLst>
       <p:ext uri="{BB962C8B-B14F-4D97-AF65-F5344CB8AC3E}">
         <p14:creationId xmlns:p14="http://schemas.microsoft.com/office/powerpoint/2010/main" val="1167739321"/>
-      </p:ext>
-    </p:extLst>
-  </p:cSld>
-  <p:clrMapOvr>
-    <a:masterClrMapping/>
-  </p:clrMapOvr>
-</p:sld>
-</file>
-
-<file path=ppt/slides/slide7.xml><?xml version="1.0" encoding="utf-8"?>
-<p:sld xmlns:a="http://schemas.openxmlformats.org/drawingml/2006/main" xmlns:r="http://schemas.openxmlformats.org/officeDocument/2006/relationships" xmlns:p="http://schemas.openxmlformats.org/presentationml/2006/main">
-  <p:cSld>
-    <p:spTree>
-      <p:nvGrpSpPr>
-        <p:cNvPr id="1" name=""/>
-        <p:cNvGrpSpPr/>
-        <p:nvPr/>
-      </p:nvGrpSpPr>
-      <p:grpSpPr>
-        <a:xfrm>
-          <a:off x="0" y="0"/>
-          <a:ext cx="0" cy="0"/>
-          <a:chOff x="0" y="0"/>
-          <a:chExt cx="0" cy="0"/>
-        </a:xfrm>
-      </p:grpSpPr>
-      <p:sp>
-        <p:nvSpPr>
-          <p:cNvPr id="5" name="Titolo 1">
-            <a:extLst>
-              <a:ext uri="{FF2B5EF4-FFF2-40B4-BE49-F238E27FC236}">
-                <a16:creationId xmlns:a16="http://schemas.microsoft.com/office/drawing/2014/main" id="{275235B7-69DC-4EA4-9714-BED4ED3F72F3}"/>
-              </a:ext>
-            </a:extLst>
-          </p:cNvPr>
-          <p:cNvSpPr txBox="1">
-            <a:spLocks/>
-          </p:cNvSpPr>
-          <p:nvPr/>
-        </p:nvSpPr>
-        <p:spPr>
-          <a:xfrm>
-            <a:off x="323528" y="188640"/>
-            <a:ext cx="6912768" cy="619121"/>
-          </a:xfrm>
-          <a:prstGeom prst="rect">
-            <a:avLst/>
-          </a:prstGeom>
-        </p:spPr>
-        <p:txBody>
-          <a:bodyPr vert="horz" lIns="91440" tIns="45720" rIns="91440" bIns="45720" rtlCol="0" anchor="t">
-            <a:normAutofit/>
-          </a:bodyPr>
-          <a:lstStyle>
-            <a:lvl1pPr algn="l" defTabSz="457200" rtl="0" eaLnBrk="1" latinLnBrk="0" hangingPunct="1">
-              <a:spcBef>
-                <a:spcPct val="0"/>
-              </a:spcBef>
-              <a:buNone/>
-              <a:defRPr sz="3600" kern="1200">
-                <a:solidFill>
-                  <a:schemeClr val="accent1"/>
-                </a:solidFill>
-                <a:latin typeface="+mj-lt"/>
-                <a:ea typeface="+mj-ea"/>
-                <a:cs typeface="+mj-cs"/>
-              </a:defRPr>
-            </a:lvl1pPr>
-            <a:lvl2pPr eaLnBrk="1" hangingPunct="1">
-              <a:defRPr>
-                <a:solidFill>
-                  <a:schemeClr val="tx2"/>
-                </a:solidFill>
-              </a:defRPr>
-            </a:lvl2pPr>
-            <a:lvl3pPr eaLnBrk="1" hangingPunct="1">
-              <a:defRPr>
-                <a:solidFill>
-                  <a:schemeClr val="tx2"/>
-                </a:solidFill>
-              </a:defRPr>
-            </a:lvl3pPr>
-            <a:lvl4pPr eaLnBrk="1" hangingPunct="1">
-              <a:defRPr>
-                <a:solidFill>
-                  <a:schemeClr val="tx2"/>
-                </a:solidFill>
-              </a:defRPr>
-            </a:lvl4pPr>
-            <a:lvl5pPr eaLnBrk="1" hangingPunct="1">
-              <a:defRPr>
-                <a:solidFill>
-                  <a:schemeClr val="tx2"/>
-                </a:solidFill>
-              </a:defRPr>
-            </a:lvl5pPr>
-            <a:lvl6pPr eaLnBrk="1" hangingPunct="1">
-              <a:defRPr>
-                <a:solidFill>
-                  <a:schemeClr val="tx2"/>
-                </a:solidFill>
-              </a:defRPr>
-            </a:lvl6pPr>
-            <a:lvl7pPr eaLnBrk="1" hangingPunct="1">
-              <a:defRPr>
-                <a:solidFill>
-                  <a:schemeClr val="tx2"/>
-                </a:solidFill>
-              </a:defRPr>
-            </a:lvl7pPr>
-            <a:lvl8pPr eaLnBrk="1" hangingPunct="1">
-              <a:defRPr>
-                <a:solidFill>
-                  <a:schemeClr val="tx2"/>
-                </a:solidFill>
-              </a:defRPr>
-            </a:lvl8pPr>
-            <a:lvl9pPr eaLnBrk="1" hangingPunct="1">
-              <a:defRPr>
-                <a:solidFill>
-                  <a:schemeClr val="tx2"/>
-                </a:solidFill>
-              </a:defRPr>
-            </a:lvl9pPr>
-          </a:lstStyle>
-          <a:p>
-            <a:r>
-              <a:rPr lang="it-IT" sz="3000" b="1" dirty="0" err="1">
-                <a:solidFill>
-                  <a:schemeClr val="accent2"/>
-                </a:solidFill>
-              </a:rPr>
-              <a:t>Problems</a:t>
-            </a:r>
-            <a:r>
-              <a:rPr lang="it-IT" sz="3000" b="1" dirty="0">
-                <a:solidFill>
-                  <a:schemeClr val="accent2"/>
-                </a:solidFill>
-              </a:rPr>
-              <a:t> </a:t>
-            </a:r>
-            <a:r>
-              <a:rPr lang="it-IT" sz="3000" b="1" u="sng" dirty="0" err="1">
-                <a:solidFill>
-                  <a:schemeClr val="accent2"/>
-                </a:solidFill>
-              </a:rPr>
-              <a:t>solved</a:t>
-            </a:r>
-            <a:r>
-              <a:rPr lang="it-IT" sz="3000" b="1" dirty="0">
-                <a:solidFill>
-                  <a:schemeClr val="accent2"/>
-                </a:solidFill>
-              </a:rPr>
-              <a:t> with Design </a:t>
-            </a:r>
-            <a:r>
-              <a:rPr lang="it-IT" sz="3000" b="1" dirty="0" err="1">
-                <a:solidFill>
-                  <a:schemeClr val="accent2"/>
-                </a:solidFill>
-              </a:rPr>
-              <a:t>Patterns</a:t>
-            </a:r>
-            <a:endParaRPr lang="it-IT" sz="3000" b="1" dirty="0">
-              <a:solidFill>
-                <a:schemeClr val="accent2"/>
-              </a:solidFill>
-            </a:endParaRPr>
-          </a:p>
-        </p:txBody>
-      </p:sp>
-      <p:sp>
-        <p:nvSpPr>
-          <p:cNvPr id="6" name="Titolo 1">
-            <a:extLst>
-              <a:ext uri="{FF2B5EF4-FFF2-40B4-BE49-F238E27FC236}">
-                <a16:creationId xmlns:a16="http://schemas.microsoft.com/office/drawing/2014/main" id="{6C90066E-7A4C-477E-B54C-B3148F8E05BF}"/>
-              </a:ext>
-            </a:extLst>
-          </p:cNvPr>
-          <p:cNvSpPr txBox="1">
-            <a:spLocks/>
-          </p:cNvSpPr>
-          <p:nvPr/>
-        </p:nvSpPr>
-        <p:spPr>
-          <a:xfrm>
-            <a:off x="107504" y="1340768"/>
-            <a:ext cx="7128792" cy="4803008"/>
-          </a:xfrm>
-          <a:prstGeom prst="rect">
-            <a:avLst/>
-          </a:prstGeom>
-        </p:spPr>
-        <p:txBody>
-          <a:bodyPr vert="horz" lIns="91440" tIns="45720" rIns="91440" bIns="45720" rtlCol="0" anchor="t">
-            <a:normAutofit/>
-          </a:bodyPr>
-          <a:lstStyle>
-            <a:lvl1pPr algn="l" defTabSz="457200" rtl="0" eaLnBrk="1" latinLnBrk="0" hangingPunct="1">
-              <a:spcBef>
-                <a:spcPct val="0"/>
-              </a:spcBef>
-              <a:buNone/>
-              <a:defRPr sz="3600" kern="1200">
-                <a:solidFill>
-                  <a:schemeClr val="accent1"/>
-                </a:solidFill>
-                <a:latin typeface="+mj-lt"/>
-                <a:ea typeface="+mj-ea"/>
-                <a:cs typeface="+mj-cs"/>
-              </a:defRPr>
-            </a:lvl1pPr>
-            <a:lvl2pPr eaLnBrk="1" hangingPunct="1">
-              <a:defRPr>
-                <a:solidFill>
-                  <a:schemeClr val="tx2"/>
-                </a:solidFill>
-              </a:defRPr>
-            </a:lvl2pPr>
-            <a:lvl3pPr eaLnBrk="1" hangingPunct="1">
-              <a:defRPr>
-                <a:solidFill>
-                  <a:schemeClr val="tx2"/>
-                </a:solidFill>
-              </a:defRPr>
-            </a:lvl3pPr>
-            <a:lvl4pPr eaLnBrk="1" hangingPunct="1">
-              <a:defRPr>
-                <a:solidFill>
-                  <a:schemeClr val="tx2"/>
-                </a:solidFill>
-              </a:defRPr>
-            </a:lvl4pPr>
-            <a:lvl5pPr eaLnBrk="1" hangingPunct="1">
-              <a:defRPr>
-                <a:solidFill>
-                  <a:schemeClr val="tx2"/>
-                </a:solidFill>
-              </a:defRPr>
-            </a:lvl5pPr>
-            <a:lvl6pPr eaLnBrk="1" hangingPunct="1">
-              <a:defRPr>
-                <a:solidFill>
-                  <a:schemeClr val="tx2"/>
-                </a:solidFill>
-              </a:defRPr>
-            </a:lvl6pPr>
-            <a:lvl7pPr eaLnBrk="1" hangingPunct="1">
-              <a:defRPr>
-                <a:solidFill>
-                  <a:schemeClr val="tx2"/>
-                </a:solidFill>
-              </a:defRPr>
-            </a:lvl7pPr>
-            <a:lvl8pPr eaLnBrk="1" hangingPunct="1">
-              <a:defRPr>
-                <a:solidFill>
-                  <a:schemeClr val="tx2"/>
-                </a:solidFill>
-              </a:defRPr>
-            </a:lvl8pPr>
-            <a:lvl9pPr eaLnBrk="1" hangingPunct="1">
-              <a:defRPr>
-                <a:solidFill>
-                  <a:schemeClr val="tx2"/>
-                </a:solidFill>
-              </a:defRPr>
-            </a:lvl9pPr>
-          </a:lstStyle>
-          <a:p>
-            <a:pPr marL="457200" indent="-457200" algn="just">
-              <a:buFont typeface="Wingdings" charset="2"/>
-              <a:buChar char="v"/>
-            </a:pPr>
-            <a:r>
-              <a:rPr lang="en-US" sz="1800" b="1" dirty="0">
-                <a:solidFill>
-                  <a:schemeClr val="tx1"/>
-                </a:solidFill>
-              </a:rPr>
-              <a:t>Need to manage the implementation of objects with similar behavior (Alien classes)</a:t>
-            </a:r>
-            <a:endParaRPr lang="it-IT" sz="1800" b="1" dirty="0">
-              <a:solidFill>
-                <a:schemeClr val="tx1"/>
-              </a:solidFill>
-            </a:endParaRPr>
-          </a:p>
-          <a:p>
-            <a:pPr marL="1371600" lvl="2" indent="-457200" algn="just">
-              <a:buFont typeface="Wingdings" panose="05000000000000000000" pitchFamily="2" charset="2"/>
-              <a:buChar char="Ø"/>
-            </a:pPr>
-            <a:r>
-              <a:rPr lang="it-IT" b="1" i="1" dirty="0" err="1">
-                <a:solidFill>
-                  <a:schemeClr val="bg2">
-                    <a:lumMod val="50000"/>
-                  </a:schemeClr>
-                </a:solidFill>
-              </a:rPr>
-              <a:t>Implementing</a:t>
-            </a:r>
-            <a:r>
-              <a:rPr lang="it-IT" b="1" i="1" dirty="0">
-                <a:solidFill>
-                  <a:schemeClr val="bg2">
-                    <a:lumMod val="50000"/>
-                  </a:schemeClr>
-                </a:solidFill>
-              </a:rPr>
-              <a:t> </a:t>
-            </a:r>
-            <a:r>
-              <a:rPr lang="it-IT" b="1" i="1" dirty="0" err="1">
-                <a:solidFill>
-                  <a:schemeClr val="bg2">
-                    <a:lumMod val="50000"/>
-                  </a:schemeClr>
-                </a:solidFill>
-              </a:rPr>
-              <a:t>Abstact</a:t>
-            </a:r>
-            <a:r>
-              <a:rPr lang="it-IT" b="1" i="1" dirty="0">
-                <a:solidFill>
-                  <a:schemeClr val="bg2">
-                    <a:lumMod val="50000"/>
-                  </a:schemeClr>
-                </a:solidFill>
-              </a:rPr>
-              <a:t> Factory and </a:t>
-            </a:r>
-            <a:r>
-              <a:rPr lang="it-IT" b="1" i="1" dirty="0" err="1">
-                <a:solidFill>
-                  <a:schemeClr val="bg2">
-                    <a:lumMod val="50000"/>
-                  </a:schemeClr>
-                </a:solidFill>
-              </a:rPr>
-              <a:t>Factory</a:t>
-            </a:r>
-            <a:r>
-              <a:rPr lang="it-IT" b="1" i="1" dirty="0">
-                <a:solidFill>
-                  <a:schemeClr val="bg2">
-                    <a:lumMod val="50000"/>
-                  </a:schemeClr>
-                </a:solidFill>
-              </a:rPr>
-              <a:t> Method</a:t>
-            </a:r>
-          </a:p>
-          <a:p>
-            <a:pPr lvl="2" algn="just"/>
-            <a:endParaRPr lang="it-IT" b="1" i="1" dirty="0">
-              <a:solidFill>
-                <a:schemeClr val="tx1"/>
-              </a:solidFill>
-            </a:endParaRPr>
-          </a:p>
-          <a:p>
-            <a:pPr marL="457200" indent="-457200" algn="just">
-              <a:buFont typeface="Wingdings" charset="2"/>
-              <a:buChar char="v"/>
-            </a:pPr>
-            <a:r>
-              <a:rPr lang="en-US" sz="1800" b="1" dirty="0">
-                <a:solidFill>
-                  <a:schemeClr val="tx1"/>
-                </a:solidFill>
-              </a:rPr>
-              <a:t>Avoid the instantiation of multiple instances of the same game object by the user, to avoid creating inconsistencies in the parameters passed through the levels of the game</a:t>
-            </a:r>
-          </a:p>
-          <a:p>
-            <a:pPr marL="1371600" lvl="2" indent="-457200" algn="just">
-              <a:buFont typeface="Wingdings" panose="05000000000000000000" pitchFamily="2" charset="2"/>
-              <a:buChar char="Ø"/>
-            </a:pPr>
-            <a:r>
-              <a:rPr lang="en-US" b="1" i="1" dirty="0">
-                <a:solidFill>
-                  <a:schemeClr val="bg2">
-                    <a:lumMod val="50000"/>
-                  </a:schemeClr>
-                </a:solidFill>
-              </a:rPr>
-              <a:t>Implementing Singleton</a:t>
-            </a:r>
-          </a:p>
-          <a:p>
-            <a:pPr marL="1371600" lvl="2" indent="-457200" algn="just">
-              <a:buFont typeface="Wingdings" charset="2"/>
-              <a:buChar char="v"/>
-            </a:pPr>
-            <a:endParaRPr lang="en-US" b="1" dirty="0">
-              <a:solidFill>
-                <a:schemeClr val="tx1"/>
-              </a:solidFill>
-            </a:endParaRPr>
-          </a:p>
-          <a:p>
-            <a:pPr marL="457200" indent="-457200" algn="just">
-              <a:buFont typeface="Wingdings" charset="2"/>
-              <a:buChar char="v"/>
-            </a:pPr>
-            <a:r>
-              <a:rPr lang="en-US" sz="1800" b="1" dirty="0">
-                <a:solidFill>
-                  <a:schemeClr val="tx1"/>
-                </a:solidFill>
-              </a:rPr>
-              <a:t>Manage with one controller multiple types of events resulting from the pressure of the controls for game controls</a:t>
-            </a:r>
-          </a:p>
-          <a:p>
-            <a:pPr marL="1371600" lvl="2" indent="-457200" algn="just">
-              <a:buFont typeface="Wingdings" panose="05000000000000000000" pitchFamily="2" charset="2"/>
-              <a:buChar char="Ø"/>
-            </a:pPr>
-            <a:r>
-              <a:rPr lang="en-US" b="1" i="1" dirty="0">
-                <a:solidFill>
-                  <a:schemeClr val="bg2">
-                    <a:lumMod val="50000"/>
-                  </a:schemeClr>
-                </a:solidFill>
-              </a:rPr>
-              <a:t>Implementing Adapter</a:t>
-            </a:r>
-          </a:p>
-          <a:p>
-            <a:pPr marL="1371600" lvl="2" indent="-457200" algn="just">
-              <a:buFont typeface="Wingdings" charset="2"/>
-              <a:buChar char="v"/>
-            </a:pPr>
-            <a:endParaRPr lang="en-US" b="1" dirty="0">
-              <a:solidFill>
-                <a:schemeClr val="tx1"/>
-              </a:solidFill>
-            </a:endParaRPr>
-          </a:p>
-          <a:p>
-            <a:pPr marL="457200" indent="-457200" algn="just">
-              <a:buFont typeface="Wingdings" charset="2"/>
-              <a:buChar char="v"/>
-            </a:pPr>
-            <a:r>
-              <a:rPr lang="en-US" sz="1800" b="1" dirty="0">
-                <a:solidFill>
-                  <a:schemeClr val="tx1"/>
-                </a:solidFill>
-              </a:rPr>
-              <a:t>Being able to operate iteratively on the various data structures used within the code</a:t>
-            </a:r>
-          </a:p>
-          <a:p>
-            <a:pPr marL="1371600" lvl="2" indent="-457200" algn="just">
-              <a:buFont typeface="Wingdings" panose="05000000000000000000" pitchFamily="2" charset="2"/>
-              <a:buChar char="Ø"/>
-            </a:pPr>
-            <a:r>
-              <a:rPr lang="en-US" b="1" i="1" dirty="0">
-                <a:solidFill>
-                  <a:schemeClr val="bg2">
-                    <a:lumMod val="50000"/>
-                  </a:schemeClr>
-                </a:solidFill>
-              </a:rPr>
-              <a:t>Implementing Iterator</a:t>
-            </a:r>
-          </a:p>
-        </p:txBody>
-      </p:sp>
-    </p:spTree>
-    <p:extLst>
-      <p:ext uri="{BB962C8B-B14F-4D97-AF65-F5344CB8AC3E}">
-        <p14:creationId xmlns:p14="http://schemas.microsoft.com/office/powerpoint/2010/main" val="3621337928"/>
-      </p:ext>
-    </p:extLst>
-  </p:cSld>
-  <p:clrMapOvr>
-    <a:masterClrMapping/>
-  </p:clrMapOvr>
-</p:sld>
-</file>
-
-<file path=ppt/slides/slide8.xml><?xml version="1.0" encoding="utf-8"?>
-<p:sld xmlns:a="http://schemas.openxmlformats.org/drawingml/2006/main" xmlns:r="http://schemas.openxmlformats.org/officeDocument/2006/relationships" xmlns:p="http://schemas.openxmlformats.org/presentationml/2006/main">
-  <p:cSld>
-    <p:spTree>
-      <p:nvGrpSpPr>
-        <p:cNvPr id="1" name=""/>
-        <p:cNvGrpSpPr/>
-        <p:nvPr/>
-      </p:nvGrpSpPr>
-      <p:grpSpPr>
-        <a:xfrm>
-          <a:off x="0" y="0"/>
-          <a:ext cx="0" cy="0"/>
-          <a:chOff x="0" y="0"/>
-          <a:chExt cx="0" cy="0"/>
-        </a:xfrm>
-      </p:grpSpPr>
-      <p:sp>
-        <p:nvSpPr>
-          <p:cNvPr id="26" name="Rettangolo arrotondato 59">
-            <a:extLst>
-              <a:ext uri="{FF2B5EF4-FFF2-40B4-BE49-F238E27FC236}">
-                <a16:creationId xmlns:a16="http://schemas.microsoft.com/office/drawing/2014/main" id="{20213636-FB1E-4367-B64B-E228E8EDEE96}"/>
-              </a:ext>
-            </a:extLst>
-          </p:cNvPr>
-          <p:cNvSpPr/>
-          <p:nvPr/>
-        </p:nvSpPr>
-        <p:spPr>
-          <a:xfrm>
-            <a:off x="7772952" y="189642"/>
-            <a:ext cx="1206184" cy="1562254"/>
-          </a:xfrm>
-          <a:prstGeom prst="roundRect">
-            <a:avLst/>
-          </a:prstGeom>
-          <a:ln w="28575"/>
-        </p:spPr>
-        <p:style>
-          <a:lnRef idx="1">
-            <a:schemeClr val="accent3"/>
-          </a:lnRef>
-          <a:fillRef idx="2">
-            <a:schemeClr val="accent3"/>
-          </a:fillRef>
-          <a:effectRef idx="1">
-            <a:schemeClr val="accent3"/>
-          </a:effectRef>
-          <a:fontRef idx="minor">
-            <a:schemeClr val="dk1"/>
-          </a:fontRef>
-        </p:style>
-        <p:txBody>
-          <a:bodyPr rtlCol="0" anchor="ctr"/>
-          <a:lstStyle/>
-          <a:p>
-            <a:pPr algn="ctr"/>
-            <a:r>
-              <a:rPr lang="it-IT" sz="1200" b="1" dirty="0">
-                <a:solidFill>
-                  <a:schemeClr val="accent3">
-                    <a:lumMod val="50000"/>
-                  </a:schemeClr>
-                </a:solidFill>
-              </a:rPr>
-              <a:t>SAVES</a:t>
-            </a:r>
-          </a:p>
-          <a:p>
-            <a:pPr algn="ctr"/>
-            <a:endParaRPr lang="it-IT" sz="1200" b="1" dirty="0">
-              <a:solidFill>
-                <a:schemeClr val="accent3">
-                  <a:lumMod val="50000"/>
-                </a:schemeClr>
-              </a:solidFill>
-            </a:endParaRPr>
-          </a:p>
-          <a:p>
-            <a:pPr algn="ctr"/>
-            <a:endParaRPr lang="it-IT" sz="1200" b="1" dirty="0">
-              <a:solidFill>
-                <a:schemeClr val="accent3">
-                  <a:lumMod val="50000"/>
-                </a:schemeClr>
-              </a:solidFill>
-            </a:endParaRPr>
-          </a:p>
-          <a:p>
-            <a:pPr algn="ctr"/>
-            <a:endParaRPr lang="it-IT" sz="1200" b="1" dirty="0">
-              <a:solidFill>
-                <a:schemeClr val="accent3">
-                  <a:lumMod val="50000"/>
-                </a:schemeClr>
-              </a:solidFill>
-            </a:endParaRPr>
-          </a:p>
-          <a:p>
-            <a:pPr algn="ctr"/>
-            <a:endParaRPr lang="it-IT" sz="1200" b="1" dirty="0">
-              <a:solidFill>
-                <a:schemeClr val="accent3">
-                  <a:lumMod val="50000"/>
-                </a:schemeClr>
-              </a:solidFill>
-            </a:endParaRPr>
-          </a:p>
-          <a:p>
-            <a:pPr algn="ctr"/>
-            <a:endParaRPr lang="it-IT" sz="1200" b="1" dirty="0">
-              <a:solidFill>
-                <a:schemeClr val="accent3">
-                  <a:lumMod val="50000"/>
-                </a:schemeClr>
-              </a:solidFill>
-            </a:endParaRPr>
-          </a:p>
-        </p:txBody>
-      </p:sp>
-      <p:sp>
-        <p:nvSpPr>
-          <p:cNvPr id="3" name="Rettangolo 2">
-            <a:extLst>
-              <a:ext uri="{FF2B5EF4-FFF2-40B4-BE49-F238E27FC236}">
-                <a16:creationId xmlns:a16="http://schemas.microsoft.com/office/drawing/2014/main" id="{327A1679-F96A-470A-9377-6D65CB14F319}"/>
-              </a:ext>
-            </a:extLst>
-          </p:cNvPr>
-          <p:cNvSpPr/>
-          <p:nvPr/>
-        </p:nvSpPr>
-        <p:spPr>
-          <a:xfrm>
-            <a:off x="1477788" y="636368"/>
-            <a:ext cx="5277930" cy="4201353"/>
-          </a:xfrm>
-          <a:prstGeom prst="rect">
-            <a:avLst/>
-          </a:prstGeom>
-          <a:ln w="76200"/>
-        </p:spPr>
-        <p:style>
-          <a:lnRef idx="2">
-            <a:schemeClr val="accent2"/>
-          </a:lnRef>
-          <a:fillRef idx="1">
-            <a:schemeClr val="lt1"/>
-          </a:fillRef>
-          <a:effectRef idx="0">
-            <a:schemeClr val="accent2"/>
-          </a:effectRef>
-          <a:fontRef idx="minor">
-            <a:schemeClr val="dk1"/>
-          </a:fontRef>
-        </p:style>
-        <p:txBody>
-          <a:bodyPr rtlCol="0" anchor="ctr"/>
-          <a:lstStyle/>
-          <a:p>
-            <a:pPr algn="ctr"/>
-            <a:endParaRPr lang="it-IT"/>
-          </a:p>
-        </p:txBody>
-      </p:sp>
-      <p:sp>
-        <p:nvSpPr>
-          <p:cNvPr id="4" name="Rettangolo arrotondato 3">
-            <a:extLst>
-              <a:ext uri="{FF2B5EF4-FFF2-40B4-BE49-F238E27FC236}">
-                <a16:creationId xmlns:a16="http://schemas.microsoft.com/office/drawing/2014/main" id="{B115AA1B-419F-4838-B10A-A43BD3D13892}"/>
-              </a:ext>
-            </a:extLst>
-          </p:cNvPr>
-          <p:cNvSpPr/>
-          <p:nvPr/>
-        </p:nvSpPr>
-        <p:spPr>
-          <a:xfrm>
-            <a:off x="1656721" y="980728"/>
-            <a:ext cx="1008112" cy="3600400"/>
-          </a:xfrm>
-          <a:prstGeom prst="roundRect">
-            <a:avLst/>
-          </a:prstGeom>
-          <a:ln w="28575"/>
-        </p:spPr>
-        <p:style>
-          <a:lnRef idx="1">
-            <a:schemeClr val="accent1"/>
-          </a:lnRef>
-          <a:fillRef idx="2">
-            <a:schemeClr val="accent1"/>
-          </a:fillRef>
-          <a:effectRef idx="1">
-            <a:schemeClr val="accent1"/>
-          </a:effectRef>
-          <a:fontRef idx="minor">
-            <a:schemeClr val="dk1"/>
-          </a:fontRef>
-        </p:style>
-        <p:txBody>
-          <a:bodyPr rtlCol="0" anchor="ctr"/>
-          <a:lstStyle/>
-          <a:p>
-            <a:pPr algn="ctr"/>
-            <a:r>
-              <a:rPr lang="it-IT" b="1" dirty="0">
-                <a:solidFill>
-                  <a:schemeClr val="accent2">
-                    <a:lumMod val="50000"/>
-                  </a:schemeClr>
-                </a:solidFill>
-              </a:rPr>
-              <a:t>M</a:t>
-            </a:r>
-          </a:p>
-          <a:p>
-            <a:pPr algn="ctr"/>
-            <a:r>
-              <a:rPr lang="it-IT" b="1" dirty="0">
-                <a:solidFill>
-                  <a:schemeClr val="accent2">
-                    <a:lumMod val="50000"/>
-                  </a:schemeClr>
-                </a:solidFill>
-              </a:rPr>
-              <a:t>E</a:t>
-            </a:r>
-          </a:p>
-          <a:p>
-            <a:pPr algn="ctr"/>
-            <a:r>
-              <a:rPr lang="it-IT" b="1" dirty="0" err="1">
-                <a:solidFill>
-                  <a:schemeClr val="accent2">
-                    <a:lumMod val="50000"/>
-                  </a:schemeClr>
-                </a:solidFill>
-              </a:rPr>
-              <a:t>N</a:t>
-            </a:r>
-            <a:endParaRPr lang="it-IT" b="1" dirty="0">
-              <a:solidFill>
-                <a:schemeClr val="accent2">
-                  <a:lumMod val="50000"/>
-                </a:schemeClr>
-              </a:solidFill>
-            </a:endParaRPr>
-          </a:p>
-          <a:p>
-            <a:pPr algn="ctr"/>
-            <a:r>
-              <a:rPr lang="it-IT" b="1" dirty="0">
-                <a:solidFill>
-                  <a:schemeClr val="accent2">
-                    <a:lumMod val="50000"/>
-                  </a:schemeClr>
-                </a:solidFill>
-              </a:rPr>
-              <a:t>U</a:t>
-            </a:r>
-          </a:p>
-        </p:txBody>
-      </p:sp>
-      <p:sp>
-        <p:nvSpPr>
-          <p:cNvPr id="5" name="Rettangolo arrotondato 6">
-            <a:extLst>
-              <a:ext uri="{FF2B5EF4-FFF2-40B4-BE49-F238E27FC236}">
-                <a16:creationId xmlns:a16="http://schemas.microsoft.com/office/drawing/2014/main" id="{C38B8BA6-C44E-41FA-AA4A-4979C6623BD3}"/>
-              </a:ext>
-            </a:extLst>
-          </p:cNvPr>
-          <p:cNvSpPr/>
-          <p:nvPr/>
-        </p:nvSpPr>
-        <p:spPr>
-          <a:xfrm>
-            <a:off x="3047860" y="978387"/>
-            <a:ext cx="2062991" cy="3600400"/>
-          </a:xfrm>
-          <a:prstGeom prst="roundRect">
-            <a:avLst/>
-          </a:prstGeom>
-          <a:ln w="28575"/>
-        </p:spPr>
-        <p:style>
-          <a:lnRef idx="1">
-            <a:schemeClr val="accent1"/>
-          </a:lnRef>
-          <a:fillRef idx="2">
-            <a:schemeClr val="accent1"/>
-          </a:fillRef>
-          <a:effectRef idx="1">
-            <a:schemeClr val="accent1"/>
-          </a:effectRef>
-          <a:fontRef idx="minor">
-            <a:schemeClr val="dk1"/>
-          </a:fontRef>
-        </p:style>
-        <p:txBody>
-          <a:bodyPr rtlCol="0" anchor="ctr"/>
-          <a:lstStyle/>
-          <a:p>
-            <a:pPr algn="ctr"/>
-            <a:endParaRPr lang="it-IT" dirty="0"/>
-          </a:p>
-        </p:txBody>
-      </p:sp>
-      <p:sp>
-        <p:nvSpPr>
-          <p:cNvPr id="6" name="Rettangolo arrotondato 7">
-            <a:extLst>
-              <a:ext uri="{FF2B5EF4-FFF2-40B4-BE49-F238E27FC236}">
-                <a16:creationId xmlns:a16="http://schemas.microsoft.com/office/drawing/2014/main" id="{D3C35278-53E1-4DC1-A123-33CF9A7646F9}"/>
-              </a:ext>
-            </a:extLst>
-          </p:cNvPr>
-          <p:cNvSpPr/>
-          <p:nvPr/>
-        </p:nvSpPr>
-        <p:spPr>
-          <a:xfrm>
-            <a:off x="5533077" y="980728"/>
-            <a:ext cx="1008112" cy="3600400"/>
-          </a:xfrm>
-          <a:prstGeom prst="roundRect">
-            <a:avLst/>
-          </a:prstGeom>
-          <a:ln w="28575"/>
-        </p:spPr>
-        <p:style>
-          <a:lnRef idx="1">
-            <a:schemeClr val="accent1"/>
-          </a:lnRef>
-          <a:fillRef idx="2">
-            <a:schemeClr val="accent1"/>
-          </a:fillRef>
-          <a:effectRef idx="1">
-            <a:schemeClr val="accent1"/>
-          </a:effectRef>
-          <a:fontRef idx="minor">
-            <a:schemeClr val="dk1"/>
-          </a:fontRef>
-        </p:style>
-        <p:txBody>
-          <a:bodyPr rtlCol="0" anchor="ctr"/>
-          <a:lstStyle/>
-          <a:p>
-            <a:pPr algn="ctr"/>
-            <a:r>
-              <a:rPr lang="it-IT" b="1" dirty="0">
-                <a:solidFill>
-                  <a:schemeClr val="accent2">
-                    <a:lumMod val="50000"/>
-                  </a:schemeClr>
-                </a:solidFill>
-              </a:rPr>
-              <a:t>E</a:t>
-            </a:r>
-          </a:p>
-          <a:p>
-            <a:pPr algn="ctr"/>
-            <a:r>
-              <a:rPr lang="it-IT" b="1" dirty="0" err="1">
-                <a:solidFill>
-                  <a:schemeClr val="accent2">
-                    <a:lumMod val="50000"/>
-                  </a:schemeClr>
-                </a:solidFill>
-              </a:rPr>
-              <a:t>N</a:t>
-            </a:r>
-            <a:endParaRPr lang="it-IT" b="1" dirty="0">
-              <a:solidFill>
-                <a:schemeClr val="accent2">
-                  <a:lumMod val="50000"/>
-                </a:schemeClr>
-              </a:solidFill>
-            </a:endParaRPr>
-          </a:p>
-          <a:p>
-            <a:pPr algn="ctr"/>
-            <a:r>
-              <a:rPr lang="it-IT" b="1" dirty="0">
-                <a:solidFill>
-                  <a:schemeClr val="accent2">
-                    <a:lumMod val="50000"/>
-                  </a:schemeClr>
-                </a:solidFill>
-              </a:rPr>
-              <a:t>D</a:t>
-            </a:r>
-          </a:p>
-          <a:p>
-            <a:pPr algn="ctr"/>
-            <a:endParaRPr lang="it-IT" dirty="0"/>
-          </a:p>
-        </p:txBody>
-      </p:sp>
-      <p:sp>
-        <p:nvSpPr>
-          <p:cNvPr id="7" name="Rettangolo arrotondato 15">
-            <a:extLst>
-              <a:ext uri="{FF2B5EF4-FFF2-40B4-BE49-F238E27FC236}">
-                <a16:creationId xmlns:a16="http://schemas.microsoft.com/office/drawing/2014/main" id="{FDCFA17E-F68B-47FA-AB84-D9E786F144E8}"/>
-              </a:ext>
-            </a:extLst>
-          </p:cNvPr>
-          <p:cNvSpPr/>
-          <p:nvPr/>
-        </p:nvSpPr>
-        <p:spPr>
-          <a:xfrm>
-            <a:off x="2543179" y="5457989"/>
-            <a:ext cx="1794469" cy="1233328"/>
-          </a:xfrm>
-          <a:prstGeom prst="roundRect">
-            <a:avLst/>
-          </a:prstGeom>
-          <a:ln w="28575"/>
-        </p:spPr>
-        <p:style>
-          <a:lnRef idx="1">
-            <a:schemeClr val="accent3"/>
-          </a:lnRef>
-          <a:fillRef idx="2">
-            <a:schemeClr val="accent3"/>
-          </a:fillRef>
-          <a:effectRef idx="1">
-            <a:schemeClr val="accent3"/>
-          </a:effectRef>
-          <a:fontRef idx="minor">
-            <a:schemeClr val="dk1"/>
-          </a:fontRef>
-        </p:style>
-        <p:txBody>
-          <a:bodyPr rtlCol="0" anchor="ctr"/>
-          <a:lstStyle/>
-          <a:p>
-            <a:pPr algn="ctr"/>
-            <a:r>
-              <a:rPr lang="it-IT" sz="1700" b="1" dirty="0">
-                <a:solidFill>
-                  <a:schemeClr val="accent3">
-                    <a:lumMod val="50000"/>
-                  </a:schemeClr>
-                </a:solidFill>
-              </a:rPr>
-              <a:t>OPTIONS</a:t>
-            </a:r>
-          </a:p>
-        </p:txBody>
-      </p:sp>
-      <p:sp>
-        <p:nvSpPr>
-          <p:cNvPr id="8" name="Rettangolo arrotondato 16">
-            <a:extLst>
-              <a:ext uri="{FF2B5EF4-FFF2-40B4-BE49-F238E27FC236}">
-                <a16:creationId xmlns:a16="http://schemas.microsoft.com/office/drawing/2014/main" id="{2C73E9E3-EA8B-48CD-B0F9-000FBF8CF6D3}"/>
-              </a:ext>
-            </a:extLst>
-          </p:cNvPr>
-          <p:cNvSpPr/>
-          <p:nvPr/>
-        </p:nvSpPr>
-        <p:spPr>
-          <a:xfrm>
-            <a:off x="151177" y="66546"/>
-            <a:ext cx="1222003" cy="1562254"/>
-          </a:xfrm>
-          <a:prstGeom prst="roundRect">
-            <a:avLst/>
-          </a:prstGeom>
-          <a:ln w="28575"/>
-        </p:spPr>
-        <p:style>
-          <a:lnRef idx="1">
-            <a:schemeClr val="accent3"/>
-          </a:lnRef>
-          <a:fillRef idx="2">
-            <a:schemeClr val="accent3"/>
-          </a:fillRef>
-          <a:effectRef idx="1">
-            <a:schemeClr val="accent3"/>
-          </a:effectRef>
-          <a:fontRef idx="minor">
-            <a:schemeClr val="dk1"/>
-          </a:fontRef>
-        </p:style>
-        <p:txBody>
-          <a:bodyPr rtlCol="0" anchor="ctr"/>
-          <a:lstStyle/>
-          <a:p>
-            <a:pPr algn="ctr"/>
-            <a:r>
-              <a:rPr lang="it-IT" sz="1600" b="1" dirty="0">
-                <a:solidFill>
-                  <a:schemeClr val="accent3">
-                    <a:lumMod val="50000"/>
-                  </a:schemeClr>
-                </a:solidFill>
-              </a:rPr>
-              <a:t>SETTINGS</a:t>
-            </a:r>
-          </a:p>
-        </p:txBody>
-      </p:sp>
-      <p:sp>
-        <p:nvSpPr>
-          <p:cNvPr id="9" name="Callout con freccia destra 20">
-            <a:extLst>
-              <a:ext uri="{FF2B5EF4-FFF2-40B4-BE49-F238E27FC236}">
-                <a16:creationId xmlns:a16="http://schemas.microsoft.com/office/drawing/2014/main" id="{3ABB1B08-5526-46DF-8517-D2061AEC8001}"/>
-              </a:ext>
-            </a:extLst>
-          </p:cNvPr>
-          <p:cNvSpPr/>
-          <p:nvPr/>
-        </p:nvSpPr>
-        <p:spPr>
-          <a:xfrm>
-            <a:off x="3156568" y="1628800"/>
-            <a:ext cx="661374" cy="2660884"/>
-          </a:xfrm>
-          <a:prstGeom prst="rightArrowCallout">
-            <a:avLst/>
-          </a:prstGeom>
-          <a:ln/>
-        </p:spPr>
-        <p:style>
-          <a:lnRef idx="2">
-            <a:schemeClr val="accent2">
-              <a:shade val="50000"/>
-            </a:schemeClr>
-          </a:lnRef>
-          <a:fillRef idx="1">
-            <a:schemeClr val="accent2"/>
-          </a:fillRef>
-          <a:effectRef idx="0">
-            <a:schemeClr val="accent2"/>
-          </a:effectRef>
-          <a:fontRef idx="minor">
-            <a:schemeClr val="lt1"/>
-          </a:fontRef>
-        </p:style>
-        <p:txBody>
-          <a:bodyPr rtlCol="0" anchor="ctr"/>
-          <a:lstStyle/>
-          <a:p>
-            <a:pPr algn="ctr"/>
-            <a:r>
-              <a:rPr lang="it-IT" b="1" dirty="0">
-                <a:solidFill>
-                  <a:schemeClr val="accent1">
-                    <a:lumMod val="60000"/>
-                    <a:lumOff val="40000"/>
-                  </a:schemeClr>
-                </a:solidFill>
-              </a:rPr>
-              <a:t>L</a:t>
-            </a:r>
-          </a:p>
-          <a:p>
-            <a:pPr algn="ctr"/>
-            <a:r>
-              <a:rPr lang="it-IT" b="1" dirty="0">
-                <a:solidFill>
-                  <a:schemeClr val="accent1">
-                    <a:lumMod val="60000"/>
-                    <a:lumOff val="40000"/>
-                  </a:schemeClr>
-                </a:solidFill>
-              </a:rPr>
-              <a:t>E</a:t>
-            </a:r>
-          </a:p>
-          <a:p>
-            <a:pPr algn="ctr"/>
-            <a:r>
-              <a:rPr lang="it-IT" b="1" dirty="0">
-                <a:solidFill>
-                  <a:schemeClr val="accent1">
-                    <a:lumMod val="60000"/>
-                    <a:lumOff val="40000"/>
-                  </a:schemeClr>
-                </a:solidFill>
-              </a:rPr>
-              <a:t>V</a:t>
-            </a:r>
-          </a:p>
-          <a:p>
-            <a:pPr algn="ctr"/>
-            <a:r>
-              <a:rPr lang="it-IT" b="1" dirty="0">
-                <a:solidFill>
-                  <a:schemeClr val="accent1">
-                    <a:lumMod val="60000"/>
-                    <a:lumOff val="40000"/>
-                  </a:schemeClr>
-                </a:solidFill>
-              </a:rPr>
-              <a:t>E</a:t>
-            </a:r>
-          </a:p>
-          <a:p>
-            <a:pPr algn="ctr"/>
-            <a:r>
-              <a:rPr lang="it-IT" b="1" dirty="0">
-                <a:solidFill>
-                  <a:schemeClr val="accent1">
-                    <a:lumMod val="60000"/>
-                    <a:lumOff val="40000"/>
-                  </a:schemeClr>
-                </a:solidFill>
-              </a:rPr>
-              <a:t>L</a:t>
-            </a:r>
-          </a:p>
-          <a:p>
-            <a:pPr algn="ctr"/>
-            <a:endParaRPr lang="it-IT" b="1" dirty="0">
-              <a:solidFill>
-                <a:schemeClr val="accent1">
-                  <a:lumMod val="60000"/>
-                  <a:lumOff val="40000"/>
-                </a:schemeClr>
-              </a:solidFill>
-            </a:endParaRPr>
-          </a:p>
-          <a:p>
-            <a:pPr algn="ctr"/>
-            <a:r>
-              <a:rPr lang="it-IT" b="1" dirty="0">
-                <a:solidFill>
-                  <a:schemeClr val="accent1">
-                    <a:lumMod val="60000"/>
-                    <a:lumOff val="40000"/>
-                  </a:schemeClr>
-                </a:solidFill>
-              </a:rPr>
-              <a:t>1</a:t>
-            </a:r>
-          </a:p>
-        </p:txBody>
-      </p:sp>
-      <p:sp>
-        <p:nvSpPr>
-          <p:cNvPr id="10" name="Callout con freccia destra 21">
-            <a:extLst>
-              <a:ext uri="{FF2B5EF4-FFF2-40B4-BE49-F238E27FC236}">
-                <a16:creationId xmlns:a16="http://schemas.microsoft.com/office/drawing/2014/main" id="{CD676841-5563-44B8-9EDC-AA386DBE9918}"/>
-              </a:ext>
-            </a:extLst>
-          </p:cNvPr>
-          <p:cNvSpPr/>
-          <p:nvPr/>
-        </p:nvSpPr>
-        <p:spPr>
-          <a:xfrm>
-            <a:off x="3828960" y="1628800"/>
-            <a:ext cx="661374" cy="2671882"/>
-          </a:xfrm>
-          <a:prstGeom prst="rightArrowCallout">
-            <a:avLst/>
-          </a:prstGeom>
-          <a:ln/>
-        </p:spPr>
-        <p:style>
-          <a:lnRef idx="2">
-            <a:schemeClr val="accent2">
-              <a:shade val="50000"/>
-            </a:schemeClr>
-          </a:lnRef>
-          <a:fillRef idx="1">
-            <a:schemeClr val="accent2"/>
-          </a:fillRef>
-          <a:effectRef idx="0">
-            <a:schemeClr val="accent2"/>
-          </a:effectRef>
-          <a:fontRef idx="minor">
-            <a:schemeClr val="lt1"/>
-          </a:fontRef>
-        </p:style>
-        <p:txBody>
-          <a:bodyPr rtlCol="0" anchor="ctr"/>
-          <a:lstStyle/>
-          <a:p>
-            <a:pPr algn="ctr"/>
-            <a:r>
-              <a:rPr lang="it-IT" b="1" dirty="0">
-                <a:solidFill>
-                  <a:schemeClr val="accent1">
-                    <a:lumMod val="60000"/>
-                    <a:lumOff val="40000"/>
-                  </a:schemeClr>
-                </a:solidFill>
-              </a:rPr>
-              <a:t>L</a:t>
-            </a:r>
-          </a:p>
-          <a:p>
-            <a:pPr algn="ctr"/>
-            <a:r>
-              <a:rPr lang="it-IT" b="1" dirty="0">
-                <a:solidFill>
-                  <a:schemeClr val="accent1">
-                    <a:lumMod val="60000"/>
-                    <a:lumOff val="40000"/>
-                  </a:schemeClr>
-                </a:solidFill>
-              </a:rPr>
-              <a:t>E</a:t>
-            </a:r>
-          </a:p>
-          <a:p>
-            <a:pPr algn="ctr"/>
-            <a:r>
-              <a:rPr lang="it-IT" b="1" dirty="0">
-                <a:solidFill>
-                  <a:schemeClr val="accent1">
-                    <a:lumMod val="60000"/>
-                    <a:lumOff val="40000"/>
-                  </a:schemeClr>
-                </a:solidFill>
-              </a:rPr>
-              <a:t>V</a:t>
-            </a:r>
-          </a:p>
-          <a:p>
-            <a:pPr algn="ctr"/>
-            <a:r>
-              <a:rPr lang="it-IT" b="1" dirty="0">
-                <a:solidFill>
-                  <a:schemeClr val="accent1">
-                    <a:lumMod val="60000"/>
-                    <a:lumOff val="40000"/>
-                  </a:schemeClr>
-                </a:solidFill>
-              </a:rPr>
-              <a:t>E</a:t>
-            </a:r>
-          </a:p>
-          <a:p>
-            <a:pPr algn="ctr"/>
-            <a:r>
-              <a:rPr lang="it-IT" b="1" dirty="0">
-                <a:solidFill>
-                  <a:schemeClr val="accent1">
-                    <a:lumMod val="60000"/>
-                    <a:lumOff val="40000"/>
-                  </a:schemeClr>
-                </a:solidFill>
-              </a:rPr>
-              <a:t>L</a:t>
-            </a:r>
-          </a:p>
-          <a:p>
-            <a:pPr algn="ctr"/>
-            <a:endParaRPr lang="it-IT" b="1" dirty="0">
-              <a:solidFill>
-                <a:schemeClr val="accent1">
-                  <a:lumMod val="60000"/>
-                  <a:lumOff val="40000"/>
-                </a:schemeClr>
-              </a:solidFill>
-            </a:endParaRPr>
-          </a:p>
-          <a:p>
-            <a:pPr algn="ctr"/>
-            <a:r>
-              <a:rPr lang="it-IT" b="1" dirty="0">
-                <a:solidFill>
-                  <a:schemeClr val="accent1">
-                    <a:lumMod val="60000"/>
-                    <a:lumOff val="40000"/>
-                  </a:schemeClr>
-                </a:solidFill>
-              </a:rPr>
-              <a:t>2</a:t>
-            </a:r>
-          </a:p>
-        </p:txBody>
-      </p:sp>
-      <p:sp>
-        <p:nvSpPr>
-          <p:cNvPr id="11" name="Rettangolo 10">
-            <a:extLst>
-              <a:ext uri="{FF2B5EF4-FFF2-40B4-BE49-F238E27FC236}">
-                <a16:creationId xmlns:a16="http://schemas.microsoft.com/office/drawing/2014/main" id="{9EE887AD-054C-48D9-A30C-AFEF661976FA}"/>
-              </a:ext>
-            </a:extLst>
-          </p:cNvPr>
-          <p:cNvSpPr/>
-          <p:nvPr/>
-        </p:nvSpPr>
-        <p:spPr>
-          <a:xfrm>
-            <a:off x="4514608" y="1628800"/>
-            <a:ext cx="416060" cy="2671882"/>
-          </a:xfrm>
-          <a:prstGeom prst="rect">
-            <a:avLst/>
-          </a:prstGeom>
-          <a:ln/>
-        </p:spPr>
-        <p:style>
-          <a:lnRef idx="2">
-            <a:schemeClr val="accent2">
-              <a:shade val="50000"/>
-            </a:schemeClr>
-          </a:lnRef>
-          <a:fillRef idx="1">
-            <a:schemeClr val="accent2"/>
-          </a:fillRef>
-          <a:effectRef idx="0">
-            <a:schemeClr val="accent2"/>
-          </a:effectRef>
-          <a:fontRef idx="minor">
-            <a:schemeClr val="lt1"/>
-          </a:fontRef>
-        </p:style>
-        <p:txBody>
-          <a:bodyPr rtlCol="0" anchor="ctr"/>
-          <a:lstStyle/>
-          <a:p>
-            <a:pPr algn="ctr"/>
-            <a:r>
-              <a:rPr lang="it-IT" b="1" dirty="0">
-                <a:solidFill>
-                  <a:schemeClr val="accent1">
-                    <a:lumMod val="60000"/>
-                    <a:lumOff val="40000"/>
-                  </a:schemeClr>
-                </a:solidFill>
-              </a:rPr>
-              <a:t>L</a:t>
-            </a:r>
-          </a:p>
-          <a:p>
-            <a:pPr algn="ctr"/>
-            <a:r>
-              <a:rPr lang="it-IT" b="1" dirty="0">
-                <a:solidFill>
-                  <a:schemeClr val="accent1">
-                    <a:lumMod val="60000"/>
-                    <a:lumOff val="40000"/>
-                  </a:schemeClr>
-                </a:solidFill>
-              </a:rPr>
-              <a:t>E</a:t>
-            </a:r>
-          </a:p>
-          <a:p>
-            <a:pPr algn="ctr"/>
-            <a:r>
-              <a:rPr lang="it-IT" b="1" dirty="0">
-                <a:solidFill>
-                  <a:schemeClr val="accent1">
-                    <a:lumMod val="60000"/>
-                    <a:lumOff val="40000"/>
-                  </a:schemeClr>
-                </a:solidFill>
-              </a:rPr>
-              <a:t>V</a:t>
-            </a:r>
-          </a:p>
-          <a:p>
-            <a:pPr algn="ctr"/>
-            <a:r>
-              <a:rPr lang="it-IT" b="1" dirty="0">
-                <a:solidFill>
-                  <a:schemeClr val="accent1">
-                    <a:lumMod val="60000"/>
-                    <a:lumOff val="40000"/>
-                  </a:schemeClr>
-                </a:solidFill>
-              </a:rPr>
-              <a:t>E</a:t>
-            </a:r>
-          </a:p>
-          <a:p>
-            <a:pPr algn="ctr"/>
-            <a:r>
-              <a:rPr lang="it-IT" b="1" dirty="0">
-                <a:solidFill>
-                  <a:schemeClr val="accent1">
-                    <a:lumMod val="60000"/>
-                    <a:lumOff val="40000"/>
-                  </a:schemeClr>
-                </a:solidFill>
-              </a:rPr>
-              <a:t>L</a:t>
-            </a:r>
-          </a:p>
-          <a:p>
-            <a:pPr algn="ctr"/>
-            <a:endParaRPr lang="it-IT" b="1" dirty="0"/>
-          </a:p>
-          <a:p>
-            <a:pPr algn="ctr"/>
-            <a:r>
-              <a:rPr lang="it-IT" b="1" dirty="0">
-                <a:solidFill>
-                  <a:schemeClr val="accent1">
-                    <a:lumMod val="60000"/>
-                    <a:lumOff val="40000"/>
-                  </a:schemeClr>
-                </a:solidFill>
-              </a:rPr>
-              <a:t>3</a:t>
-            </a:r>
-          </a:p>
-        </p:txBody>
-      </p:sp>
-      <p:sp>
-        <p:nvSpPr>
-          <p:cNvPr id="12" name="Rettangolo arrotondato 26">
-            <a:extLst>
-              <a:ext uri="{FF2B5EF4-FFF2-40B4-BE49-F238E27FC236}">
-                <a16:creationId xmlns:a16="http://schemas.microsoft.com/office/drawing/2014/main" id="{0D58F6EA-6216-42A0-A758-7524C21E5464}"/>
-              </a:ext>
-            </a:extLst>
-          </p:cNvPr>
-          <p:cNvSpPr/>
-          <p:nvPr/>
-        </p:nvSpPr>
-        <p:spPr>
-          <a:xfrm>
-            <a:off x="7352027" y="3322902"/>
-            <a:ext cx="1666520" cy="1562254"/>
-          </a:xfrm>
-          <a:prstGeom prst="roundRect">
-            <a:avLst/>
-          </a:prstGeom>
-          <a:ln w="28575"/>
-        </p:spPr>
-        <p:style>
-          <a:lnRef idx="1">
-            <a:schemeClr val="accent3"/>
-          </a:lnRef>
-          <a:fillRef idx="2">
-            <a:schemeClr val="accent3"/>
-          </a:fillRef>
-          <a:effectRef idx="1">
-            <a:schemeClr val="accent3"/>
-          </a:effectRef>
-          <a:fontRef idx="minor">
-            <a:schemeClr val="dk1"/>
-          </a:fontRef>
-        </p:style>
-        <p:txBody>
-          <a:bodyPr rtlCol="0" anchor="ctr"/>
-          <a:lstStyle/>
-          <a:p>
-            <a:pPr algn="ctr"/>
-            <a:r>
-              <a:rPr lang="it-IT" sz="1600" b="1" dirty="0">
-                <a:solidFill>
-                  <a:schemeClr val="accent3">
-                    <a:lumMod val="50000"/>
-                  </a:schemeClr>
-                </a:solidFill>
-              </a:rPr>
-              <a:t>SCOREBOARD</a:t>
-            </a:r>
-          </a:p>
-        </p:txBody>
-      </p:sp>
-      <p:sp>
-        <p:nvSpPr>
-          <p:cNvPr id="13" name="Freccia bidirezionale verticale 12">
-            <a:extLst>
-              <a:ext uri="{FF2B5EF4-FFF2-40B4-BE49-F238E27FC236}">
-                <a16:creationId xmlns:a16="http://schemas.microsoft.com/office/drawing/2014/main" id="{2B6D3B51-D700-418B-AFFF-D9C44B7D7425}"/>
-              </a:ext>
-            </a:extLst>
-          </p:cNvPr>
-          <p:cNvSpPr/>
-          <p:nvPr/>
-        </p:nvSpPr>
-        <p:spPr>
-          <a:xfrm>
-            <a:off x="8263714" y="1746186"/>
-            <a:ext cx="382486" cy="1550345"/>
-          </a:xfrm>
-          <a:prstGeom prst="upDownArrow">
-            <a:avLst/>
-          </a:prstGeom>
-          <a:ln/>
-        </p:spPr>
-        <p:style>
-          <a:lnRef idx="2">
-            <a:schemeClr val="accent3">
-              <a:shade val="50000"/>
-            </a:schemeClr>
-          </a:lnRef>
-          <a:fillRef idx="1">
-            <a:schemeClr val="accent3"/>
-          </a:fillRef>
-          <a:effectRef idx="0">
-            <a:schemeClr val="accent3"/>
-          </a:effectRef>
-          <a:fontRef idx="minor">
-            <a:schemeClr val="lt1"/>
-          </a:fontRef>
-        </p:style>
-        <p:txBody>
-          <a:bodyPr rtlCol="0" anchor="ctr"/>
-          <a:lstStyle/>
-          <a:p>
-            <a:pPr algn="ctr"/>
-            <a:endParaRPr lang="it-IT"/>
-          </a:p>
-        </p:txBody>
-      </p:sp>
-      <p:sp>
-        <p:nvSpPr>
-          <p:cNvPr id="14" name="Ovale 13">
-            <a:extLst>
-              <a:ext uri="{FF2B5EF4-FFF2-40B4-BE49-F238E27FC236}">
-                <a16:creationId xmlns:a16="http://schemas.microsoft.com/office/drawing/2014/main" id="{88EF5E66-CF13-4ECC-A094-35C3F8F36367}"/>
-              </a:ext>
-            </a:extLst>
-          </p:cNvPr>
-          <p:cNvSpPr/>
-          <p:nvPr/>
-        </p:nvSpPr>
-        <p:spPr>
-          <a:xfrm>
-            <a:off x="7080684" y="5390278"/>
-            <a:ext cx="1451755" cy="1393493"/>
-          </a:xfrm>
-          <a:prstGeom prst="ellipse">
-            <a:avLst/>
-          </a:prstGeom>
-          <a:solidFill>
-            <a:schemeClr val="accent5">
-              <a:lumMod val="40000"/>
-              <a:lumOff val="60000"/>
-            </a:schemeClr>
-          </a:solidFill>
-          <a:ln w="28575"/>
-        </p:spPr>
-        <p:style>
-          <a:lnRef idx="1">
-            <a:schemeClr val="accent5"/>
-          </a:lnRef>
-          <a:fillRef idx="2">
-            <a:schemeClr val="accent5"/>
-          </a:fillRef>
-          <a:effectRef idx="1">
-            <a:schemeClr val="accent5"/>
-          </a:effectRef>
-          <a:fontRef idx="minor">
-            <a:schemeClr val="dk1"/>
-          </a:fontRef>
-        </p:style>
-        <p:txBody>
-          <a:bodyPr rtlCol="0" anchor="ctr"/>
-          <a:lstStyle/>
-          <a:p>
-            <a:pPr algn="ctr"/>
-            <a:r>
-              <a:rPr lang="it-IT" b="1" dirty="0">
-                <a:solidFill>
-                  <a:schemeClr val="accent5"/>
-                </a:solidFill>
-              </a:rPr>
-              <a:t>MULTI</a:t>
-            </a:r>
-          </a:p>
-          <a:p>
-            <a:pPr algn="ctr"/>
-            <a:r>
-              <a:rPr lang="it-IT" b="1" dirty="0">
-                <a:solidFill>
-                  <a:schemeClr val="accent5"/>
-                </a:solidFill>
-              </a:rPr>
-              <a:t>PLAYER</a:t>
-            </a:r>
-          </a:p>
-        </p:txBody>
-      </p:sp>
-      <p:sp>
-        <p:nvSpPr>
-          <p:cNvPr id="15" name="Ovale 14">
-            <a:extLst>
-              <a:ext uri="{FF2B5EF4-FFF2-40B4-BE49-F238E27FC236}">
-                <a16:creationId xmlns:a16="http://schemas.microsoft.com/office/drawing/2014/main" id="{8A4988E2-92F8-49A2-A971-F07AC5FA1526}"/>
-              </a:ext>
-            </a:extLst>
-          </p:cNvPr>
-          <p:cNvSpPr/>
-          <p:nvPr/>
-        </p:nvSpPr>
-        <p:spPr>
-          <a:xfrm>
-            <a:off x="404919" y="5390279"/>
-            <a:ext cx="1386862" cy="1418238"/>
-          </a:xfrm>
-          <a:prstGeom prst="ellipse">
-            <a:avLst/>
-          </a:prstGeom>
-          <a:solidFill>
-            <a:schemeClr val="accent5">
-              <a:lumMod val="40000"/>
-              <a:lumOff val="60000"/>
-            </a:schemeClr>
-          </a:solidFill>
-          <a:ln w="28575"/>
-        </p:spPr>
-        <p:style>
-          <a:lnRef idx="1">
-            <a:schemeClr val="accent5"/>
-          </a:lnRef>
-          <a:fillRef idx="2">
-            <a:schemeClr val="accent5"/>
-          </a:fillRef>
-          <a:effectRef idx="1">
-            <a:schemeClr val="accent5"/>
-          </a:effectRef>
-          <a:fontRef idx="minor">
-            <a:schemeClr val="dk1"/>
-          </a:fontRef>
-        </p:style>
-        <p:txBody>
-          <a:bodyPr rtlCol="0" anchor="ctr"/>
-          <a:lstStyle/>
-          <a:p>
-            <a:pPr algn="ctr"/>
-            <a:r>
-              <a:rPr lang="it-IT" b="1" dirty="0">
-                <a:solidFill>
-                  <a:schemeClr val="accent5"/>
-                </a:solidFill>
-              </a:rPr>
-              <a:t>MUSIC</a:t>
-            </a:r>
-          </a:p>
-        </p:txBody>
-      </p:sp>
-      <p:sp>
-        <p:nvSpPr>
-          <p:cNvPr id="16" name="Freccia angolare bidirezionale 15">
-            <a:extLst>
-              <a:ext uri="{FF2B5EF4-FFF2-40B4-BE49-F238E27FC236}">
-                <a16:creationId xmlns:a16="http://schemas.microsoft.com/office/drawing/2014/main" id="{BC674F28-A841-4495-A823-251A71EA3271}"/>
-              </a:ext>
-            </a:extLst>
-          </p:cNvPr>
-          <p:cNvSpPr/>
-          <p:nvPr/>
-        </p:nvSpPr>
-        <p:spPr>
-          <a:xfrm rot="5400000">
-            <a:off x="512488" y="1669697"/>
-            <a:ext cx="955942" cy="874151"/>
-          </a:xfrm>
-          <a:prstGeom prst="leftUpArrow">
-            <a:avLst>
-              <a:gd name="adj1" fmla="val 17338"/>
-              <a:gd name="adj2" fmla="val 20730"/>
-              <a:gd name="adj3" fmla="val 25000"/>
-            </a:avLst>
-          </a:prstGeom>
-          <a:ln/>
-        </p:spPr>
-        <p:style>
-          <a:lnRef idx="2">
-            <a:schemeClr val="accent3">
-              <a:shade val="50000"/>
-            </a:schemeClr>
-          </a:lnRef>
-          <a:fillRef idx="1">
-            <a:schemeClr val="accent3"/>
-          </a:fillRef>
-          <a:effectRef idx="0">
-            <a:schemeClr val="accent3"/>
-          </a:effectRef>
-          <a:fontRef idx="minor">
-            <a:schemeClr val="lt1"/>
-          </a:fontRef>
-        </p:style>
-        <p:txBody>
-          <a:bodyPr rtlCol="0" anchor="ctr"/>
-          <a:lstStyle/>
-          <a:p>
-            <a:pPr algn="ctr"/>
-            <a:endParaRPr lang="it-IT"/>
-          </a:p>
-        </p:txBody>
-      </p:sp>
-      <p:sp>
-        <p:nvSpPr>
-          <p:cNvPr id="17" name="Freccia giù 47">
-            <a:extLst>
-              <a:ext uri="{FF2B5EF4-FFF2-40B4-BE49-F238E27FC236}">
-                <a16:creationId xmlns:a16="http://schemas.microsoft.com/office/drawing/2014/main" id="{09CC5F0F-45D6-4B31-8C8D-2C09A44211B9}"/>
-              </a:ext>
-            </a:extLst>
-          </p:cNvPr>
-          <p:cNvSpPr/>
-          <p:nvPr/>
-        </p:nvSpPr>
-        <p:spPr>
-          <a:xfrm rot="19106694">
-            <a:off x="2758322" y="4459431"/>
-            <a:ext cx="360040" cy="1107604"/>
-          </a:xfrm>
-          <a:prstGeom prst="downArrow">
-            <a:avLst>
-              <a:gd name="adj1" fmla="val 52660"/>
-              <a:gd name="adj2" fmla="val 50000"/>
-            </a:avLst>
-          </a:prstGeom>
-          <a:ln/>
-        </p:spPr>
-        <p:style>
-          <a:lnRef idx="2">
-            <a:schemeClr val="accent3">
-              <a:shade val="50000"/>
-            </a:schemeClr>
-          </a:lnRef>
-          <a:fillRef idx="1">
-            <a:schemeClr val="accent3"/>
-          </a:fillRef>
-          <a:effectRef idx="0">
-            <a:schemeClr val="accent3"/>
-          </a:effectRef>
-          <a:fontRef idx="minor">
-            <a:schemeClr val="lt1"/>
-          </a:fontRef>
-        </p:style>
-        <p:txBody>
-          <a:bodyPr rtlCol="0" anchor="ctr"/>
-          <a:lstStyle/>
-          <a:p>
-            <a:pPr algn="ctr"/>
-            <a:endParaRPr lang="it-IT"/>
-          </a:p>
-        </p:txBody>
-      </p:sp>
-      <p:sp>
-        <p:nvSpPr>
-          <p:cNvPr id="18" name="Freccia giù 48">
-            <a:extLst>
-              <a:ext uri="{FF2B5EF4-FFF2-40B4-BE49-F238E27FC236}">
-                <a16:creationId xmlns:a16="http://schemas.microsoft.com/office/drawing/2014/main" id="{F130B43B-9917-428A-8818-3F254B460FC2}"/>
-              </a:ext>
-            </a:extLst>
-          </p:cNvPr>
-          <p:cNvSpPr/>
-          <p:nvPr/>
-        </p:nvSpPr>
-        <p:spPr>
-          <a:xfrm rot="10800000">
-            <a:off x="3621281" y="4578785"/>
-            <a:ext cx="360040" cy="874031"/>
-          </a:xfrm>
-          <a:prstGeom prst="downArrow">
-            <a:avLst/>
-          </a:prstGeom>
-          <a:ln/>
-        </p:spPr>
-        <p:style>
-          <a:lnRef idx="2">
-            <a:schemeClr val="accent3">
-              <a:shade val="50000"/>
-            </a:schemeClr>
-          </a:lnRef>
-          <a:fillRef idx="1">
-            <a:schemeClr val="accent3"/>
-          </a:fillRef>
-          <a:effectRef idx="0">
-            <a:schemeClr val="accent3"/>
-          </a:effectRef>
-          <a:fontRef idx="minor">
-            <a:schemeClr val="lt1"/>
-          </a:fontRef>
-        </p:style>
-        <p:txBody>
-          <a:bodyPr rtlCol="0" anchor="ctr"/>
-          <a:lstStyle/>
-          <a:p>
-            <a:pPr algn="ctr"/>
-            <a:endParaRPr lang="it-IT"/>
-          </a:p>
-        </p:txBody>
-      </p:sp>
-      <p:cxnSp>
-        <p:nvCxnSpPr>
-          <p:cNvPr id="19" name="Connettore 2 18">
-            <a:extLst>
-              <a:ext uri="{FF2B5EF4-FFF2-40B4-BE49-F238E27FC236}">
-                <a16:creationId xmlns:a16="http://schemas.microsoft.com/office/drawing/2014/main" id="{E81D2CE9-9A8A-4F1C-8D67-2EE279219E28}"/>
-              </a:ext>
-            </a:extLst>
-          </p:cNvPr>
-          <p:cNvCxnSpPr/>
-          <p:nvPr/>
-        </p:nvCxnSpPr>
-        <p:spPr>
-          <a:xfrm flipH="1">
-            <a:off x="1539423" y="4885156"/>
-            <a:ext cx="394471" cy="647805"/>
-          </a:xfrm>
-          <a:prstGeom prst="straightConnector1">
-            <a:avLst/>
-          </a:prstGeom>
-          <a:ln w="38100">
-            <a:solidFill>
-              <a:schemeClr val="accent5"/>
-            </a:solidFill>
-            <a:tailEnd type="triangle"/>
-          </a:ln>
-        </p:spPr>
-        <p:style>
-          <a:lnRef idx="1">
-            <a:schemeClr val="accent1"/>
-          </a:lnRef>
-          <a:fillRef idx="0">
-            <a:schemeClr val="accent1"/>
-          </a:fillRef>
-          <a:effectRef idx="0">
-            <a:schemeClr val="accent1"/>
-          </a:effectRef>
-          <a:fontRef idx="minor">
-            <a:schemeClr val="tx1"/>
-          </a:fontRef>
-        </p:style>
-      </p:cxnSp>
-      <p:cxnSp>
-        <p:nvCxnSpPr>
-          <p:cNvPr id="20" name="Connettore 2 19">
-            <a:extLst>
-              <a:ext uri="{FF2B5EF4-FFF2-40B4-BE49-F238E27FC236}">
-                <a16:creationId xmlns:a16="http://schemas.microsoft.com/office/drawing/2014/main" id="{35C3FDA0-F655-4E36-B3DA-C361DADA2270}"/>
-              </a:ext>
-            </a:extLst>
-          </p:cNvPr>
-          <p:cNvCxnSpPr/>
-          <p:nvPr/>
-        </p:nvCxnSpPr>
-        <p:spPr>
-          <a:xfrm>
-            <a:off x="5060739" y="4378988"/>
-            <a:ext cx="2199546" cy="1225294"/>
-          </a:xfrm>
-          <a:prstGeom prst="straightConnector1">
-            <a:avLst/>
-          </a:prstGeom>
-          <a:ln w="38100">
-            <a:solidFill>
-              <a:schemeClr val="accent5"/>
-            </a:solidFill>
-            <a:headEnd type="triangle"/>
-            <a:tailEnd type="triangle"/>
-          </a:ln>
-        </p:spPr>
-        <p:style>
-          <a:lnRef idx="1">
-            <a:schemeClr val="accent1"/>
-          </a:lnRef>
-          <a:fillRef idx="0">
-            <a:schemeClr val="accent1"/>
-          </a:fillRef>
-          <a:effectRef idx="0">
-            <a:schemeClr val="accent1"/>
-          </a:effectRef>
-          <a:fontRef idx="minor">
-            <a:schemeClr val="tx1"/>
-          </a:fontRef>
-        </p:style>
-      </p:cxnSp>
-      <p:sp>
-        <p:nvSpPr>
-          <p:cNvPr id="21" name="Rettangolo arrotondato 62">
-            <a:extLst>
-              <a:ext uri="{FF2B5EF4-FFF2-40B4-BE49-F238E27FC236}">
-                <a16:creationId xmlns:a16="http://schemas.microsoft.com/office/drawing/2014/main" id="{566A7E8D-BCDD-4E17-84AF-623F289019F3}"/>
-              </a:ext>
-            </a:extLst>
-          </p:cNvPr>
-          <p:cNvSpPr/>
-          <p:nvPr/>
-        </p:nvSpPr>
-        <p:spPr>
-          <a:xfrm>
-            <a:off x="4522228" y="5452817"/>
-            <a:ext cx="1794469" cy="1233328"/>
-          </a:xfrm>
-          <a:prstGeom prst="roundRect">
-            <a:avLst/>
-          </a:prstGeom>
-          <a:ln w="28575"/>
-        </p:spPr>
-        <p:style>
-          <a:lnRef idx="1">
-            <a:schemeClr val="accent3"/>
-          </a:lnRef>
-          <a:fillRef idx="2">
-            <a:schemeClr val="accent3"/>
-          </a:fillRef>
-          <a:effectRef idx="1">
-            <a:schemeClr val="accent3"/>
-          </a:effectRef>
-          <a:fontRef idx="minor">
-            <a:schemeClr val="dk1"/>
-          </a:fontRef>
-        </p:style>
-        <p:txBody>
-          <a:bodyPr rtlCol="0" anchor="ctr"/>
-          <a:lstStyle/>
-          <a:p>
-            <a:pPr algn="ctr"/>
-            <a:r>
-              <a:rPr lang="it-IT" sz="1700" b="1" dirty="0">
-                <a:solidFill>
-                  <a:schemeClr val="accent3">
-                    <a:lumMod val="50000"/>
-                  </a:schemeClr>
-                </a:solidFill>
-              </a:rPr>
-              <a:t>PAUSE</a:t>
-            </a:r>
-          </a:p>
-        </p:txBody>
-      </p:sp>
-      <p:sp>
-        <p:nvSpPr>
-          <p:cNvPr id="22" name="Freccia giù 71">
-            <a:extLst>
-              <a:ext uri="{FF2B5EF4-FFF2-40B4-BE49-F238E27FC236}">
-                <a16:creationId xmlns:a16="http://schemas.microsoft.com/office/drawing/2014/main" id="{EBE24AE4-51DB-4393-B49C-4B1A641054C3}"/>
-              </a:ext>
-            </a:extLst>
-          </p:cNvPr>
-          <p:cNvSpPr/>
-          <p:nvPr/>
-        </p:nvSpPr>
-        <p:spPr>
-          <a:xfrm>
-            <a:off x="7408250" y="446951"/>
-            <a:ext cx="351834" cy="2843869"/>
-          </a:xfrm>
-          <a:prstGeom prst="downArrow">
-            <a:avLst/>
-          </a:prstGeom>
-          <a:ln/>
-        </p:spPr>
-        <p:style>
-          <a:lnRef idx="2">
-            <a:schemeClr val="accent3">
-              <a:shade val="50000"/>
-            </a:schemeClr>
-          </a:lnRef>
-          <a:fillRef idx="1">
-            <a:schemeClr val="accent3"/>
-          </a:fillRef>
-          <a:effectRef idx="0">
-            <a:schemeClr val="accent3"/>
-          </a:effectRef>
-          <a:fontRef idx="minor">
-            <a:schemeClr val="lt1"/>
-          </a:fontRef>
-        </p:style>
-        <p:txBody>
-          <a:bodyPr rtlCol="0" anchor="ctr"/>
-          <a:lstStyle/>
-          <a:p>
-            <a:pPr algn="ctr"/>
-            <a:endParaRPr lang="it-IT"/>
-          </a:p>
-        </p:txBody>
-      </p:sp>
-      <p:sp>
-        <p:nvSpPr>
-          <p:cNvPr id="23" name="Freccia bidirezionale verticale 22">
-            <a:extLst>
-              <a:ext uri="{FF2B5EF4-FFF2-40B4-BE49-F238E27FC236}">
-                <a16:creationId xmlns:a16="http://schemas.microsoft.com/office/drawing/2014/main" id="{D7F7063D-8AB4-4AC5-9023-8B63A5129B3A}"/>
-              </a:ext>
-            </a:extLst>
-          </p:cNvPr>
-          <p:cNvSpPr/>
-          <p:nvPr/>
-        </p:nvSpPr>
-        <p:spPr>
-          <a:xfrm rot="20241871">
-            <a:off x="4907508" y="4542933"/>
-            <a:ext cx="323591" cy="907647"/>
-          </a:xfrm>
-          <a:prstGeom prst="upDownArrow">
-            <a:avLst/>
-          </a:prstGeom>
-          <a:ln/>
-        </p:spPr>
-        <p:style>
-          <a:lnRef idx="2">
-            <a:schemeClr val="accent3">
-              <a:shade val="50000"/>
-            </a:schemeClr>
-          </a:lnRef>
-          <a:fillRef idx="1">
-            <a:schemeClr val="accent3"/>
-          </a:fillRef>
-          <a:effectRef idx="0">
-            <a:schemeClr val="accent3"/>
-          </a:effectRef>
-          <a:fontRef idx="minor">
-            <a:schemeClr val="lt1"/>
-          </a:fontRef>
-        </p:style>
-        <p:txBody>
-          <a:bodyPr rtlCol="0" anchor="ctr"/>
-          <a:lstStyle/>
-          <a:p>
-            <a:pPr algn="ctr"/>
-            <a:endParaRPr lang="it-IT"/>
-          </a:p>
-        </p:txBody>
-      </p:sp>
-      <p:sp>
-        <p:nvSpPr>
-          <p:cNvPr id="24" name="Freccia giù 70">
-            <a:extLst>
-              <a:ext uri="{FF2B5EF4-FFF2-40B4-BE49-F238E27FC236}">
-                <a16:creationId xmlns:a16="http://schemas.microsoft.com/office/drawing/2014/main" id="{1A53C04B-C0D8-4E2C-BC53-5C24A4A2D31F}"/>
-              </a:ext>
-            </a:extLst>
-          </p:cNvPr>
-          <p:cNvSpPr/>
-          <p:nvPr/>
-        </p:nvSpPr>
-        <p:spPr>
-          <a:xfrm rot="5400000">
-            <a:off x="4332854" y="-2740277"/>
-            <a:ext cx="378832" cy="6276708"/>
-          </a:xfrm>
-          <a:prstGeom prst="downArrow">
-            <a:avLst/>
-          </a:prstGeom>
-          <a:ln/>
-        </p:spPr>
-        <p:style>
-          <a:lnRef idx="2">
-            <a:schemeClr val="accent3">
-              <a:shade val="50000"/>
-            </a:schemeClr>
-          </a:lnRef>
-          <a:fillRef idx="1">
-            <a:schemeClr val="accent3"/>
-          </a:fillRef>
-          <a:effectRef idx="0">
-            <a:schemeClr val="accent3"/>
-          </a:effectRef>
-          <a:fontRef idx="minor">
-            <a:schemeClr val="lt1"/>
-          </a:fontRef>
-        </p:style>
-        <p:txBody>
-          <a:bodyPr rtlCol="0" anchor="ctr"/>
-          <a:lstStyle/>
-          <a:p>
-            <a:pPr algn="ctr"/>
-            <a:endParaRPr lang="it-IT"/>
-          </a:p>
-        </p:txBody>
-      </p:sp>
-      <p:pic>
-        <p:nvPicPr>
-          <p:cNvPr id="25" name="Immagine 24">
-            <a:extLst>
-              <a:ext uri="{FF2B5EF4-FFF2-40B4-BE49-F238E27FC236}">
-                <a16:creationId xmlns:a16="http://schemas.microsoft.com/office/drawing/2014/main" id="{217E8F39-847B-4714-990F-F6CABE20B495}"/>
-              </a:ext>
-            </a:extLst>
-          </p:cNvPr>
-          <p:cNvPicPr>
-            <a:picLocks noChangeAspect="1"/>
-          </p:cNvPicPr>
-          <p:nvPr/>
-        </p:nvPicPr>
-        <p:blipFill>
-          <a:blip r:embed="rId2" cstate="print">
-            <a:extLst>
-              <a:ext uri="{28A0092B-C50C-407E-A947-70E740481C1C}">
-                <a14:useLocalDpi xmlns:a14="http://schemas.microsoft.com/office/drawing/2010/main" val="0"/>
-              </a:ext>
-            </a:extLst>
-          </a:blip>
-          <a:stretch>
-            <a:fillRect/>
-          </a:stretch>
-        </p:blipFill>
-        <p:spPr>
-          <a:xfrm>
-            <a:off x="7990439" y="697064"/>
-            <a:ext cx="844354" cy="844354"/>
-          </a:xfrm>
-          <a:prstGeom prst="rect">
-            <a:avLst/>
-          </a:prstGeom>
-        </p:spPr>
-      </p:pic>
-      <p:sp>
-        <p:nvSpPr>
-          <p:cNvPr id="2" name="CasellaDiTesto 1"/>
-          <p:cNvSpPr txBox="1"/>
-          <p:nvPr/>
-        </p:nvSpPr>
-        <p:spPr>
-          <a:xfrm>
-            <a:off x="3619003" y="1102115"/>
-            <a:ext cx="1304895" cy="369332"/>
-          </a:xfrm>
-          <a:prstGeom prst="rect">
-            <a:avLst/>
-          </a:prstGeom>
-          <a:noFill/>
-        </p:spPr>
-        <p:txBody>
-          <a:bodyPr wrap="square" rtlCol="0">
-            <a:spAutoFit/>
-          </a:bodyPr>
-          <a:lstStyle/>
-          <a:p>
-            <a:r>
-              <a:rPr lang="it-IT" b="1" dirty="0">
-                <a:solidFill>
-                  <a:schemeClr val="accent2">
-                    <a:lumMod val="50000"/>
-                  </a:schemeClr>
-                </a:solidFill>
-              </a:rPr>
-              <a:t>BOARD</a:t>
-            </a:r>
-          </a:p>
-        </p:txBody>
-      </p:sp>
-      <p:sp>
-        <p:nvSpPr>
-          <p:cNvPr id="27" name="CasellaDiTesto 26">
-            <a:extLst>
-              <a:ext uri="{FF2B5EF4-FFF2-40B4-BE49-F238E27FC236}">
-                <a16:creationId xmlns:a16="http://schemas.microsoft.com/office/drawing/2014/main" id="{A82AC8D3-1E95-4775-B5B9-FEBD080520C6}"/>
-              </a:ext>
-            </a:extLst>
-          </p:cNvPr>
-          <p:cNvSpPr txBox="1"/>
-          <p:nvPr/>
-        </p:nvSpPr>
-        <p:spPr>
-          <a:xfrm>
-            <a:off x="3102318" y="611357"/>
-            <a:ext cx="1954283" cy="369332"/>
-          </a:xfrm>
-          <a:prstGeom prst="rect">
-            <a:avLst/>
-          </a:prstGeom>
-          <a:noFill/>
-        </p:spPr>
-        <p:txBody>
-          <a:bodyPr wrap="square" rtlCol="0">
-            <a:spAutoFit/>
-          </a:bodyPr>
-          <a:lstStyle/>
-          <a:p>
-            <a:pPr algn="ctr"/>
-            <a:r>
-              <a:rPr lang="it-IT" b="1" dirty="0">
-                <a:solidFill>
-                  <a:schemeClr val="accent2">
-                    <a:lumMod val="50000"/>
-                  </a:schemeClr>
-                </a:solidFill>
-              </a:rPr>
-              <a:t>CORE</a:t>
-            </a:r>
-          </a:p>
-        </p:txBody>
-      </p:sp>
-      <p:sp>
-        <p:nvSpPr>
-          <p:cNvPr id="28" name="Freccia giù 48">
-            <a:extLst>
-              <a:ext uri="{FF2B5EF4-FFF2-40B4-BE49-F238E27FC236}">
-                <a16:creationId xmlns:a16="http://schemas.microsoft.com/office/drawing/2014/main" id="{BA92329F-C47B-42FC-A28D-FAC83944CCE3}"/>
-              </a:ext>
-            </a:extLst>
-          </p:cNvPr>
-          <p:cNvSpPr/>
-          <p:nvPr/>
-        </p:nvSpPr>
-        <p:spPr>
-          <a:xfrm rot="16200000">
-            <a:off x="2684974" y="2806019"/>
-            <a:ext cx="360040" cy="365732"/>
-          </a:xfrm>
-          <a:prstGeom prst="downArrow">
-            <a:avLst/>
-          </a:prstGeom>
-          <a:ln/>
-        </p:spPr>
-        <p:style>
-          <a:lnRef idx="2">
-            <a:schemeClr val="accent2">
-              <a:shade val="50000"/>
-            </a:schemeClr>
-          </a:lnRef>
-          <a:fillRef idx="1">
-            <a:schemeClr val="accent2"/>
-          </a:fillRef>
-          <a:effectRef idx="0">
-            <a:schemeClr val="accent2"/>
-          </a:effectRef>
-          <a:fontRef idx="minor">
-            <a:schemeClr val="lt1"/>
-          </a:fontRef>
-        </p:style>
-        <p:txBody>
-          <a:bodyPr rtlCol="0" anchor="ctr"/>
-          <a:lstStyle/>
-          <a:p>
-            <a:pPr algn="ctr"/>
-            <a:endParaRPr lang="it-IT"/>
-          </a:p>
-        </p:txBody>
-      </p:sp>
-      <p:sp>
-        <p:nvSpPr>
-          <p:cNvPr id="29" name="Freccia giù 48">
-            <a:extLst>
-              <a:ext uri="{FF2B5EF4-FFF2-40B4-BE49-F238E27FC236}">
-                <a16:creationId xmlns:a16="http://schemas.microsoft.com/office/drawing/2014/main" id="{D2868EA1-1293-4E2B-93A5-65FC26EA410B}"/>
-              </a:ext>
-            </a:extLst>
-          </p:cNvPr>
-          <p:cNvSpPr/>
-          <p:nvPr/>
-        </p:nvSpPr>
-        <p:spPr>
-          <a:xfrm rot="16200000">
-            <a:off x="5146656" y="2782484"/>
-            <a:ext cx="360040" cy="412801"/>
-          </a:xfrm>
-          <a:prstGeom prst="downArrow">
-            <a:avLst/>
-          </a:prstGeom>
-          <a:ln/>
-        </p:spPr>
-        <p:style>
-          <a:lnRef idx="2">
-            <a:schemeClr val="accent2">
-              <a:shade val="50000"/>
-            </a:schemeClr>
-          </a:lnRef>
-          <a:fillRef idx="1">
-            <a:schemeClr val="accent2"/>
-          </a:fillRef>
-          <a:effectRef idx="0">
-            <a:schemeClr val="accent2"/>
-          </a:effectRef>
-          <a:fontRef idx="minor">
-            <a:schemeClr val="lt1"/>
-          </a:fontRef>
-        </p:style>
-        <p:txBody>
-          <a:bodyPr rtlCol="0" anchor="ctr"/>
-          <a:lstStyle/>
-          <a:p>
-            <a:pPr algn="ctr"/>
-            <a:endParaRPr lang="it-IT"/>
-          </a:p>
-        </p:txBody>
-      </p:sp>
-    </p:spTree>
-    <p:extLst>
-      <p:ext uri="{BB962C8B-B14F-4D97-AF65-F5344CB8AC3E}">
-        <p14:creationId xmlns:p14="http://schemas.microsoft.com/office/powerpoint/2010/main" val="3520390979"/>
-      </p:ext>
-    </p:extLst>
-  </p:cSld>
-  <p:clrMapOvr>
-    <a:masterClrMapping/>
-  </p:clrMapOvr>
-</p:sld>
-</file>
-
-<file path=ppt/slides/slide9.xml><?xml version="1.0" encoding="utf-8"?>
-<p:sld xmlns:a="http://schemas.openxmlformats.org/drawingml/2006/main" xmlns:r="http://schemas.openxmlformats.org/officeDocument/2006/relationships" xmlns:p="http://schemas.openxmlformats.org/presentationml/2006/main">
-  <p:cSld>
-    <p:spTree>
-      <p:nvGrpSpPr>
-        <p:cNvPr id="1" name=""/>
-        <p:cNvGrpSpPr/>
-        <p:nvPr/>
-      </p:nvGrpSpPr>
-      <p:grpSpPr>
-        <a:xfrm>
-          <a:off x="0" y="0"/>
-          <a:ext cx="0" cy="0"/>
-          <a:chOff x="0" y="0"/>
-          <a:chExt cx="0" cy="0"/>
-        </a:xfrm>
-      </p:grpSpPr>
-      <p:sp>
-        <p:nvSpPr>
-          <p:cNvPr id="3" name="Titolo 1">
-            <a:extLst>
-              <a:ext uri="{FF2B5EF4-FFF2-40B4-BE49-F238E27FC236}">
-                <a16:creationId xmlns:a16="http://schemas.microsoft.com/office/drawing/2014/main" id="{ED79AE7D-D3B1-4183-9D86-9D2FE5FDF7D2}"/>
-              </a:ext>
-            </a:extLst>
-          </p:cNvPr>
-          <p:cNvSpPr>
-            <a:spLocks noGrp="1"/>
-          </p:cNvSpPr>
-          <p:nvPr>
-            <p:ph type="title"/>
-          </p:nvPr>
-        </p:nvSpPr>
-        <p:spPr>
-          <a:xfrm>
-            <a:off x="1763688" y="211371"/>
-            <a:ext cx="5256585" cy="619121"/>
-          </a:xfrm>
-        </p:spPr>
-        <p:txBody>
-          <a:bodyPr>
-            <a:normAutofit/>
-          </a:bodyPr>
-          <a:lstStyle/>
-          <a:p>
-            <a:r>
-              <a:rPr lang="it-IT" sz="3000" b="1" dirty="0">
-                <a:solidFill>
-                  <a:schemeClr val="accent2"/>
-                </a:solidFill>
-              </a:rPr>
-              <a:t>Architecture </a:t>
-            </a:r>
-            <a:r>
-              <a:rPr lang="it-IT" sz="3000" b="1" dirty="0" err="1">
-                <a:solidFill>
-                  <a:schemeClr val="accent2"/>
-                </a:solidFill>
-              </a:rPr>
-              <a:t>Explanation</a:t>
-            </a:r>
-            <a:endParaRPr lang="it-IT" sz="3000" b="1" dirty="0">
-              <a:solidFill>
-                <a:schemeClr val="accent2"/>
-              </a:solidFill>
-            </a:endParaRPr>
-          </a:p>
-        </p:txBody>
-      </p:sp>
-      <p:sp>
-        <p:nvSpPr>
-          <p:cNvPr id="4" name="CasellaDiTesto 3">
-            <a:extLst>
-              <a:ext uri="{FF2B5EF4-FFF2-40B4-BE49-F238E27FC236}">
-                <a16:creationId xmlns:a16="http://schemas.microsoft.com/office/drawing/2014/main" id="{9120F17C-3957-41C4-88F7-7498306679CF}"/>
-              </a:ext>
-            </a:extLst>
-          </p:cNvPr>
-          <p:cNvSpPr txBox="1"/>
-          <p:nvPr/>
-        </p:nvSpPr>
-        <p:spPr>
-          <a:xfrm>
-            <a:off x="629436" y="2152723"/>
-            <a:ext cx="5454731" cy="430887"/>
-          </a:xfrm>
-          <a:prstGeom prst="rect">
-            <a:avLst/>
-          </a:prstGeom>
-          <a:noFill/>
-        </p:spPr>
-        <p:txBody>
-          <a:bodyPr wrap="square" rtlCol="0">
-            <a:spAutoFit/>
-          </a:bodyPr>
-          <a:lstStyle/>
-          <a:p>
-            <a:r>
-              <a:rPr lang="en-US" sz="2200" b="1" dirty="0"/>
-              <a:t>Hybrid of different architectural styles</a:t>
-            </a:r>
-            <a:endParaRPr lang="it-IT" sz="2200" b="1" dirty="0"/>
-          </a:p>
-        </p:txBody>
-      </p:sp>
-      <p:sp>
-        <p:nvSpPr>
-          <p:cNvPr id="5" name="CasellaDiTesto 4">
-            <a:extLst>
-              <a:ext uri="{FF2B5EF4-FFF2-40B4-BE49-F238E27FC236}">
-                <a16:creationId xmlns:a16="http://schemas.microsoft.com/office/drawing/2014/main" id="{A8D4F944-514D-4467-9DA1-CB0C5E5BE276}"/>
-              </a:ext>
-            </a:extLst>
-          </p:cNvPr>
-          <p:cNvSpPr txBox="1"/>
-          <p:nvPr/>
-        </p:nvSpPr>
-        <p:spPr>
-          <a:xfrm>
-            <a:off x="580130" y="3012629"/>
-            <a:ext cx="5256584" cy="1938992"/>
-          </a:xfrm>
-          <a:prstGeom prst="rect">
-            <a:avLst/>
-          </a:prstGeom>
-          <a:noFill/>
-        </p:spPr>
-        <p:txBody>
-          <a:bodyPr wrap="square" rtlCol="0">
-            <a:spAutoFit/>
-          </a:bodyPr>
-          <a:lstStyle/>
-          <a:p>
-            <a:pPr marL="285750" indent="-285750">
-              <a:buFont typeface="Wingdings" panose="05000000000000000000" pitchFamily="2" charset="2"/>
-              <a:buChar char="Ø"/>
-            </a:pPr>
-            <a:r>
-              <a:rPr lang="it-IT" sz="2000" dirty="0"/>
-              <a:t>Multi-</a:t>
-            </a:r>
-            <a:r>
-              <a:rPr lang="it-IT" sz="2000" dirty="0" err="1"/>
-              <a:t>tier</a:t>
-            </a:r>
-            <a:r>
-              <a:rPr lang="it-IT" sz="2000" dirty="0"/>
-              <a:t> style </a:t>
-            </a:r>
-            <a:r>
-              <a:rPr lang="it-IT" sz="2000" dirty="0" err="1"/>
-              <a:t>architecture</a:t>
-            </a:r>
-            <a:endParaRPr lang="it-IT" sz="2000" dirty="0"/>
-          </a:p>
-          <a:p>
-            <a:pPr marL="742950" lvl="1" indent="-285750">
-              <a:buFont typeface="Wingdings" panose="05000000000000000000" pitchFamily="2" charset="2"/>
-              <a:buChar char="Ø"/>
-            </a:pPr>
-            <a:r>
-              <a:rPr lang="it-IT" sz="2000" i="1" dirty="0">
-                <a:solidFill>
-                  <a:schemeClr val="bg2">
-                    <a:lumMod val="50000"/>
-                  </a:schemeClr>
-                </a:solidFill>
-              </a:rPr>
-              <a:t>Core</a:t>
-            </a:r>
-          </a:p>
-          <a:p>
-            <a:pPr marL="285750" indent="-285750">
-              <a:buFont typeface="Wingdings" panose="05000000000000000000" pitchFamily="2" charset="2"/>
-              <a:buChar char="Ø"/>
-            </a:pPr>
-            <a:r>
-              <a:rPr lang="it-IT" sz="2000" dirty="0"/>
-              <a:t>Pipe and filter style </a:t>
-            </a:r>
-            <a:r>
-              <a:rPr lang="it-IT" sz="2000" dirty="0" err="1"/>
-              <a:t>architecture</a:t>
-            </a:r>
-            <a:endParaRPr lang="it-IT" sz="2000" dirty="0"/>
-          </a:p>
-          <a:p>
-            <a:pPr marL="742950" lvl="1" indent="-285750">
-              <a:buFont typeface="Wingdings" panose="05000000000000000000" pitchFamily="2" charset="2"/>
-              <a:buChar char="Ø"/>
-            </a:pPr>
-            <a:r>
-              <a:rPr lang="it-IT" sz="2000" i="1" dirty="0">
-                <a:solidFill>
-                  <a:schemeClr val="bg2">
-                    <a:lumMod val="50000"/>
-                  </a:schemeClr>
-                </a:solidFill>
-              </a:rPr>
-              <a:t>Board</a:t>
-            </a:r>
-          </a:p>
-          <a:p>
-            <a:pPr marL="285750" indent="-285750">
-              <a:buFont typeface="Wingdings" panose="05000000000000000000" pitchFamily="2" charset="2"/>
-              <a:buChar char="Ø"/>
-            </a:pPr>
-            <a:r>
-              <a:rPr lang="it-IT" sz="2000" dirty="0"/>
-              <a:t>Use of external </a:t>
-            </a:r>
-            <a:r>
-              <a:rPr lang="it-IT" sz="2000" dirty="0" err="1"/>
-              <a:t>services</a:t>
-            </a:r>
-            <a:r>
-              <a:rPr lang="it-IT" sz="2000" dirty="0"/>
-              <a:t> </a:t>
-            </a:r>
-          </a:p>
-          <a:p>
-            <a:pPr marL="742950" lvl="1" indent="-285750">
-              <a:buFont typeface="Wingdings" panose="05000000000000000000" pitchFamily="2" charset="2"/>
-              <a:buChar char="Ø"/>
-            </a:pPr>
-            <a:r>
-              <a:rPr lang="it-IT" sz="2000" i="1" dirty="0">
-                <a:solidFill>
-                  <a:schemeClr val="bg2">
-                    <a:lumMod val="50000"/>
-                  </a:schemeClr>
-                </a:solidFill>
-              </a:rPr>
-              <a:t>Music, Multiplayer</a:t>
-            </a:r>
-          </a:p>
-        </p:txBody>
-      </p:sp>
-      <p:sp>
-        <p:nvSpPr>
-          <p:cNvPr id="6" name="CasellaDiTesto 5">
-            <a:extLst>
-              <a:ext uri="{FF2B5EF4-FFF2-40B4-BE49-F238E27FC236}">
-                <a16:creationId xmlns:a16="http://schemas.microsoft.com/office/drawing/2014/main" id="{01F31532-7269-4820-BF25-D1D44E62510A}"/>
-              </a:ext>
-            </a:extLst>
-          </p:cNvPr>
-          <p:cNvSpPr txBox="1"/>
-          <p:nvPr/>
-        </p:nvSpPr>
-        <p:spPr>
-          <a:xfrm>
-            <a:off x="580130" y="1212004"/>
-            <a:ext cx="5792070" cy="430887"/>
-          </a:xfrm>
-          <a:prstGeom prst="rect">
-            <a:avLst/>
-          </a:prstGeom>
-          <a:noFill/>
-        </p:spPr>
-        <p:txBody>
-          <a:bodyPr wrap="square" rtlCol="0">
-            <a:spAutoFit/>
-          </a:bodyPr>
-          <a:lstStyle/>
-          <a:p>
-            <a:r>
-              <a:rPr lang="en-US" sz="2200" b="1" dirty="0"/>
-              <a:t>Structured as a logical block architecture</a:t>
-            </a:r>
-            <a:endParaRPr lang="it-IT" sz="2200" b="1" dirty="0"/>
-          </a:p>
-        </p:txBody>
-      </p:sp>
-      <p:sp>
-        <p:nvSpPr>
-          <p:cNvPr id="7" name="CasellaDiTesto 6">
-            <a:extLst>
-              <a:ext uri="{FF2B5EF4-FFF2-40B4-BE49-F238E27FC236}">
-                <a16:creationId xmlns:a16="http://schemas.microsoft.com/office/drawing/2014/main" id="{5BAFBAF2-27B6-4547-8A82-67D3799B260F}"/>
-              </a:ext>
-            </a:extLst>
-          </p:cNvPr>
-          <p:cNvSpPr txBox="1"/>
-          <p:nvPr/>
-        </p:nvSpPr>
-        <p:spPr>
-          <a:xfrm>
-            <a:off x="410464" y="5261275"/>
-            <a:ext cx="6624737" cy="769441"/>
-          </a:xfrm>
-          <a:prstGeom prst="rect">
-            <a:avLst/>
-          </a:prstGeom>
-          <a:noFill/>
-        </p:spPr>
-        <p:txBody>
-          <a:bodyPr wrap="square" rtlCol="0">
-            <a:spAutoFit/>
-          </a:bodyPr>
-          <a:lstStyle/>
-          <a:p>
-            <a:r>
-              <a:rPr lang="en-US" sz="2200" dirty="0"/>
-              <a:t>A data saving module is displayed by continuously updating a file on the device</a:t>
-            </a:r>
-            <a:endParaRPr lang="it-IT" sz="2200" dirty="0"/>
-          </a:p>
-        </p:txBody>
-      </p:sp>
-    </p:spTree>
-    <p:extLst>
-      <p:ext uri="{BB962C8B-B14F-4D97-AF65-F5344CB8AC3E}">
-        <p14:creationId xmlns:p14="http://schemas.microsoft.com/office/powerpoint/2010/main" val="3170400693"/>
       </p:ext>
     </p:extLst>
   </p:cSld>
